--- a/Презентация.pptx
+++ b/Презентация.pptx
@@ -4,10 +4,17 @@
   <p:sldMasterIdLst>
     <p:sldMasterId id="2147483648" r:id="rId1"/>
   </p:sldMasterIdLst>
+  <p:notesMasterIdLst>
+    <p:notesMasterId r:id="rId9"/>
+  </p:notesMasterIdLst>
   <p:sldIdLst>
     <p:sldId id="256" r:id="rId2"/>
     <p:sldId id="257" r:id="rId3"/>
-    <p:sldId id="258" r:id="rId4"/>
+    <p:sldId id="259" r:id="rId4"/>
+    <p:sldId id="261" r:id="rId5"/>
+    <p:sldId id="262" r:id="rId6"/>
+    <p:sldId id="263" r:id="rId7"/>
+    <p:sldId id="258" r:id="rId8"/>
   </p:sldIdLst>
   <p:sldSz cx="12192000" cy="6858000"/>
   <p:notesSz cx="6858000" cy="9144000"/>
@@ -106,7 +113,361 @@
       </a:defRPr>
     </a:lvl9pPr>
   </p:defaultTextStyle>
+  <p:extLst>
+    <p:ext uri="{EFAFB233-063F-42B5-8137-9DF3F51BA10A}">
+      <p15:sldGuideLst xmlns:p15="http://schemas.microsoft.com/office/powerpoint/2012/main"/>
+    </p:ext>
+  </p:extLst>
 </p:presentation>
+</file>
+
+<file path=ppt/notesMasters/notesMaster1.xml><?xml version="1.0" encoding="utf-8"?>
+<p:notesMaster xmlns:a="http://schemas.openxmlformats.org/drawingml/2006/main" xmlns:r="http://schemas.openxmlformats.org/officeDocument/2006/relationships" xmlns:p="http://schemas.openxmlformats.org/presentationml/2006/main">
+  <p:cSld>
+    <p:bg>
+      <p:bgRef idx="1001">
+        <a:schemeClr val="bg1"/>
+      </p:bgRef>
+    </p:bg>
+    <p:spTree>
+      <p:nvGrpSpPr>
+        <p:cNvPr id="1" name=""/>
+        <p:cNvGrpSpPr/>
+        <p:nvPr/>
+      </p:nvGrpSpPr>
+      <p:grpSpPr>
+        <a:xfrm>
+          <a:off x="0" y="0"/>
+          <a:ext cx="0" cy="0"/>
+          <a:chOff x="0" y="0"/>
+          <a:chExt cx="0" cy="0"/>
+        </a:xfrm>
+      </p:grpSpPr>
+      <p:sp>
+        <p:nvSpPr>
+          <p:cNvPr id="2" name="Верхний колонтитул 1"/>
+          <p:cNvSpPr>
+            <a:spLocks noGrp="1"/>
+          </p:cNvSpPr>
+          <p:nvPr>
+            <p:ph type="hdr" sz="quarter"/>
+          </p:nvPr>
+        </p:nvSpPr>
+        <p:spPr>
+          <a:xfrm>
+            <a:off x="0" y="0"/>
+            <a:ext cx="2971800" cy="458788"/>
+          </a:xfrm>
+          <a:prstGeom prst="rect">
+            <a:avLst/>
+          </a:prstGeom>
+        </p:spPr>
+        <p:txBody>
+          <a:bodyPr vert="horz" lIns="91440" tIns="45720" rIns="91440" bIns="45720" rtlCol="0"/>
+          <a:lstStyle>
+            <a:lvl1pPr algn="l">
+              <a:defRPr sz="1200"/>
+            </a:lvl1pPr>
+          </a:lstStyle>
+          <a:p>
+            <a:endParaRPr lang="ru-RU"/>
+          </a:p>
+        </p:txBody>
+      </p:sp>
+      <p:sp>
+        <p:nvSpPr>
+          <p:cNvPr id="3" name="Дата 2"/>
+          <p:cNvSpPr>
+            <a:spLocks noGrp="1"/>
+          </p:cNvSpPr>
+          <p:nvPr>
+            <p:ph type="dt" idx="1"/>
+          </p:nvPr>
+        </p:nvSpPr>
+        <p:spPr>
+          <a:xfrm>
+            <a:off x="3884613" y="0"/>
+            <a:ext cx="2971800" cy="458788"/>
+          </a:xfrm>
+          <a:prstGeom prst="rect">
+            <a:avLst/>
+          </a:prstGeom>
+        </p:spPr>
+        <p:txBody>
+          <a:bodyPr vert="horz" lIns="91440" tIns="45720" rIns="91440" bIns="45720" rtlCol="0"/>
+          <a:lstStyle>
+            <a:lvl1pPr algn="r">
+              <a:defRPr sz="1200"/>
+            </a:lvl1pPr>
+          </a:lstStyle>
+          <a:p>
+            <a:fld id="{67AEF5AC-C086-4AD4-8ADF-2972E5435BA6}" type="datetimeFigureOut">
+              <a:rPr lang="ru-RU" smtClean="0"/>
+              <a:t>12.11.2022</a:t>
+            </a:fld>
+            <a:endParaRPr lang="ru-RU"/>
+          </a:p>
+        </p:txBody>
+      </p:sp>
+      <p:sp>
+        <p:nvSpPr>
+          <p:cNvPr id="4" name="Образ слайда 3"/>
+          <p:cNvSpPr>
+            <a:spLocks noGrp="1" noRot="1" noChangeAspect="1"/>
+          </p:cNvSpPr>
+          <p:nvPr>
+            <p:ph type="sldImg" idx="2"/>
+          </p:nvPr>
+        </p:nvSpPr>
+        <p:spPr>
+          <a:xfrm>
+            <a:off x="685800" y="1143000"/>
+            <a:ext cx="5486400" cy="3086100"/>
+          </a:xfrm>
+          <a:prstGeom prst="rect">
+            <a:avLst/>
+          </a:prstGeom>
+          <a:noFill/>
+          <a:ln w="12700">
+            <a:solidFill>
+              <a:prstClr val="black"/>
+            </a:solidFill>
+          </a:ln>
+        </p:spPr>
+        <p:txBody>
+          <a:bodyPr vert="horz" lIns="91440" tIns="45720" rIns="91440" bIns="45720" rtlCol="0" anchor="ctr"/>
+          <a:lstStyle/>
+          <a:p>
+            <a:endParaRPr lang="ru-RU"/>
+          </a:p>
+        </p:txBody>
+      </p:sp>
+      <p:sp>
+        <p:nvSpPr>
+          <p:cNvPr id="5" name="Заметки 4"/>
+          <p:cNvSpPr>
+            <a:spLocks noGrp="1"/>
+          </p:cNvSpPr>
+          <p:nvPr>
+            <p:ph type="body" sz="quarter" idx="3"/>
+          </p:nvPr>
+        </p:nvSpPr>
+        <p:spPr>
+          <a:xfrm>
+            <a:off x="685800" y="4400550"/>
+            <a:ext cx="5486400" cy="3600450"/>
+          </a:xfrm>
+          <a:prstGeom prst="rect">
+            <a:avLst/>
+          </a:prstGeom>
+        </p:spPr>
+        <p:txBody>
+          <a:bodyPr vert="horz" lIns="91440" tIns="45720" rIns="91440" bIns="45720" rtlCol="0"/>
+          <a:lstStyle/>
+          <a:p>
+            <a:pPr lvl="0"/>
+            <a:r>
+              <a:rPr lang="ru-RU"/>
+              <a:t>Образец текста</a:t>
+            </a:r>
+          </a:p>
+          <a:p>
+            <a:pPr lvl="1"/>
+            <a:r>
+              <a:rPr lang="ru-RU"/>
+              <a:t>Второй уровень</a:t>
+            </a:r>
+          </a:p>
+          <a:p>
+            <a:pPr lvl="2"/>
+            <a:r>
+              <a:rPr lang="ru-RU"/>
+              <a:t>Третий уровень</a:t>
+            </a:r>
+          </a:p>
+          <a:p>
+            <a:pPr lvl="3"/>
+            <a:r>
+              <a:rPr lang="ru-RU"/>
+              <a:t>Четвертый уровень</a:t>
+            </a:r>
+          </a:p>
+          <a:p>
+            <a:pPr lvl="4"/>
+            <a:r>
+              <a:rPr lang="ru-RU"/>
+              <a:t>Пятый уровень</a:t>
+            </a:r>
+          </a:p>
+        </p:txBody>
+      </p:sp>
+      <p:sp>
+        <p:nvSpPr>
+          <p:cNvPr id="6" name="Нижний колонтитул 5"/>
+          <p:cNvSpPr>
+            <a:spLocks noGrp="1"/>
+          </p:cNvSpPr>
+          <p:nvPr>
+            <p:ph type="ftr" sz="quarter" idx="4"/>
+          </p:nvPr>
+        </p:nvSpPr>
+        <p:spPr>
+          <a:xfrm>
+            <a:off x="0" y="8685213"/>
+            <a:ext cx="2971800" cy="458787"/>
+          </a:xfrm>
+          <a:prstGeom prst="rect">
+            <a:avLst/>
+          </a:prstGeom>
+        </p:spPr>
+        <p:txBody>
+          <a:bodyPr vert="horz" lIns="91440" tIns="45720" rIns="91440" bIns="45720" rtlCol="0" anchor="b"/>
+          <a:lstStyle>
+            <a:lvl1pPr algn="l">
+              <a:defRPr sz="1200"/>
+            </a:lvl1pPr>
+          </a:lstStyle>
+          <a:p>
+            <a:endParaRPr lang="ru-RU"/>
+          </a:p>
+        </p:txBody>
+      </p:sp>
+      <p:sp>
+        <p:nvSpPr>
+          <p:cNvPr id="7" name="Номер слайда 6"/>
+          <p:cNvSpPr>
+            <a:spLocks noGrp="1"/>
+          </p:cNvSpPr>
+          <p:nvPr>
+            <p:ph type="sldNum" sz="quarter" idx="5"/>
+          </p:nvPr>
+        </p:nvSpPr>
+        <p:spPr>
+          <a:xfrm>
+            <a:off x="3884613" y="8685213"/>
+            <a:ext cx="2971800" cy="458787"/>
+          </a:xfrm>
+          <a:prstGeom prst="rect">
+            <a:avLst/>
+          </a:prstGeom>
+        </p:spPr>
+        <p:txBody>
+          <a:bodyPr vert="horz" lIns="91440" tIns="45720" rIns="91440" bIns="45720" rtlCol="0" anchor="b"/>
+          <a:lstStyle>
+            <a:lvl1pPr algn="r">
+              <a:defRPr sz="1200"/>
+            </a:lvl1pPr>
+          </a:lstStyle>
+          <a:p>
+            <a:fld id="{F32D5DE4-9157-4852-A63E-B3FC00ECBD9C}" type="slidenum">
+              <a:rPr lang="ru-RU" smtClean="0"/>
+              <a:t>‹#›</a:t>
+            </a:fld>
+            <a:endParaRPr lang="ru-RU"/>
+          </a:p>
+        </p:txBody>
+      </p:sp>
+    </p:spTree>
+    <p:extLst>
+      <p:ext uri="{BB962C8B-B14F-4D97-AF65-F5344CB8AC3E}">
+        <p14:creationId xmlns:p14="http://schemas.microsoft.com/office/powerpoint/2010/main" val="389773428"/>
+      </p:ext>
+    </p:extLst>
+  </p:cSld>
+  <p:clrMap bg1="lt1" tx1="dk1" bg2="lt2" tx2="dk2" accent1="accent1" accent2="accent2" accent3="accent3" accent4="accent4" accent5="accent5" accent6="accent6" hlink="hlink" folHlink="folHlink"/>
+  <p:notesStyle>
+    <a:lvl1pPr marL="0" algn="l" defTabSz="914400" rtl="0" eaLnBrk="1" latinLnBrk="0" hangingPunct="1">
+      <a:defRPr sz="1200" kern="1200">
+        <a:solidFill>
+          <a:schemeClr val="tx1"/>
+        </a:solidFill>
+        <a:latin typeface="+mn-lt"/>
+        <a:ea typeface="+mn-ea"/>
+        <a:cs typeface="+mn-cs"/>
+      </a:defRPr>
+    </a:lvl1pPr>
+    <a:lvl2pPr marL="457200" algn="l" defTabSz="914400" rtl="0" eaLnBrk="1" latinLnBrk="0" hangingPunct="1">
+      <a:defRPr sz="1200" kern="1200">
+        <a:solidFill>
+          <a:schemeClr val="tx1"/>
+        </a:solidFill>
+        <a:latin typeface="+mn-lt"/>
+        <a:ea typeface="+mn-ea"/>
+        <a:cs typeface="+mn-cs"/>
+      </a:defRPr>
+    </a:lvl2pPr>
+    <a:lvl3pPr marL="914400" algn="l" defTabSz="914400" rtl="0" eaLnBrk="1" latinLnBrk="0" hangingPunct="1">
+      <a:defRPr sz="1200" kern="1200">
+        <a:solidFill>
+          <a:schemeClr val="tx1"/>
+        </a:solidFill>
+        <a:latin typeface="+mn-lt"/>
+        <a:ea typeface="+mn-ea"/>
+        <a:cs typeface="+mn-cs"/>
+      </a:defRPr>
+    </a:lvl3pPr>
+    <a:lvl4pPr marL="1371600" algn="l" defTabSz="914400" rtl="0" eaLnBrk="1" latinLnBrk="0" hangingPunct="1">
+      <a:defRPr sz="1200" kern="1200">
+        <a:solidFill>
+          <a:schemeClr val="tx1"/>
+        </a:solidFill>
+        <a:latin typeface="+mn-lt"/>
+        <a:ea typeface="+mn-ea"/>
+        <a:cs typeface="+mn-cs"/>
+      </a:defRPr>
+    </a:lvl4pPr>
+    <a:lvl5pPr marL="1828800" algn="l" defTabSz="914400" rtl="0" eaLnBrk="1" latinLnBrk="0" hangingPunct="1">
+      <a:defRPr sz="1200" kern="1200">
+        <a:solidFill>
+          <a:schemeClr val="tx1"/>
+        </a:solidFill>
+        <a:latin typeface="+mn-lt"/>
+        <a:ea typeface="+mn-ea"/>
+        <a:cs typeface="+mn-cs"/>
+      </a:defRPr>
+    </a:lvl5pPr>
+    <a:lvl6pPr marL="2286000" algn="l" defTabSz="914400" rtl="0" eaLnBrk="1" latinLnBrk="0" hangingPunct="1">
+      <a:defRPr sz="1200" kern="1200">
+        <a:solidFill>
+          <a:schemeClr val="tx1"/>
+        </a:solidFill>
+        <a:latin typeface="+mn-lt"/>
+        <a:ea typeface="+mn-ea"/>
+        <a:cs typeface="+mn-cs"/>
+      </a:defRPr>
+    </a:lvl6pPr>
+    <a:lvl7pPr marL="2743200" algn="l" defTabSz="914400" rtl="0" eaLnBrk="1" latinLnBrk="0" hangingPunct="1">
+      <a:defRPr sz="1200" kern="1200">
+        <a:solidFill>
+          <a:schemeClr val="tx1"/>
+        </a:solidFill>
+        <a:latin typeface="+mn-lt"/>
+        <a:ea typeface="+mn-ea"/>
+        <a:cs typeface="+mn-cs"/>
+      </a:defRPr>
+    </a:lvl7pPr>
+    <a:lvl8pPr marL="3200400" algn="l" defTabSz="914400" rtl="0" eaLnBrk="1" latinLnBrk="0" hangingPunct="1">
+      <a:defRPr sz="1200" kern="1200">
+        <a:solidFill>
+          <a:schemeClr val="tx1"/>
+        </a:solidFill>
+        <a:latin typeface="+mn-lt"/>
+        <a:ea typeface="+mn-ea"/>
+        <a:cs typeface="+mn-cs"/>
+      </a:defRPr>
+    </a:lvl8pPr>
+    <a:lvl9pPr marL="3657600" algn="l" defTabSz="914400" rtl="0" eaLnBrk="1" latinLnBrk="0" hangingPunct="1">
+      <a:defRPr sz="1200" kern="1200">
+        <a:solidFill>
+          <a:schemeClr val="tx1"/>
+        </a:solidFill>
+        <a:latin typeface="+mn-lt"/>
+        <a:ea typeface="+mn-ea"/>
+        <a:cs typeface="+mn-cs"/>
+      </a:defRPr>
+    </a:lvl9pPr>
+  </p:notesStyle>
+</p:notesMaster>
 </file>
 
 <file path=ppt/slideLayouts/slideLayout1.xml><?xml version="1.0" encoding="utf-8"?>
@@ -256,7 +617,7 @@
           <a:p>
             <a:fld id="{B3833A6B-BB87-47AE-BFEF-48252A2D05A7}" type="datetimeFigureOut">
               <a:rPr lang="ru-RU" smtClean="0"/>
-              <a:t>04.11.2022</a:t>
+              <a:t>12.11.2022</a:t>
             </a:fld>
             <a:endParaRPr lang="ru-RU"/>
           </a:p>
@@ -454,7 +815,7 @@
           <a:p>
             <a:fld id="{B3833A6B-BB87-47AE-BFEF-48252A2D05A7}" type="datetimeFigureOut">
               <a:rPr lang="ru-RU" smtClean="0"/>
-              <a:t>04.11.2022</a:t>
+              <a:t>12.11.2022</a:t>
             </a:fld>
             <a:endParaRPr lang="ru-RU"/>
           </a:p>
@@ -662,7 +1023,7 @@
           <a:p>
             <a:fld id="{B3833A6B-BB87-47AE-BFEF-48252A2D05A7}" type="datetimeFigureOut">
               <a:rPr lang="ru-RU" smtClean="0"/>
-              <a:t>04.11.2022</a:t>
+              <a:t>12.11.2022</a:t>
             </a:fld>
             <a:endParaRPr lang="ru-RU"/>
           </a:p>
@@ -860,7 +1221,7 @@
           <a:p>
             <a:fld id="{B3833A6B-BB87-47AE-BFEF-48252A2D05A7}" type="datetimeFigureOut">
               <a:rPr lang="ru-RU" smtClean="0"/>
-              <a:t>04.11.2022</a:t>
+              <a:t>12.11.2022</a:t>
             </a:fld>
             <a:endParaRPr lang="ru-RU"/>
           </a:p>
@@ -1135,7 +1496,7 @@
           <a:p>
             <a:fld id="{B3833A6B-BB87-47AE-BFEF-48252A2D05A7}" type="datetimeFigureOut">
               <a:rPr lang="ru-RU" smtClean="0"/>
-              <a:t>04.11.2022</a:t>
+              <a:t>12.11.2022</a:t>
             </a:fld>
             <a:endParaRPr lang="ru-RU"/>
           </a:p>
@@ -1400,7 +1761,7 @@
           <a:p>
             <a:fld id="{B3833A6B-BB87-47AE-BFEF-48252A2D05A7}" type="datetimeFigureOut">
               <a:rPr lang="ru-RU" smtClean="0"/>
-              <a:t>04.11.2022</a:t>
+              <a:t>12.11.2022</a:t>
             </a:fld>
             <a:endParaRPr lang="ru-RU"/>
           </a:p>
@@ -1812,7 +2173,7 @@
           <a:p>
             <a:fld id="{B3833A6B-BB87-47AE-BFEF-48252A2D05A7}" type="datetimeFigureOut">
               <a:rPr lang="ru-RU" smtClean="0"/>
-              <a:t>04.11.2022</a:t>
+              <a:t>12.11.2022</a:t>
             </a:fld>
             <a:endParaRPr lang="ru-RU"/>
           </a:p>
@@ -1953,7 +2314,7 @@
           <a:p>
             <a:fld id="{B3833A6B-BB87-47AE-BFEF-48252A2D05A7}" type="datetimeFigureOut">
               <a:rPr lang="ru-RU" smtClean="0"/>
-              <a:t>04.11.2022</a:t>
+              <a:t>12.11.2022</a:t>
             </a:fld>
             <a:endParaRPr lang="ru-RU"/>
           </a:p>
@@ -2066,7 +2427,7 @@
           <a:p>
             <a:fld id="{B3833A6B-BB87-47AE-BFEF-48252A2D05A7}" type="datetimeFigureOut">
               <a:rPr lang="ru-RU" smtClean="0"/>
-              <a:t>04.11.2022</a:t>
+              <a:t>12.11.2022</a:t>
             </a:fld>
             <a:endParaRPr lang="ru-RU"/>
           </a:p>
@@ -2377,7 +2738,7 @@
           <a:p>
             <a:fld id="{B3833A6B-BB87-47AE-BFEF-48252A2D05A7}" type="datetimeFigureOut">
               <a:rPr lang="ru-RU" smtClean="0"/>
-              <a:t>04.11.2022</a:t>
+              <a:t>12.11.2022</a:t>
             </a:fld>
             <a:endParaRPr lang="ru-RU"/>
           </a:p>
@@ -2665,7 +3026,7 @@
           <a:p>
             <a:fld id="{B3833A6B-BB87-47AE-BFEF-48252A2D05A7}" type="datetimeFigureOut">
               <a:rPr lang="ru-RU" smtClean="0"/>
-              <a:t>04.11.2022</a:t>
+              <a:t>12.11.2022</a:t>
             </a:fld>
             <a:endParaRPr lang="ru-RU"/>
           </a:p>
@@ -2906,7 +3267,7 @@
           <a:p>
             <a:fld id="{B3833A6B-BB87-47AE-BFEF-48252A2D05A7}" type="datetimeFigureOut">
               <a:rPr lang="ru-RU" smtClean="0"/>
-              <a:t>04.11.2022</a:t>
+              <a:t>12.11.2022</a:t>
             </a:fld>
             <a:endParaRPr lang="ru-RU"/>
           </a:p>
@@ -4094,6 +4455,6479 @@
         </p:nvSpPr>
         <p:spPr>
           <a:xfrm>
+            <a:off x="244800" y="429450"/>
+            <a:ext cx="6172778" cy="919162"/>
+          </a:xfrm>
+          <a:solidFill>
+            <a:schemeClr val="bg1"/>
+          </a:solidFill>
+        </p:spPr>
+        <p:txBody>
+          <a:bodyPr>
+            <a:normAutofit fontScale="90000"/>
+          </a:bodyPr>
+          <a:lstStyle/>
+          <a:p>
+            <a:pPr algn="l"/>
+            <a:r>
+              <a:rPr lang="en-US" sz="4800" dirty="0">
+                <a:latin typeface="VCR OSD Mono [RUS by Daymarius]" panose="02000609000000000000" pitchFamily="49" charset="0"/>
+              </a:rPr>
+              <a:t>&gt;&gt;</a:t>
+            </a:r>
+            <a:r>
+              <a:rPr lang="ru-RU" sz="4800" dirty="0">
+                <a:latin typeface="VCR OSD Mono [RUS by Daymarius]" panose="02000609000000000000" pitchFamily="49" charset="0"/>
+              </a:rPr>
+              <a:t>Примеры структур</a:t>
+            </a:r>
+          </a:p>
+        </p:txBody>
+      </p:sp>
+      <p:sp>
+        <p:nvSpPr>
+          <p:cNvPr id="3" name="TextBox 2">
+            <a:extLst>
+              <a:ext uri="{FF2B5EF4-FFF2-40B4-BE49-F238E27FC236}">
+                <a16:creationId xmlns:a16="http://schemas.microsoft.com/office/drawing/2014/main" id="{F50F24C1-F63C-948B-F30B-AF7160BC913B}"/>
+              </a:ext>
+            </a:extLst>
+          </p:cNvPr>
+          <p:cNvSpPr txBox="1"/>
+          <p:nvPr/>
+        </p:nvSpPr>
+        <p:spPr>
+          <a:xfrm>
+            <a:off x="1564614" y="1966910"/>
+            <a:ext cx="3092406" cy="369332"/>
+          </a:xfrm>
+          <a:prstGeom prst="rect">
+            <a:avLst/>
+          </a:prstGeom>
+          <a:solidFill>
+            <a:schemeClr val="bg1"/>
+          </a:solidFill>
+        </p:spPr>
+        <p:txBody>
+          <a:bodyPr wrap="square" rtlCol="0">
+            <a:spAutoFit/>
+          </a:bodyPr>
+          <a:lstStyle/>
+          <a:p>
+            <a:r>
+              <a:rPr lang="ru-RU" dirty="0">
+                <a:latin typeface="VCR OSD Mono [RUS by Daymarius]" panose="02000609000000000000" pitchFamily="49" charset="0"/>
+              </a:rPr>
+              <a:t>Стабильные</a:t>
+            </a:r>
+            <a:r>
+              <a:rPr lang="en-US" dirty="0">
+                <a:latin typeface="VCR OSD Mono [RUS by Daymarius]" panose="02000609000000000000" pitchFamily="49" charset="0"/>
+              </a:rPr>
+              <a:t>:</a:t>
+            </a:r>
+            <a:endParaRPr lang="ru-RU" dirty="0">
+              <a:latin typeface="VCR OSD Mono [RUS by Daymarius]" panose="02000609000000000000" pitchFamily="49" charset="0"/>
+            </a:endParaRPr>
+          </a:p>
+        </p:txBody>
+      </p:sp>
+      <p:pic>
+        <p:nvPicPr>
+          <p:cNvPr id="5" name="Рисунок 4">
+            <a:extLst>
+              <a:ext uri="{FF2B5EF4-FFF2-40B4-BE49-F238E27FC236}">
+                <a16:creationId xmlns:a16="http://schemas.microsoft.com/office/drawing/2014/main" id="{261D308B-E3BE-C759-632C-BB8CDA5B3026}"/>
+              </a:ext>
+            </a:extLst>
+          </p:cNvPr>
+          <p:cNvPicPr>
+            <a:picLocks noChangeAspect="1"/>
+          </p:cNvPicPr>
+          <p:nvPr/>
+        </p:nvPicPr>
+        <p:blipFill>
+          <a:blip r:embed="rId3">
+            <a:extLst>
+              <a:ext uri="{28A0092B-C50C-407E-A947-70E740481C1C}">
+                <a14:useLocalDpi xmlns:a14="http://schemas.microsoft.com/office/drawing/2010/main" val="0"/>
+              </a:ext>
+            </a:extLst>
+          </a:blip>
+          <a:stretch>
+            <a:fillRect/>
+          </a:stretch>
+        </p:blipFill>
+        <p:spPr>
+          <a:xfrm>
+            <a:off x="1564615" y="2336243"/>
+            <a:ext cx="3092406" cy="3092406"/>
+          </a:xfrm>
+          <a:prstGeom prst="rect">
+            <a:avLst/>
+          </a:prstGeom>
+          <a:ln>
+            <a:solidFill>
+              <a:schemeClr val="bg1"/>
+            </a:solidFill>
+            <a:bevel/>
+          </a:ln>
+        </p:spPr>
+      </p:pic>
+      <p:sp>
+        <p:nvSpPr>
+          <p:cNvPr id="8" name="TextBox 7">
+            <a:extLst>
+              <a:ext uri="{FF2B5EF4-FFF2-40B4-BE49-F238E27FC236}">
+                <a16:creationId xmlns:a16="http://schemas.microsoft.com/office/drawing/2014/main" id="{EBAA9975-BBAA-DA46-FF2A-05769A4BAA5C}"/>
+              </a:ext>
+            </a:extLst>
+          </p:cNvPr>
+          <p:cNvSpPr txBox="1"/>
+          <p:nvPr/>
+        </p:nvSpPr>
+        <p:spPr>
+          <a:xfrm>
+            <a:off x="4657020" y="1966910"/>
+            <a:ext cx="3092406" cy="369332"/>
+          </a:xfrm>
+          <a:prstGeom prst="rect">
+            <a:avLst/>
+          </a:prstGeom>
+          <a:solidFill>
+            <a:schemeClr val="bg1"/>
+          </a:solidFill>
+        </p:spPr>
+        <p:txBody>
+          <a:bodyPr wrap="square" rtlCol="0">
+            <a:spAutoFit/>
+          </a:bodyPr>
+          <a:lstStyle/>
+          <a:p>
+            <a:r>
+              <a:rPr lang="ru-RU" dirty="0">
+                <a:latin typeface="VCR OSD Mono [RUS by Daymarius]" panose="02000609000000000000" pitchFamily="49" charset="0"/>
+              </a:rPr>
+              <a:t>Повторяющиеся</a:t>
+            </a:r>
+            <a:r>
+              <a:rPr lang="en-US" dirty="0">
+                <a:latin typeface="VCR OSD Mono [RUS by Daymarius]" panose="02000609000000000000" pitchFamily="49" charset="0"/>
+              </a:rPr>
+              <a:t>:</a:t>
+            </a:r>
+            <a:endParaRPr lang="ru-RU" dirty="0">
+              <a:latin typeface="VCR OSD Mono [RUS by Daymarius]" panose="02000609000000000000" pitchFamily="49" charset="0"/>
+            </a:endParaRPr>
+          </a:p>
+        </p:txBody>
+      </p:sp>
+      <p:pic>
+        <p:nvPicPr>
+          <p:cNvPr id="10" name="Рисунок 9">
+            <a:extLst>
+              <a:ext uri="{FF2B5EF4-FFF2-40B4-BE49-F238E27FC236}">
+                <a16:creationId xmlns:a16="http://schemas.microsoft.com/office/drawing/2014/main" id="{72D2B717-1886-EE66-C9C7-42011CBC89A2}"/>
+              </a:ext>
+            </a:extLst>
+          </p:cNvPr>
+          <p:cNvPicPr>
+            <a:picLocks noChangeAspect="1"/>
+          </p:cNvPicPr>
+          <p:nvPr/>
+        </p:nvPicPr>
+        <p:blipFill>
+          <a:blip r:embed="rId4">
+            <a:extLst>
+              <a:ext uri="{28A0092B-C50C-407E-A947-70E740481C1C}">
+                <a14:useLocalDpi xmlns:a14="http://schemas.microsoft.com/office/drawing/2010/main" val="0"/>
+              </a:ext>
+            </a:extLst>
+          </a:blip>
+          <a:stretch>
+            <a:fillRect/>
+          </a:stretch>
+        </p:blipFill>
+        <p:spPr>
+          <a:xfrm>
+            <a:off x="4657021" y="2333546"/>
+            <a:ext cx="3092406" cy="3092406"/>
+          </a:xfrm>
+          <a:prstGeom prst="rect">
+            <a:avLst/>
+          </a:prstGeom>
+          <a:ln>
+            <a:solidFill>
+              <a:schemeClr val="bg1"/>
+            </a:solidFill>
+            <a:bevel/>
+          </a:ln>
+        </p:spPr>
+      </p:pic>
+      <p:sp>
+        <p:nvSpPr>
+          <p:cNvPr id="11" name="TextBox 10">
+            <a:extLst>
+              <a:ext uri="{FF2B5EF4-FFF2-40B4-BE49-F238E27FC236}">
+                <a16:creationId xmlns:a16="http://schemas.microsoft.com/office/drawing/2014/main" id="{2701599D-B11A-7EDD-F31E-C12911A79FD0}"/>
+              </a:ext>
+            </a:extLst>
+          </p:cNvPr>
+          <p:cNvSpPr txBox="1"/>
+          <p:nvPr/>
+        </p:nvSpPr>
+        <p:spPr>
+          <a:xfrm>
+            <a:off x="7749426" y="1964214"/>
+            <a:ext cx="3092406" cy="369332"/>
+          </a:xfrm>
+          <a:prstGeom prst="rect">
+            <a:avLst/>
+          </a:prstGeom>
+          <a:solidFill>
+            <a:schemeClr val="bg1"/>
+          </a:solidFill>
+        </p:spPr>
+        <p:txBody>
+          <a:bodyPr wrap="square" rtlCol="0">
+            <a:spAutoFit/>
+          </a:bodyPr>
+          <a:lstStyle/>
+          <a:p>
+            <a:r>
+              <a:rPr lang="ru-RU" dirty="0" err="1">
+                <a:latin typeface="VCR OSD Mono [RUS by Daymarius]" panose="02000609000000000000" pitchFamily="49" charset="0"/>
+              </a:rPr>
+              <a:t>Глайдеры</a:t>
+            </a:r>
+            <a:r>
+              <a:rPr lang="en-US" dirty="0">
+                <a:latin typeface="VCR OSD Mono [RUS by Daymarius]" panose="02000609000000000000" pitchFamily="49" charset="0"/>
+              </a:rPr>
+              <a:t>:</a:t>
+            </a:r>
+            <a:endParaRPr lang="ru-RU" dirty="0">
+              <a:latin typeface="VCR OSD Mono [RUS by Daymarius]" panose="02000609000000000000" pitchFamily="49" charset="0"/>
+            </a:endParaRPr>
+          </a:p>
+        </p:txBody>
+      </p:sp>
+      <p:pic>
+        <p:nvPicPr>
+          <p:cNvPr id="13" name="Рисунок 12">
+            <a:extLst>
+              <a:ext uri="{FF2B5EF4-FFF2-40B4-BE49-F238E27FC236}">
+                <a16:creationId xmlns:a16="http://schemas.microsoft.com/office/drawing/2014/main" id="{0FEA95AF-6F71-DECA-B0D0-4B276BBC2193}"/>
+              </a:ext>
+            </a:extLst>
+          </p:cNvPr>
+          <p:cNvPicPr>
+            <a:picLocks noChangeAspect="1"/>
+          </p:cNvPicPr>
+          <p:nvPr/>
+        </p:nvPicPr>
+        <p:blipFill>
+          <a:blip r:embed="rId5">
+            <a:extLst>
+              <a:ext uri="{28A0092B-C50C-407E-A947-70E740481C1C}">
+                <a14:useLocalDpi xmlns:a14="http://schemas.microsoft.com/office/drawing/2010/main" val="0"/>
+              </a:ext>
+            </a:extLst>
+          </a:blip>
+          <a:stretch>
+            <a:fillRect/>
+          </a:stretch>
+        </p:blipFill>
+        <p:spPr>
+          <a:xfrm>
+            <a:off x="7749427" y="2333546"/>
+            <a:ext cx="3092406" cy="3092406"/>
+          </a:xfrm>
+          <a:prstGeom prst="rect">
+            <a:avLst/>
+          </a:prstGeom>
+          <a:ln>
+            <a:solidFill>
+              <a:schemeClr val="bg1"/>
+            </a:solidFill>
+            <a:bevel/>
+          </a:ln>
+        </p:spPr>
+      </p:pic>
+    </p:spTree>
+    <p:extLst>
+      <p:ext uri="{BB962C8B-B14F-4D97-AF65-F5344CB8AC3E}">
+        <p14:creationId xmlns:p14="http://schemas.microsoft.com/office/powerpoint/2010/main" val="922172314"/>
+      </p:ext>
+    </p:extLst>
+  </p:cSld>
+  <p:clrMapOvr>
+    <a:masterClrMapping/>
+  </p:clrMapOvr>
+</p:sld>
+</file>
+
+<file path=ppt/slides/slide4.xml><?xml version="1.0" encoding="utf-8"?>
+<p:sld xmlns:a="http://schemas.openxmlformats.org/drawingml/2006/main" xmlns:r="http://schemas.openxmlformats.org/officeDocument/2006/relationships" xmlns:p="http://schemas.openxmlformats.org/presentationml/2006/main">
+  <p:cSld>
+    <p:bg>
+      <p:bgPr>
+        <a:solidFill>
+          <a:schemeClr val="tx1"/>
+        </a:solidFill>
+        <a:effectLst/>
+      </p:bgPr>
+    </p:bg>
+    <p:spTree>
+      <p:nvGrpSpPr>
+        <p:cNvPr id="1" name=""/>
+        <p:cNvGrpSpPr/>
+        <p:nvPr/>
+      </p:nvGrpSpPr>
+      <p:grpSpPr>
+        <a:xfrm>
+          <a:off x="0" y="0"/>
+          <a:ext cx="0" cy="0"/>
+          <a:chOff x="0" y="0"/>
+          <a:chExt cx="0" cy="0"/>
+        </a:xfrm>
+      </p:grpSpPr>
+      <p:pic>
+        <p:nvPicPr>
+          <p:cNvPr id="16" name="Рисунок 15">
+            <a:extLst>
+              <a:ext uri="{FF2B5EF4-FFF2-40B4-BE49-F238E27FC236}">
+                <a16:creationId xmlns:a16="http://schemas.microsoft.com/office/drawing/2014/main" id="{8BB7BAC9-9949-4156-FA1B-13B89CEBE35D}"/>
+              </a:ext>
+            </a:extLst>
+          </p:cNvPr>
+          <p:cNvPicPr>
+            <a:picLocks noChangeAspect="1"/>
+          </p:cNvPicPr>
+          <p:nvPr/>
+        </p:nvPicPr>
+        <p:blipFill>
+          <a:blip r:embed="rId2"/>
+          <a:stretch>
+            <a:fillRect/>
+          </a:stretch>
+        </p:blipFill>
+        <p:spPr>
+          <a:xfrm>
+            <a:off x="10841833" y="5641327"/>
+            <a:ext cx="704850" cy="704850"/>
+          </a:xfrm>
+          <a:prstGeom prst="rect">
+            <a:avLst/>
+          </a:prstGeom>
+        </p:spPr>
+      </p:pic>
+      <p:sp>
+        <p:nvSpPr>
+          <p:cNvPr id="2" name="Заголовок 1">
+            <a:extLst>
+              <a:ext uri="{FF2B5EF4-FFF2-40B4-BE49-F238E27FC236}">
+                <a16:creationId xmlns:a16="http://schemas.microsoft.com/office/drawing/2014/main" id="{6FCE2D56-872C-DA0F-416D-CE7667DB9D18}"/>
+              </a:ext>
+            </a:extLst>
+          </p:cNvPr>
+          <p:cNvSpPr>
+            <a:spLocks noGrp="1"/>
+          </p:cNvSpPr>
+          <p:nvPr>
+            <p:ph type="ctrTitle"/>
+          </p:nvPr>
+        </p:nvSpPr>
+        <p:spPr>
+          <a:xfrm>
+            <a:off x="244800" y="429450"/>
+            <a:ext cx="6172778" cy="919162"/>
+          </a:xfrm>
+          <a:solidFill>
+            <a:schemeClr val="bg1"/>
+          </a:solidFill>
+        </p:spPr>
+        <p:txBody>
+          <a:bodyPr>
+            <a:normAutofit/>
+          </a:bodyPr>
+          <a:lstStyle/>
+          <a:p>
+            <a:pPr algn="l"/>
+            <a:r>
+              <a:rPr lang="en-US" sz="4800" dirty="0">
+                <a:latin typeface="VCR OSD Mono [RUS by Daymarius]" panose="02000609000000000000" pitchFamily="49" charset="0"/>
+              </a:rPr>
+              <a:t>&gt;&gt;</a:t>
+            </a:r>
+            <a:r>
+              <a:rPr lang="ru-RU" sz="4800" dirty="0">
+                <a:latin typeface="VCR OSD Mono [RUS by Daymarius]" panose="02000609000000000000" pitchFamily="49" charset="0"/>
+              </a:rPr>
+              <a:t>Библиотеки</a:t>
+            </a:r>
+          </a:p>
+        </p:txBody>
+      </p:sp>
+      <p:pic>
+        <p:nvPicPr>
+          <p:cNvPr id="7" name="Рисунок 6">
+            <a:extLst>
+              <a:ext uri="{FF2B5EF4-FFF2-40B4-BE49-F238E27FC236}">
+                <a16:creationId xmlns:a16="http://schemas.microsoft.com/office/drawing/2014/main" id="{E0969B22-6C66-8264-4948-0DCDD392D043}"/>
+              </a:ext>
+            </a:extLst>
+          </p:cNvPr>
+          <p:cNvPicPr>
+            <a:picLocks noChangeAspect="1"/>
+          </p:cNvPicPr>
+          <p:nvPr/>
+        </p:nvPicPr>
+        <p:blipFill rotWithShape="1">
+          <a:blip r:embed="rId3">
+            <a:extLst>
+              <a:ext uri="{28A0092B-C50C-407E-A947-70E740481C1C}">
+                <a14:useLocalDpi xmlns:a14="http://schemas.microsoft.com/office/drawing/2010/main" val="0"/>
+              </a:ext>
+            </a:extLst>
+          </a:blip>
+          <a:srcRect t="20420" b="19674"/>
+          <a:stretch/>
+        </p:blipFill>
+        <p:spPr>
+          <a:xfrm>
+            <a:off x="1349629" y="1957132"/>
+            <a:ext cx="1983120" cy="1188000"/>
+          </a:xfrm>
+          <a:prstGeom prst="rect">
+            <a:avLst/>
+          </a:prstGeom>
+          <a:ln>
+            <a:solidFill>
+              <a:schemeClr val="bg1"/>
+            </a:solidFill>
+            <a:bevel/>
+          </a:ln>
+        </p:spPr>
+      </p:pic>
+      <p:sp>
+        <p:nvSpPr>
+          <p:cNvPr id="14" name="TextBox 13">
+            <a:extLst>
+              <a:ext uri="{FF2B5EF4-FFF2-40B4-BE49-F238E27FC236}">
+                <a16:creationId xmlns:a16="http://schemas.microsoft.com/office/drawing/2014/main" id="{4588BE93-2957-66FB-6DD0-C06D9D298506}"/>
+              </a:ext>
+            </a:extLst>
+          </p:cNvPr>
+          <p:cNvSpPr txBox="1"/>
+          <p:nvPr/>
+        </p:nvSpPr>
+        <p:spPr>
+          <a:xfrm>
+            <a:off x="3329629" y="1947474"/>
+            <a:ext cx="7189225" cy="1188000"/>
+          </a:xfrm>
+          <a:prstGeom prst="rect">
+            <a:avLst/>
+          </a:prstGeom>
+          <a:noFill/>
+          <a:ln>
+            <a:solidFill>
+              <a:schemeClr val="bg1"/>
+            </a:solidFill>
+            <a:bevel/>
+          </a:ln>
+        </p:spPr>
+        <p:txBody>
+          <a:bodyPr wrap="square" rtlCol="0">
+            <a:spAutoFit/>
+          </a:bodyPr>
+          <a:lstStyle/>
+          <a:p>
+            <a:r>
+              <a:rPr lang="en-US" dirty="0">
+                <a:solidFill>
+                  <a:schemeClr val="bg1"/>
+                </a:solidFill>
+                <a:latin typeface="VCR OSD Mono [RUS by Daymarius]" panose="02000609000000000000" pitchFamily="49" charset="0"/>
+              </a:rPr>
+              <a:t>PyQt5. </a:t>
+            </a:r>
+            <a:r>
+              <a:rPr lang="ru-RU" dirty="0">
+                <a:solidFill>
+                  <a:schemeClr val="bg1"/>
+                </a:solidFill>
+                <a:latin typeface="VCR OSD Mono [RUS by Daymarius]" panose="02000609000000000000" pitchFamily="49" charset="0"/>
+              </a:rPr>
+              <a:t>На нем была завязана суть проекта</a:t>
+            </a:r>
+            <a:r>
+              <a:rPr lang="en-US" dirty="0">
+                <a:solidFill>
+                  <a:schemeClr val="bg1"/>
+                </a:solidFill>
+                <a:latin typeface="VCR OSD Mono [RUS by Daymarius]" panose="02000609000000000000" pitchFamily="49" charset="0"/>
+              </a:rPr>
+              <a:t>, </a:t>
+            </a:r>
+            <a:r>
+              <a:rPr lang="ru-RU" dirty="0">
+                <a:solidFill>
+                  <a:schemeClr val="bg1"/>
+                </a:solidFill>
+                <a:latin typeface="VCR OSD Mono [RUS by Daymarius]" panose="02000609000000000000" pitchFamily="49" charset="0"/>
+              </a:rPr>
+              <a:t>поэтому использовался всегда и везде</a:t>
+            </a:r>
+            <a:r>
+              <a:rPr lang="en-US" dirty="0">
+                <a:solidFill>
+                  <a:schemeClr val="bg1"/>
+                </a:solidFill>
+                <a:latin typeface="VCR OSD Mono [RUS by Daymarius]" panose="02000609000000000000" pitchFamily="49" charset="0"/>
+              </a:rPr>
+              <a:t>. </a:t>
+            </a:r>
+            <a:r>
+              <a:rPr lang="ru-RU" dirty="0">
+                <a:solidFill>
+                  <a:schemeClr val="bg1"/>
+                </a:solidFill>
+                <a:latin typeface="VCR OSD Mono [RUS by Daymarius]" panose="02000609000000000000" pitchFamily="49" charset="0"/>
+              </a:rPr>
+              <a:t>С помощью него был создан </a:t>
+            </a:r>
+            <a:r>
+              <a:rPr lang="en-US" dirty="0">
+                <a:solidFill>
+                  <a:schemeClr val="bg1"/>
+                </a:solidFill>
+                <a:latin typeface="VCR OSD Mono [RUS by Daymarius]" panose="02000609000000000000" pitchFamily="49" charset="0"/>
+              </a:rPr>
+              <a:t>UI.</a:t>
+            </a:r>
+          </a:p>
+          <a:p>
+            <a:endParaRPr lang="en-US" dirty="0">
+              <a:solidFill>
+                <a:schemeClr val="bg1"/>
+              </a:solidFill>
+              <a:latin typeface="VCR OSD Mono [RUS by Daymarius]" panose="02000609000000000000" pitchFamily="49" charset="0"/>
+            </a:endParaRPr>
+          </a:p>
+        </p:txBody>
+      </p:sp>
+      <p:sp>
+        <p:nvSpPr>
+          <p:cNvPr id="18" name="TextBox 17">
+            <a:extLst>
+              <a:ext uri="{FF2B5EF4-FFF2-40B4-BE49-F238E27FC236}">
+                <a16:creationId xmlns:a16="http://schemas.microsoft.com/office/drawing/2014/main" id="{D2B050B4-76E8-3439-E1EA-070958ACF9C7}"/>
+              </a:ext>
+            </a:extLst>
+          </p:cNvPr>
+          <p:cNvSpPr txBox="1"/>
+          <p:nvPr/>
+        </p:nvSpPr>
+        <p:spPr>
+          <a:xfrm>
+            <a:off x="3329629" y="3156631"/>
+            <a:ext cx="7200000" cy="936000"/>
+          </a:xfrm>
+          <a:prstGeom prst="rect">
+            <a:avLst/>
+          </a:prstGeom>
+          <a:noFill/>
+          <a:ln>
+            <a:solidFill>
+              <a:schemeClr val="bg1"/>
+            </a:solidFill>
+            <a:bevel/>
+          </a:ln>
+        </p:spPr>
+        <p:txBody>
+          <a:bodyPr wrap="square" rtlCol="0">
+            <a:spAutoFit/>
+          </a:bodyPr>
+          <a:lstStyle/>
+          <a:p>
+            <a:r>
+              <a:rPr lang="en-US" dirty="0">
+                <a:solidFill>
+                  <a:schemeClr val="bg1"/>
+                </a:solidFill>
+                <a:latin typeface="VCR OSD Mono [RUS by Daymarius]" panose="02000609000000000000" pitchFamily="49" charset="0"/>
+              </a:rPr>
+              <a:t>NumPy. </a:t>
+            </a:r>
+            <a:r>
+              <a:rPr lang="ru-RU" dirty="0">
+                <a:solidFill>
+                  <a:schemeClr val="bg1"/>
+                </a:solidFill>
+                <a:latin typeface="VCR OSD Mono [RUS by Daymarius]" panose="02000609000000000000" pitchFamily="49" charset="0"/>
+              </a:rPr>
+              <a:t>Использовался для записи данных сетки и в некоторых вычислениях</a:t>
+            </a:r>
+            <a:r>
+              <a:rPr lang="en-US" dirty="0">
+                <a:solidFill>
+                  <a:schemeClr val="bg1"/>
+                </a:solidFill>
+                <a:latin typeface="VCR OSD Mono [RUS by Daymarius]" panose="02000609000000000000" pitchFamily="49" charset="0"/>
+              </a:rPr>
+              <a:t>.</a:t>
+            </a:r>
+          </a:p>
+          <a:p>
+            <a:endParaRPr lang="ru-RU" dirty="0">
+              <a:solidFill>
+                <a:schemeClr val="bg1"/>
+              </a:solidFill>
+              <a:latin typeface="VCR OSD Mono [RUS by Daymarius]" panose="02000609000000000000" pitchFamily="49" charset="0"/>
+            </a:endParaRPr>
+          </a:p>
+        </p:txBody>
+      </p:sp>
+      <p:sp>
+        <p:nvSpPr>
+          <p:cNvPr id="22" name="TextBox 21">
+            <a:extLst>
+              <a:ext uri="{FF2B5EF4-FFF2-40B4-BE49-F238E27FC236}">
+                <a16:creationId xmlns:a16="http://schemas.microsoft.com/office/drawing/2014/main" id="{3F7C2A35-9FE7-4C31-136C-8095DAF626FD}"/>
+              </a:ext>
+            </a:extLst>
+          </p:cNvPr>
+          <p:cNvSpPr txBox="1"/>
+          <p:nvPr/>
+        </p:nvSpPr>
+        <p:spPr>
+          <a:xfrm>
+            <a:off x="3332749" y="4090984"/>
+            <a:ext cx="7206520" cy="900000"/>
+          </a:xfrm>
+          <a:prstGeom prst="rect">
+            <a:avLst/>
+          </a:prstGeom>
+          <a:noFill/>
+          <a:ln>
+            <a:solidFill>
+              <a:schemeClr val="bg1"/>
+            </a:solidFill>
+            <a:bevel/>
+          </a:ln>
+        </p:spPr>
+        <p:txBody>
+          <a:bodyPr wrap="square" rtlCol="0">
+            <a:spAutoFit/>
+          </a:bodyPr>
+          <a:lstStyle/>
+          <a:p>
+            <a:r>
+              <a:rPr lang="en-US" dirty="0">
+                <a:solidFill>
+                  <a:schemeClr val="bg1"/>
+                </a:solidFill>
+                <a:latin typeface="VCR OSD Mono [RUS by Daymarius]" panose="02000609000000000000" pitchFamily="49" charset="0"/>
+              </a:rPr>
+              <a:t>SQLite3. </a:t>
+            </a:r>
+            <a:r>
+              <a:rPr lang="ru-RU" dirty="0">
+                <a:solidFill>
+                  <a:schemeClr val="bg1"/>
+                </a:solidFill>
+                <a:latin typeface="VCR OSD Mono [RUS by Daymarius]" panose="02000609000000000000" pitchFamily="49" charset="0"/>
+              </a:rPr>
+              <a:t>Был использован для записи и чтения данных из БД для сохранений</a:t>
+            </a:r>
+            <a:r>
+              <a:rPr lang="en-US" dirty="0">
+                <a:solidFill>
+                  <a:schemeClr val="bg1"/>
+                </a:solidFill>
+                <a:latin typeface="VCR OSD Mono [RUS by Daymarius]" panose="02000609000000000000" pitchFamily="49" charset="0"/>
+              </a:rPr>
+              <a:t>.</a:t>
+            </a:r>
+          </a:p>
+          <a:p>
+            <a:endParaRPr lang="ru-RU" dirty="0">
+              <a:solidFill>
+                <a:schemeClr val="bg1"/>
+              </a:solidFill>
+              <a:latin typeface="VCR OSD Mono [RUS by Daymarius]" panose="02000609000000000000" pitchFamily="49" charset="0"/>
+            </a:endParaRPr>
+          </a:p>
+        </p:txBody>
+      </p:sp>
+      <p:pic>
+        <p:nvPicPr>
+          <p:cNvPr id="20" name="Рисунок 19">
+            <a:extLst>
+              <a:ext uri="{FF2B5EF4-FFF2-40B4-BE49-F238E27FC236}">
+                <a16:creationId xmlns:a16="http://schemas.microsoft.com/office/drawing/2014/main" id="{CEBA55BB-D8E0-0783-FAAB-F804563FC184}"/>
+              </a:ext>
+            </a:extLst>
+          </p:cNvPr>
+          <p:cNvPicPr>
+            <a:picLocks noChangeAspect="1"/>
+          </p:cNvPicPr>
+          <p:nvPr/>
+        </p:nvPicPr>
+        <p:blipFill rotWithShape="1">
+          <a:blip r:embed="rId4">
+            <a:extLst>
+              <a:ext uri="{28A0092B-C50C-407E-A947-70E740481C1C}">
+                <a14:useLocalDpi xmlns:a14="http://schemas.microsoft.com/office/drawing/2010/main" val="0"/>
+              </a:ext>
+            </a:extLst>
+          </a:blip>
+          <a:srcRect l="-15333" r="-21719"/>
+          <a:stretch/>
+        </p:blipFill>
+        <p:spPr>
+          <a:xfrm>
+            <a:off x="1349629" y="4093463"/>
+            <a:ext cx="1980000" cy="901832"/>
+          </a:xfrm>
+          <a:prstGeom prst="rect">
+            <a:avLst/>
+          </a:prstGeom>
+          <a:ln>
+            <a:solidFill>
+              <a:schemeClr val="bg1"/>
+            </a:solidFill>
+            <a:bevel/>
+          </a:ln>
+        </p:spPr>
+      </p:pic>
+      <p:pic>
+        <p:nvPicPr>
+          <p:cNvPr id="24" name="Рисунок 23">
+            <a:extLst>
+              <a:ext uri="{FF2B5EF4-FFF2-40B4-BE49-F238E27FC236}">
+                <a16:creationId xmlns:a16="http://schemas.microsoft.com/office/drawing/2014/main" id="{F38587B4-3178-DC5D-5053-23E793FE59BC}"/>
+              </a:ext>
+            </a:extLst>
+          </p:cNvPr>
+          <p:cNvPicPr>
+            <a:picLocks noChangeAspect="1"/>
+          </p:cNvPicPr>
+          <p:nvPr/>
+        </p:nvPicPr>
+        <p:blipFill rotWithShape="1">
+          <a:blip r:embed="rId5">
+            <a:extLst>
+              <a:ext uri="{28A0092B-C50C-407E-A947-70E740481C1C}">
+                <a14:useLocalDpi xmlns:a14="http://schemas.microsoft.com/office/drawing/2010/main" val="0"/>
+              </a:ext>
+            </a:extLst>
+          </a:blip>
+          <a:srcRect l="-60625" t="-3420" r="-52863" b="2494"/>
+          <a:stretch/>
+        </p:blipFill>
+        <p:spPr>
+          <a:xfrm>
+            <a:off x="1349629" y="5007626"/>
+            <a:ext cx="1980000" cy="936000"/>
+          </a:xfrm>
+          <a:prstGeom prst="rect">
+            <a:avLst/>
+          </a:prstGeom>
+          <a:ln>
+            <a:solidFill>
+              <a:schemeClr val="bg1"/>
+            </a:solidFill>
+            <a:bevel/>
+          </a:ln>
+        </p:spPr>
+      </p:pic>
+      <p:pic>
+        <p:nvPicPr>
+          <p:cNvPr id="17" name="Рисунок 16">
+            <a:extLst>
+              <a:ext uri="{FF2B5EF4-FFF2-40B4-BE49-F238E27FC236}">
+                <a16:creationId xmlns:a16="http://schemas.microsoft.com/office/drawing/2014/main" id="{C65849CD-BD25-7142-15C4-400AFDEA34B1}"/>
+              </a:ext>
+            </a:extLst>
+          </p:cNvPr>
+          <p:cNvPicPr>
+            <a:picLocks noChangeAspect="1"/>
+          </p:cNvPicPr>
+          <p:nvPr/>
+        </p:nvPicPr>
+        <p:blipFill rotWithShape="1">
+          <a:blip r:embed="rId6">
+            <a:extLst>
+              <a:ext uri="{28A0092B-C50C-407E-A947-70E740481C1C}">
+                <a14:useLocalDpi xmlns:a14="http://schemas.microsoft.com/office/drawing/2010/main" val="0"/>
+              </a:ext>
+            </a:extLst>
+          </a:blip>
+          <a:srcRect l="4064" t="29763" r="10188" b="29762"/>
+          <a:stretch/>
+        </p:blipFill>
+        <p:spPr>
+          <a:xfrm>
+            <a:off x="1351189" y="3157463"/>
+            <a:ext cx="1983120" cy="936000"/>
+          </a:xfrm>
+          <a:prstGeom prst="rect">
+            <a:avLst/>
+          </a:prstGeom>
+          <a:ln>
+            <a:solidFill>
+              <a:schemeClr val="bg1"/>
+            </a:solidFill>
+            <a:bevel/>
+          </a:ln>
+        </p:spPr>
+      </p:pic>
+      <p:sp>
+        <p:nvSpPr>
+          <p:cNvPr id="25" name="TextBox 24">
+            <a:extLst>
+              <a:ext uri="{FF2B5EF4-FFF2-40B4-BE49-F238E27FC236}">
+                <a16:creationId xmlns:a16="http://schemas.microsoft.com/office/drawing/2014/main" id="{6FEE3846-3F03-A22D-A19C-CD7A6FD0146D}"/>
+              </a:ext>
+            </a:extLst>
+          </p:cNvPr>
+          <p:cNvSpPr txBox="1"/>
+          <p:nvPr/>
+        </p:nvSpPr>
+        <p:spPr>
+          <a:xfrm>
+            <a:off x="3329628" y="4998147"/>
+            <a:ext cx="7206520" cy="936000"/>
+          </a:xfrm>
+          <a:prstGeom prst="rect">
+            <a:avLst/>
+          </a:prstGeom>
+          <a:noFill/>
+          <a:ln>
+            <a:solidFill>
+              <a:schemeClr val="bg1"/>
+            </a:solidFill>
+            <a:bevel/>
+          </a:ln>
+        </p:spPr>
+        <p:txBody>
+          <a:bodyPr wrap="square" rtlCol="0">
+            <a:spAutoFit/>
+          </a:bodyPr>
+          <a:lstStyle/>
+          <a:p>
+            <a:r>
+              <a:rPr lang="en-US" dirty="0">
+                <a:solidFill>
+                  <a:schemeClr val="bg1"/>
+                </a:solidFill>
+                <a:latin typeface="VCR OSD Mono [RUS by Daymarius]" panose="02000609000000000000" pitchFamily="49" charset="0"/>
+              </a:rPr>
+              <a:t>JSON. </a:t>
+            </a:r>
+            <a:r>
+              <a:rPr lang="ru-RU" dirty="0">
+                <a:solidFill>
+                  <a:schemeClr val="bg1"/>
+                </a:solidFill>
+                <a:latin typeface="VCR OSD Mono [RUS by Daymarius]" panose="02000609000000000000" pitchFamily="49" charset="0"/>
+              </a:rPr>
+              <a:t>Использован для создания и записи файлов </a:t>
+            </a:r>
+            <a:r>
+              <a:rPr lang="en-US" dirty="0" err="1">
+                <a:solidFill>
+                  <a:schemeClr val="bg1"/>
+                </a:solidFill>
+                <a:latin typeface="VCR OSD Mono [RUS by Daymarius]" panose="02000609000000000000" pitchFamily="49" charset="0"/>
+              </a:rPr>
+              <a:t>json</a:t>
+            </a:r>
+            <a:r>
+              <a:rPr lang="en-US" dirty="0">
+                <a:solidFill>
+                  <a:schemeClr val="bg1"/>
+                </a:solidFill>
+                <a:latin typeface="VCR OSD Mono [RUS by Daymarius]" panose="02000609000000000000" pitchFamily="49" charset="0"/>
+              </a:rPr>
+              <a:t> </a:t>
+            </a:r>
+            <a:r>
+              <a:rPr lang="ru-RU" dirty="0">
+                <a:solidFill>
+                  <a:schemeClr val="bg1"/>
+                </a:solidFill>
+                <a:latin typeface="VCR OSD Mono [RUS by Daymarius]" panose="02000609000000000000" pitchFamily="49" charset="0"/>
+              </a:rPr>
+              <a:t>для сохранений</a:t>
+            </a:r>
+          </a:p>
+          <a:p>
+            <a:endParaRPr lang="ru-RU" dirty="0">
+              <a:solidFill>
+                <a:schemeClr val="bg1"/>
+              </a:solidFill>
+              <a:latin typeface="VCR OSD Mono [RUS by Daymarius]" panose="02000609000000000000" pitchFamily="49" charset="0"/>
+            </a:endParaRPr>
+          </a:p>
+        </p:txBody>
+      </p:sp>
+    </p:spTree>
+    <p:extLst>
+      <p:ext uri="{BB962C8B-B14F-4D97-AF65-F5344CB8AC3E}">
+        <p14:creationId xmlns:p14="http://schemas.microsoft.com/office/powerpoint/2010/main" val="2572965367"/>
+      </p:ext>
+    </p:extLst>
+  </p:cSld>
+  <p:clrMapOvr>
+    <a:masterClrMapping/>
+  </p:clrMapOvr>
+</p:sld>
+</file>
+
+<file path=ppt/slides/slide5.xml><?xml version="1.0" encoding="utf-8"?>
+<p:sld xmlns:a="http://schemas.openxmlformats.org/drawingml/2006/main" xmlns:r="http://schemas.openxmlformats.org/officeDocument/2006/relationships" xmlns:p="http://schemas.openxmlformats.org/presentationml/2006/main">
+  <p:cSld>
+    <p:bg>
+      <p:bgPr>
+        <a:solidFill>
+          <a:schemeClr val="tx1"/>
+        </a:solidFill>
+        <a:effectLst/>
+      </p:bgPr>
+    </p:bg>
+    <p:spTree>
+      <p:nvGrpSpPr>
+        <p:cNvPr id="1" name=""/>
+        <p:cNvGrpSpPr/>
+        <p:nvPr/>
+      </p:nvGrpSpPr>
+      <p:grpSpPr>
+        <a:xfrm>
+          <a:off x="0" y="0"/>
+          <a:ext cx="0" cy="0"/>
+          <a:chOff x="0" y="0"/>
+          <a:chExt cx="0" cy="0"/>
+        </a:xfrm>
+      </p:grpSpPr>
+      <p:pic>
+        <p:nvPicPr>
+          <p:cNvPr id="16" name="Рисунок 15">
+            <a:extLst>
+              <a:ext uri="{FF2B5EF4-FFF2-40B4-BE49-F238E27FC236}">
+                <a16:creationId xmlns:a16="http://schemas.microsoft.com/office/drawing/2014/main" id="{8BB7BAC9-9949-4156-FA1B-13B89CEBE35D}"/>
+              </a:ext>
+            </a:extLst>
+          </p:cNvPr>
+          <p:cNvPicPr>
+            <a:picLocks noChangeAspect="1"/>
+          </p:cNvPicPr>
+          <p:nvPr/>
+        </p:nvPicPr>
+        <p:blipFill>
+          <a:blip r:embed="rId2"/>
+          <a:stretch>
+            <a:fillRect/>
+          </a:stretch>
+        </p:blipFill>
+        <p:spPr>
+          <a:xfrm>
+            <a:off x="10841833" y="5641327"/>
+            <a:ext cx="704850" cy="704850"/>
+          </a:xfrm>
+          <a:prstGeom prst="rect">
+            <a:avLst/>
+          </a:prstGeom>
+        </p:spPr>
+      </p:pic>
+      <p:sp>
+        <p:nvSpPr>
+          <p:cNvPr id="2" name="Заголовок 1">
+            <a:extLst>
+              <a:ext uri="{FF2B5EF4-FFF2-40B4-BE49-F238E27FC236}">
+                <a16:creationId xmlns:a16="http://schemas.microsoft.com/office/drawing/2014/main" id="{6FCE2D56-872C-DA0F-416D-CE7667DB9D18}"/>
+              </a:ext>
+            </a:extLst>
+          </p:cNvPr>
+          <p:cNvSpPr>
+            <a:spLocks noGrp="1"/>
+          </p:cNvSpPr>
+          <p:nvPr>
+            <p:ph type="ctrTitle"/>
+          </p:nvPr>
+        </p:nvSpPr>
+        <p:spPr>
+          <a:xfrm>
+            <a:off x="244799" y="429450"/>
+            <a:ext cx="4419477" cy="919162"/>
+          </a:xfrm>
+          <a:solidFill>
+            <a:schemeClr val="bg1"/>
+          </a:solidFill>
+        </p:spPr>
+        <p:txBody>
+          <a:bodyPr>
+            <a:normAutofit/>
+          </a:bodyPr>
+          <a:lstStyle/>
+          <a:p>
+            <a:pPr algn="l"/>
+            <a:r>
+              <a:rPr lang="en-US" sz="4800" dirty="0">
+                <a:latin typeface="VCR OSD Mono [RUS by Daymarius]" panose="02000609000000000000" pitchFamily="49" charset="0"/>
+              </a:rPr>
+              <a:t>&gt;&gt;Some code</a:t>
+            </a:r>
+            <a:endParaRPr lang="ru-RU" sz="4800" dirty="0">
+              <a:latin typeface="VCR OSD Mono [RUS by Daymarius]" panose="02000609000000000000" pitchFamily="49" charset="0"/>
+            </a:endParaRPr>
+          </a:p>
+        </p:txBody>
+      </p:sp>
+      <p:sp>
+        <p:nvSpPr>
+          <p:cNvPr id="5" name="Rectangle 2">
+            <a:extLst>
+              <a:ext uri="{FF2B5EF4-FFF2-40B4-BE49-F238E27FC236}">
+                <a16:creationId xmlns:a16="http://schemas.microsoft.com/office/drawing/2014/main" id="{17267B82-FC62-4D6D-A6BF-97A1F615849A}"/>
+              </a:ext>
+            </a:extLst>
+          </p:cNvPr>
+          <p:cNvSpPr>
+            <a:spLocks noChangeArrowheads="1"/>
+          </p:cNvSpPr>
+          <p:nvPr/>
+        </p:nvSpPr>
+        <p:spPr bwMode="auto">
+          <a:xfrm>
+            <a:off x="668770" y="1990197"/>
+            <a:ext cx="11012667" cy="3477875"/>
+          </a:xfrm>
+          <a:prstGeom prst="rect">
+            <a:avLst/>
+          </a:prstGeom>
+          <a:noFill/>
+          <a:ln>
+            <a:solidFill>
+              <a:schemeClr val="bg1"/>
+            </a:solidFill>
+            <a:bevel/>
+          </a:ln>
+          <a:effectLst/>
+        </p:spPr>
+        <p:txBody>
+          <a:bodyPr vert="horz" wrap="square" lIns="91440" tIns="45720" rIns="91440" bIns="45720" numCol="1" anchor="ctr" anchorCtr="0" compatLnSpc="1">
+            <a:prstTxWarp prst="textNoShape">
+              <a:avLst/>
+            </a:prstTxWarp>
+            <a:spAutoFit/>
+          </a:bodyPr>
+          <a:lstStyle/>
+          <a:p>
+            <a:pPr marL="0" marR="0" lvl="0" indent="0" algn="l" defTabSz="914400" rtl="0" eaLnBrk="0" fontAlgn="base" latinLnBrk="0" hangingPunct="0">
+              <a:lnSpc>
+                <a:spcPct val="100000"/>
+              </a:lnSpc>
+              <a:spcBef>
+                <a:spcPct val="0"/>
+              </a:spcBef>
+              <a:spcAft>
+                <a:spcPct val="0"/>
+              </a:spcAft>
+              <a:buClrTx/>
+              <a:buSzTx/>
+              <a:buFontTx/>
+              <a:buNone/>
+              <a:tabLst/>
+            </a:pPr>
+            <a:r>
+              <a:rPr kumimoji="0" lang="ru-RU" altLang="ru-RU" sz="1000" b="0" i="0" u="none" strike="noStrike" cap="none" normalizeH="0" baseline="0" dirty="0" err="1">
+                <a:ln>
+                  <a:noFill/>
+                </a:ln>
+                <a:solidFill>
+                  <a:srgbClr val="CC7832"/>
+                </a:solidFill>
+                <a:effectLst/>
+                <a:latin typeface="VCROSDMonoRUSbyD" panose="02000609000000000000" pitchFamily="49" charset="0"/>
+                <a:ea typeface="VCROSDMonoRUSbyD" panose="02000609000000000000" pitchFamily="49" charset="0"/>
+              </a:rPr>
+              <a:t>def</a:t>
+            </a:r>
+            <a:r>
+              <a:rPr kumimoji="0" lang="ru-RU" altLang="ru-RU" sz="1000" b="0" i="0" u="none" strike="noStrike" cap="none" normalizeH="0" baseline="0" dirty="0">
+                <a:ln>
+                  <a:noFill/>
+                </a:ln>
+                <a:solidFill>
+                  <a:srgbClr val="CC7832"/>
+                </a:solidFill>
+                <a:effectLst/>
+                <a:latin typeface="VCROSDMonoRUSbyD" panose="02000609000000000000" pitchFamily="49" charset="0"/>
+                <a:ea typeface="VCROSDMonoRUSbyD" panose="02000609000000000000" pitchFamily="49" charset="0"/>
+              </a:rPr>
+              <a:t> </a:t>
+            </a:r>
+            <a:r>
+              <a:rPr kumimoji="0" lang="ru-RU" altLang="ru-RU" sz="1000" b="0" i="0" u="none" strike="noStrike" cap="none" normalizeH="0" baseline="0" dirty="0" err="1">
+                <a:ln>
+                  <a:noFill/>
+                </a:ln>
+                <a:solidFill>
+                  <a:srgbClr val="FFC66D"/>
+                </a:solidFill>
+                <a:effectLst/>
+                <a:latin typeface="VCROSDMonoRUSbyD" panose="02000609000000000000" pitchFamily="49" charset="0"/>
+                <a:ea typeface="VCROSDMonoRUSbyD" panose="02000609000000000000" pitchFamily="49" charset="0"/>
+              </a:rPr>
+              <a:t>mousePressEvent</a:t>
+            </a:r>
+            <a:r>
+              <a:rPr kumimoji="0" lang="ru-RU" altLang="ru-RU" sz="1000" b="0" i="0" u="none" strike="noStrike" cap="none" normalizeH="0" baseline="0" dirty="0">
+                <a:ln>
+                  <a:noFill/>
+                </a:ln>
+                <a:solidFill>
+                  <a:srgbClr val="A9B7C6"/>
+                </a:solidFill>
+                <a:effectLst/>
+                <a:latin typeface="VCROSDMonoRUSbyD" panose="02000609000000000000" pitchFamily="49" charset="0"/>
+                <a:ea typeface="VCROSDMonoRUSbyD" panose="02000609000000000000" pitchFamily="49" charset="0"/>
+              </a:rPr>
+              <a:t>(</a:t>
+            </a:r>
+            <a:r>
+              <a:rPr kumimoji="0" lang="ru-RU" altLang="ru-RU" sz="1000" b="0" i="0" u="none" strike="noStrike" cap="none" normalizeH="0" baseline="0" dirty="0" err="1">
+                <a:ln>
+                  <a:noFill/>
+                </a:ln>
+                <a:solidFill>
+                  <a:srgbClr val="94558D"/>
+                </a:solidFill>
+                <a:effectLst/>
+                <a:latin typeface="VCROSDMonoRUSbyD" panose="02000609000000000000" pitchFamily="49" charset="0"/>
+                <a:ea typeface="VCROSDMonoRUSbyD" panose="02000609000000000000" pitchFamily="49" charset="0"/>
+              </a:rPr>
+              <a:t>self</a:t>
+            </a:r>
+            <a:r>
+              <a:rPr kumimoji="0" lang="ru-RU" altLang="ru-RU" sz="1000" b="0" i="0" u="none" strike="noStrike" cap="none" normalizeH="0" baseline="0" dirty="0">
+                <a:ln>
+                  <a:noFill/>
+                </a:ln>
+                <a:solidFill>
+                  <a:srgbClr val="CC7832"/>
+                </a:solidFill>
+                <a:effectLst/>
+                <a:latin typeface="VCROSDMonoRUSbyD" panose="02000609000000000000" pitchFamily="49" charset="0"/>
+                <a:ea typeface="VCROSDMonoRUSbyD" panose="02000609000000000000" pitchFamily="49" charset="0"/>
+              </a:rPr>
+              <a:t>, </a:t>
+            </a:r>
+            <a:r>
+              <a:rPr kumimoji="0" lang="ru-RU" altLang="ru-RU" sz="1000" b="0" i="0" u="none" strike="noStrike" cap="none" normalizeH="0" baseline="0" dirty="0" err="1">
+                <a:ln>
+                  <a:noFill/>
+                </a:ln>
+                <a:solidFill>
+                  <a:srgbClr val="A9B7C6"/>
+                </a:solidFill>
+                <a:effectLst/>
+                <a:latin typeface="VCROSDMonoRUSbyD" panose="02000609000000000000" pitchFamily="49" charset="0"/>
+                <a:ea typeface="VCROSDMonoRUSbyD" panose="02000609000000000000" pitchFamily="49" charset="0"/>
+              </a:rPr>
+              <a:t>event</a:t>
+            </a:r>
+            <a:r>
+              <a:rPr kumimoji="0" lang="ru-RU" altLang="ru-RU" sz="1000" b="0" i="0" u="none" strike="noStrike" cap="none" normalizeH="0" baseline="0" dirty="0">
+                <a:ln>
+                  <a:noFill/>
+                </a:ln>
+                <a:solidFill>
+                  <a:srgbClr val="A9B7C6"/>
+                </a:solidFill>
+                <a:effectLst/>
+                <a:latin typeface="VCROSDMonoRUSbyD" panose="02000609000000000000" pitchFamily="49" charset="0"/>
+                <a:ea typeface="VCROSDMonoRUSbyD" panose="02000609000000000000" pitchFamily="49" charset="0"/>
+              </a:rPr>
+              <a:t>):</a:t>
+            </a:r>
+            <a:br>
+              <a:rPr kumimoji="0" lang="ru-RU" altLang="ru-RU" sz="1000" b="0" i="0" u="none" strike="noStrike" cap="none" normalizeH="0" baseline="0" dirty="0">
+                <a:ln>
+                  <a:noFill/>
+                </a:ln>
+                <a:solidFill>
+                  <a:srgbClr val="A9B7C6"/>
+                </a:solidFill>
+                <a:effectLst/>
+                <a:latin typeface="VCROSDMonoRUSbyD" panose="02000609000000000000" pitchFamily="49" charset="0"/>
+                <a:ea typeface="VCROSDMonoRUSbyD" panose="02000609000000000000" pitchFamily="49" charset="0"/>
+              </a:rPr>
+            </a:br>
+            <a:r>
+              <a:rPr kumimoji="0" lang="ru-RU" altLang="ru-RU" sz="1000" b="0" i="0" u="none" strike="noStrike" cap="none" normalizeH="0" baseline="0" dirty="0">
+                <a:ln>
+                  <a:noFill/>
+                </a:ln>
+                <a:solidFill>
+                  <a:srgbClr val="A9B7C6"/>
+                </a:solidFill>
+                <a:effectLst/>
+                <a:latin typeface="VCROSDMonoRUSbyD" panose="02000609000000000000" pitchFamily="49" charset="0"/>
+                <a:ea typeface="VCROSDMonoRUSbyD" panose="02000609000000000000" pitchFamily="49" charset="0"/>
+              </a:rPr>
+              <a:t>    </a:t>
+            </a:r>
+            <a:r>
+              <a:rPr kumimoji="0" lang="ru-RU" altLang="ru-RU" sz="1000" b="0" i="0" u="none" strike="noStrike" cap="none" normalizeH="0" baseline="0" dirty="0" err="1">
+                <a:ln>
+                  <a:noFill/>
+                </a:ln>
+                <a:solidFill>
+                  <a:srgbClr val="CC7832"/>
+                </a:solidFill>
+                <a:effectLst/>
+                <a:latin typeface="VCROSDMonoRUSbyD" panose="02000609000000000000" pitchFamily="49" charset="0"/>
+                <a:ea typeface="VCROSDMonoRUSbyD" panose="02000609000000000000" pitchFamily="49" charset="0"/>
+              </a:rPr>
+              <a:t>if</a:t>
+            </a:r>
+            <a:r>
+              <a:rPr kumimoji="0" lang="ru-RU" altLang="ru-RU" sz="1000" b="0" i="0" u="none" strike="noStrike" cap="none" normalizeH="0" baseline="0" dirty="0">
+                <a:ln>
+                  <a:noFill/>
+                </a:ln>
+                <a:solidFill>
+                  <a:srgbClr val="CC7832"/>
+                </a:solidFill>
+                <a:effectLst/>
+                <a:latin typeface="VCROSDMonoRUSbyD" panose="02000609000000000000" pitchFamily="49" charset="0"/>
+                <a:ea typeface="VCROSDMonoRUSbyD" panose="02000609000000000000" pitchFamily="49" charset="0"/>
+              </a:rPr>
+              <a:t> </a:t>
+            </a:r>
+            <a:r>
+              <a:rPr kumimoji="0" lang="ru-RU" altLang="ru-RU" sz="1000" b="0" i="0" u="none" strike="noStrike" cap="none" normalizeH="0" baseline="0" dirty="0" err="1">
+                <a:ln>
+                  <a:noFill/>
+                </a:ln>
+                <a:solidFill>
+                  <a:srgbClr val="A9B7C6"/>
+                </a:solidFill>
+                <a:effectLst/>
+                <a:latin typeface="VCROSDMonoRUSbyD" panose="02000609000000000000" pitchFamily="49" charset="0"/>
+                <a:ea typeface="VCROSDMonoRUSbyD" panose="02000609000000000000" pitchFamily="49" charset="0"/>
+              </a:rPr>
+              <a:t>event.button</a:t>
+            </a:r>
+            <a:r>
+              <a:rPr kumimoji="0" lang="ru-RU" altLang="ru-RU" sz="1000" b="0" i="0" u="none" strike="noStrike" cap="none" normalizeH="0" baseline="0" dirty="0">
+                <a:ln>
+                  <a:noFill/>
+                </a:ln>
+                <a:solidFill>
+                  <a:srgbClr val="A9B7C6"/>
+                </a:solidFill>
+                <a:effectLst/>
+                <a:latin typeface="VCROSDMonoRUSbyD" panose="02000609000000000000" pitchFamily="49" charset="0"/>
+                <a:ea typeface="VCROSDMonoRUSbyD" panose="02000609000000000000" pitchFamily="49" charset="0"/>
+              </a:rPr>
+              <a:t>() == </a:t>
+            </a:r>
+            <a:r>
+              <a:rPr kumimoji="0" lang="ru-RU" altLang="ru-RU" sz="1000" b="0" i="0" u="none" strike="noStrike" cap="none" normalizeH="0" baseline="0" dirty="0" err="1">
+                <a:ln>
+                  <a:noFill/>
+                </a:ln>
+                <a:solidFill>
+                  <a:srgbClr val="A9B7C6"/>
+                </a:solidFill>
+                <a:effectLst/>
+                <a:latin typeface="VCROSDMonoRUSbyD" panose="02000609000000000000" pitchFamily="49" charset="0"/>
+                <a:ea typeface="VCROSDMonoRUSbyD" panose="02000609000000000000" pitchFamily="49" charset="0"/>
+              </a:rPr>
+              <a:t>Qt.RightButton</a:t>
+            </a:r>
+            <a:r>
+              <a:rPr kumimoji="0" lang="ru-RU" altLang="ru-RU" sz="1000" b="0" i="0" u="none" strike="noStrike" cap="none" normalizeH="0" baseline="0" dirty="0">
+                <a:ln>
+                  <a:noFill/>
+                </a:ln>
+                <a:solidFill>
+                  <a:srgbClr val="A9B7C6"/>
+                </a:solidFill>
+                <a:effectLst/>
+                <a:latin typeface="VCROSDMonoRUSbyD" panose="02000609000000000000" pitchFamily="49" charset="0"/>
+                <a:ea typeface="VCROSDMonoRUSbyD" panose="02000609000000000000" pitchFamily="49" charset="0"/>
+              </a:rPr>
+              <a:t>:</a:t>
+            </a:r>
+            <a:br>
+              <a:rPr kumimoji="0" lang="ru-RU" altLang="ru-RU" sz="1000" b="0" i="0" u="none" strike="noStrike" cap="none" normalizeH="0" baseline="0" dirty="0">
+                <a:ln>
+                  <a:noFill/>
+                </a:ln>
+                <a:solidFill>
+                  <a:srgbClr val="A9B7C6"/>
+                </a:solidFill>
+                <a:effectLst/>
+                <a:latin typeface="VCROSDMonoRUSbyD" panose="02000609000000000000" pitchFamily="49" charset="0"/>
+                <a:ea typeface="VCROSDMonoRUSbyD" panose="02000609000000000000" pitchFamily="49" charset="0"/>
+              </a:rPr>
+            </a:br>
+            <a:r>
+              <a:rPr kumimoji="0" lang="ru-RU" altLang="ru-RU" sz="1000" b="0" i="0" u="none" strike="noStrike" cap="none" normalizeH="0" baseline="0" dirty="0">
+                <a:ln>
+                  <a:noFill/>
+                </a:ln>
+                <a:solidFill>
+                  <a:srgbClr val="A9B7C6"/>
+                </a:solidFill>
+                <a:effectLst/>
+                <a:latin typeface="VCROSDMonoRUSbyD" panose="02000609000000000000" pitchFamily="49" charset="0"/>
+                <a:ea typeface="VCROSDMonoRUSbyD" panose="02000609000000000000" pitchFamily="49" charset="0"/>
+              </a:rPr>
+              <a:t>        </a:t>
+            </a:r>
+            <a:r>
+              <a:rPr kumimoji="0" lang="ru-RU" altLang="ru-RU" sz="1000" b="0" i="0" u="none" strike="noStrike" cap="none" normalizeH="0" baseline="0" dirty="0" err="1">
+                <a:ln>
+                  <a:noFill/>
+                </a:ln>
+                <a:solidFill>
+                  <a:srgbClr val="94558D"/>
+                </a:solidFill>
+                <a:effectLst/>
+                <a:latin typeface="VCROSDMonoRUSbyD" panose="02000609000000000000" pitchFamily="49" charset="0"/>
+                <a:ea typeface="VCROSDMonoRUSbyD" panose="02000609000000000000" pitchFamily="49" charset="0"/>
+              </a:rPr>
+              <a:t>self</a:t>
+            </a:r>
+            <a:r>
+              <a:rPr kumimoji="0" lang="ru-RU" altLang="ru-RU" sz="1000" b="0" i="0" u="none" strike="noStrike" cap="none" normalizeH="0" baseline="0" dirty="0" err="1">
+                <a:ln>
+                  <a:noFill/>
+                </a:ln>
+                <a:solidFill>
+                  <a:srgbClr val="A9B7C6"/>
+                </a:solidFill>
+                <a:effectLst/>
+                <a:latin typeface="VCROSDMonoRUSbyD" panose="02000609000000000000" pitchFamily="49" charset="0"/>
+                <a:ea typeface="VCROSDMonoRUSbyD" panose="02000609000000000000" pitchFamily="49" charset="0"/>
+              </a:rPr>
+              <a:t>.rb_x</a:t>
+            </a:r>
+            <a:r>
+              <a:rPr kumimoji="0" lang="ru-RU" altLang="ru-RU" sz="1000" b="0" i="0" u="none" strike="noStrike" cap="none" normalizeH="0" baseline="0" dirty="0">
+                <a:ln>
+                  <a:noFill/>
+                </a:ln>
+                <a:solidFill>
+                  <a:srgbClr val="A9B7C6"/>
+                </a:solidFill>
+                <a:effectLst/>
+                <a:latin typeface="VCROSDMonoRUSbyD" panose="02000609000000000000" pitchFamily="49" charset="0"/>
+                <a:ea typeface="VCROSDMonoRUSbyD" panose="02000609000000000000" pitchFamily="49" charset="0"/>
+              </a:rPr>
+              <a:t> = </a:t>
+            </a:r>
+            <a:r>
+              <a:rPr kumimoji="0" lang="ru-RU" altLang="ru-RU" sz="1000" b="0" i="0" u="none" strike="noStrike" cap="none" normalizeH="0" baseline="0" dirty="0" err="1">
+                <a:ln>
+                  <a:noFill/>
+                </a:ln>
+                <a:solidFill>
+                  <a:srgbClr val="A9B7C6"/>
+                </a:solidFill>
+                <a:effectLst/>
+                <a:latin typeface="VCROSDMonoRUSbyD" panose="02000609000000000000" pitchFamily="49" charset="0"/>
+                <a:ea typeface="VCROSDMonoRUSbyD" panose="02000609000000000000" pitchFamily="49" charset="0"/>
+              </a:rPr>
+              <a:t>event.x</a:t>
+            </a:r>
+            <a:r>
+              <a:rPr kumimoji="0" lang="ru-RU" altLang="ru-RU" sz="1000" b="0" i="0" u="none" strike="noStrike" cap="none" normalizeH="0" baseline="0" dirty="0">
+                <a:ln>
+                  <a:noFill/>
+                </a:ln>
+                <a:solidFill>
+                  <a:srgbClr val="A9B7C6"/>
+                </a:solidFill>
+                <a:effectLst/>
+                <a:latin typeface="VCROSDMonoRUSbyD" panose="02000609000000000000" pitchFamily="49" charset="0"/>
+                <a:ea typeface="VCROSDMonoRUSbyD" panose="02000609000000000000" pitchFamily="49" charset="0"/>
+              </a:rPr>
+              <a:t>()</a:t>
+            </a:r>
+            <a:br>
+              <a:rPr kumimoji="0" lang="ru-RU" altLang="ru-RU" sz="1000" b="0" i="0" u="none" strike="noStrike" cap="none" normalizeH="0" baseline="0" dirty="0">
+                <a:ln>
+                  <a:noFill/>
+                </a:ln>
+                <a:solidFill>
+                  <a:srgbClr val="A9B7C6"/>
+                </a:solidFill>
+                <a:effectLst/>
+                <a:latin typeface="VCROSDMonoRUSbyD" panose="02000609000000000000" pitchFamily="49" charset="0"/>
+                <a:ea typeface="VCROSDMonoRUSbyD" panose="02000609000000000000" pitchFamily="49" charset="0"/>
+              </a:rPr>
+            </a:br>
+            <a:r>
+              <a:rPr kumimoji="0" lang="ru-RU" altLang="ru-RU" sz="1000" b="0" i="0" u="none" strike="noStrike" cap="none" normalizeH="0" baseline="0" dirty="0">
+                <a:ln>
+                  <a:noFill/>
+                </a:ln>
+                <a:solidFill>
+                  <a:srgbClr val="A9B7C6"/>
+                </a:solidFill>
+                <a:effectLst/>
+                <a:latin typeface="VCROSDMonoRUSbyD" panose="02000609000000000000" pitchFamily="49" charset="0"/>
+                <a:ea typeface="VCROSDMonoRUSbyD" panose="02000609000000000000" pitchFamily="49" charset="0"/>
+              </a:rPr>
+              <a:t>        </a:t>
+            </a:r>
+            <a:r>
+              <a:rPr kumimoji="0" lang="ru-RU" altLang="ru-RU" sz="1000" b="0" i="0" u="none" strike="noStrike" cap="none" normalizeH="0" baseline="0" dirty="0" err="1">
+                <a:ln>
+                  <a:noFill/>
+                </a:ln>
+                <a:solidFill>
+                  <a:srgbClr val="94558D"/>
+                </a:solidFill>
+                <a:effectLst/>
+                <a:latin typeface="VCROSDMonoRUSbyD" panose="02000609000000000000" pitchFamily="49" charset="0"/>
+                <a:ea typeface="VCROSDMonoRUSbyD" panose="02000609000000000000" pitchFamily="49" charset="0"/>
+              </a:rPr>
+              <a:t>self</a:t>
+            </a:r>
+            <a:r>
+              <a:rPr kumimoji="0" lang="ru-RU" altLang="ru-RU" sz="1000" b="0" i="0" u="none" strike="noStrike" cap="none" normalizeH="0" baseline="0" dirty="0" err="1">
+                <a:ln>
+                  <a:noFill/>
+                </a:ln>
+                <a:solidFill>
+                  <a:srgbClr val="A9B7C6"/>
+                </a:solidFill>
+                <a:effectLst/>
+                <a:latin typeface="VCROSDMonoRUSbyD" panose="02000609000000000000" pitchFamily="49" charset="0"/>
+                <a:ea typeface="VCROSDMonoRUSbyD" panose="02000609000000000000" pitchFamily="49" charset="0"/>
+              </a:rPr>
+              <a:t>.rb_y</a:t>
+            </a:r>
+            <a:r>
+              <a:rPr kumimoji="0" lang="ru-RU" altLang="ru-RU" sz="1000" b="0" i="0" u="none" strike="noStrike" cap="none" normalizeH="0" baseline="0" dirty="0">
+                <a:ln>
+                  <a:noFill/>
+                </a:ln>
+                <a:solidFill>
+                  <a:srgbClr val="A9B7C6"/>
+                </a:solidFill>
+                <a:effectLst/>
+                <a:latin typeface="VCROSDMonoRUSbyD" panose="02000609000000000000" pitchFamily="49" charset="0"/>
+                <a:ea typeface="VCROSDMonoRUSbyD" panose="02000609000000000000" pitchFamily="49" charset="0"/>
+              </a:rPr>
+              <a:t> = </a:t>
+            </a:r>
+            <a:r>
+              <a:rPr kumimoji="0" lang="ru-RU" altLang="ru-RU" sz="1000" b="0" i="0" u="none" strike="noStrike" cap="none" normalizeH="0" baseline="0" dirty="0" err="1">
+                <a:ln>
+                  <a:noFill/>
+                </a:ln>
+                <a:solidFill>
+                  <a:srgbClr val="A9B7C6"/>
+                </a:solidFill>
+                <a:effectLst/>
+                <a:latin typeface="VCROSDMonoRUSbyD" panose="02000609000000000000" pitchFamily="49" charset="0"/>
+                <a:ea typeface="VCROSDMonoRUSbyD" panose="02000609000000000000" pitchFamily="49" charset="0"/>
+              </a:rPr>
+              <a:t>event.y</a:t>
+            </a:r>
+            <a:r>
+              <a:rPr kumimoji="0" lang="ru-RU" altLang="ru-RU" sz="1000" b="0" i="0" u="none" strike="noStrike" cap="none" normalizeH="0" baseline="0" dirty="0">
+                <a:ln>
+                  <a:noFill/>
+                </a:ln>
+                <a:solidFill>
+                  <a:srgbClr val="A9B7C6"/>
+                </a:solidFill>
+                <a:effectLst/>
+                <a:latin typeface="VCROSDMonoRUSbyD" panose="02000609000000000000" pitchFamily="49" charset="0"/>
+                <a:ea typeface="VCROSDMonoRUSbyD" panose="02000609000000000000" pitchFamily="49" charset="0"/>
+              </a:rPr>
+              <a:t>()</a:t>
+            </a:r>
+            <a:br>
+              <a:rPr kumimoji="0" lang="ru-RU" altLang="ru-RU" sz="1000" b="0" i="0" u="none" strike="noStrike" cap="none" normalizeH="0" baseline="0" dirty="0">
+                <a:ln>
+                  <a:noFill/>
+                </a:ln>
+                <a:solidFill>
+                  <a:srgbClr val="A9B7C6"/>
+                </a:solidFill>
+                <a:effectLst/>
+                <a:latin typeface="VCROSDMonoRUSbyD" panose="02000609000000000000" pitchFamily="49" charset="0"/>
+                <a:ea typeface="VCROSDMonoRUSbyD" panose="02000609000000000000" pitchFamily="49" charset="0"/>
+              </a:rPr>
+            </a:br>
+            <a:r>
+              <a:rPr kumimoji="0" lang="ru-RU" altLang="ru-RU" sz="1000" b="0" i="0" u="none" strike="noStrike" cap="none" normalizeH="0" baseline="0" dirty="0">
+                <a:ln>
+                  <a:noFill/>
+                </a:ln>
+                <a:solidFill>
+                  <a:srgbClr val="A9B7C6"/>
+                </a:solidFill>
+                <a:effectLst/>
+                <a:latin typeface="VCROSDMonoRUSbyD" panose="02000609000000000000" pitchFamily="49" charset="0"/>
+                <a:ea typeface="VCROSDMonoRUSbyD" panose="02000609000000000000" pitchFamily="49" charset="0"/>
+              </a:rPr>
+              <a:t>    </a:t>
+            </a:r>
+            <a:r>
+              <a:rPr kumimoji="0" lang="ru-RU" altLang="ru-RU" sz="1000" b="0" i="0" u="none" strike="noStrike" cap="none" normalizeH="0" baseline="0" dirty="0" err="1">
+                <a:ln>
+                  <a:noFill/>
+                </a:ln>
+                <a:solidFill>
+                  <a:srgbClr val="CC7832"/>
+                </a:solidFill>
+                <a:effectLst/>
+                <a:latin typeface="VCROSDMonoRUSbyD" panose="02000609000000000000" pitchFamily="49" charset="0"/>
+                <a:ea typeface="VCROSDMonoRUSbyD" panose="02000609000000000000" pitchFamily="49" charset="0"/>
+              </a:rPr>
+              <a:t>elif</a:t>
+            </a:r>
+            <a:r>
+              <a:rPr kumimoji="0" lang="ru-RU" altLang="ru-RU" sz="1000" b="0" i="0" u="none" strike="noStrike" cap="none" normalizeH="0" baseline="0" dirty="0">
+                <a:ln>
+                  <a:noFill/>
+                </a:ln>
+                <a:solidFill>
+                  <a:srgbClr val="CC7832"/>
+                </a:solidFill>
+                <a:effectLst/>
+                <a:latin typeface="VCROSDMonoRUSbyD" panose="02000609000000000000" pitchFamily="49" charset="0"/>
+                <a:ea typeface="VCROSDMonoRUSbyD" panose="02000609000000000000" pitchFamily="49" charset="0"/>
+              </a:rPr>
+              <a:t> </a:t>
+            </a:r>
+            <a:r>
+              <a:rPr kumimoji="0" lang="ru-RU" altLang="ru-RU" sz="1000" b="0" i="0" u="none" strike="noStrike" cap="none" normalizeH="0" baseline="0" dirty="0" err="1">
+                <a:ln>
+                  <a:noFill/>
+                </a:ln>
+                <a:solidFill>
+                  <a:srgbClr val="A9B7C6"/>
+                </a:solidFill>
+                <a:effectLst/>
+                <a:latin typeface="VCROSDMonoRUSbyD" panose="02000609000000000000" pitchFamily="49" charset="0"/>
+                <a:ea typeface="VCROSDMonoRUSbyD" panose="02000609000000000000" pitchFamily="49" charset="0"/>
+              </a:rPr>
+              <a:t>event.button</a:t>
+            </a:r>
+            <a:r>
+              <a:rPr kumimoji="0" lang="ru-RU" altLang="ru-RU" sz="1000" b="0" i="0" u="none" strike="noStrike" cap="none" normalizeH="0" baseline="0" dirty="0">
+                <a:ln>
+                  <a:noFill/>
+                </a:ln>
+                <a:solidFill>
+                  <a:srgbClr val="A9B7C6"/>
+                </a:solidFill>
+                <a:effectLst/>
+                <a:latin typeface="VCROSDMonoRUSbyD" panose="02000609000000000000" pitchFamily="49" charset="0"/>
+                <a:ea typeface="VCROSDMonoRUSbyD" panose="02000609000000000000" pitchFamily="49" charset="0"/>
+              </a:rPr>
+              <a:t>() == </a:t>
+            </a:r>
+            <a:r>
+              <a:rPr kumimoji="0" lang="ru-RU" altLang="ru-RU" sz="1000" b="0" i="0" u="none" strike="noStrike" cap="none" normalizeH="0" baseline="0" dirty="0" err="1">
+                <a:ln>
+                  <a:noFill/>
+                </a:ln>
+                <a:solidFill>
+                  <a:srgbClr val="A9B7C6"/>
+                </a:solidFill>
+                <a:effectLst/>
+                <a:latin typeface="VCROSDMonoRUSbyD" panose="02000609000000000000" pitchFamily="49" charset="0"/>
+                <a:ea typeface="VCROSDMonoRUSbyD" panose="02000609000000000000" pitchFamily="49" charset="0"/>
+              </a:rPr>
+              <a:t>Qt.LeftButton</a:t>
+            </a:r>
+            <a:r>
+              <a:rPr kumimoji="0" lang="ru-RU" altLang="ru-RU" sz="1000" b="0" i="0" u="none" strike="noStrike" cap="none" normalizeH="0" baseline="0" dirty="0">
+                <a:ln>
+                  <a:noFill/>
+                </a:ln>
+                <a:solidFill>
+                  <a:srgbClr val="A9B7C6"/>
+                </a:solidFill>
+                <a:effectLst/>
+                <a:latin typeface="VCROSDMonoRUSbyD" panose="02000609000000000000" pitchFamily="49" charset="0"/>
+                <a:ea typeface="VCROSDMonoRUSbyD" panose="02000609000000000000" pitchFamily="49" charset="0"/>
+              </a:rPr>
+              <a:t> </a:t>
+            </a:r>
+            <a:r>
+              <a:rPr kumimoji="0" lang="ru-RU" altLang="ru-RU" sz="1000" b="0" i="0" u="none" strike="noStrike" cap="none" normalizeH="0" baseline="0" dirty="0" err="1">
+                <a:ln>
+                  <a:noFill/>
+                </a:ln>
+                <a:solidFill>
+                  <a:srgbClr val="CC7832"/>
+                </a:solidFill>
+                <a:effectLst/>
+                <a:latin typeface="VCROSDMonoRUSbyD" panose="02000609000000000000" pitchFamily="49" charset="0"/>
+                <a:ea typeface="VCROSDMonoRUSbyD" panose="02000609000000000000" pitchFamily="49" charset="0"/>
+              </a:rPr>
+              <a:t>and</a:t>
+            </a:r>
+            <a:r>
+              <a:rPr kumimoji="0" lang="ru-RU" altLang="ru-RU" sz="1000" b="0" i="0" u="none" strike="noStrike" cap="none" normalizeH="0" baseline="0" dirty="0">
+                <a:ln>
+                  <a:noFill/>
+                </a:ln>
+                <a:solidFill>
+                  <a:srgbClr val="CC7832"/>
+                </a:solidFill>
+                <a:effectLst/>
+                <a:latin typeface="VCROSDMonoRUSbyD" panose="02000609000000000000" pitchFamily="49" charset="0"/>
+                <a:ea typeface="VCROSDMonoRUSbyD" panose="02000609000000000000" pitchFamily="49" charset="0"/>
+              </a:rPr>
+              <a:t> </a:t>
+            </a:r>
+            <a:r>
+              <a:rPr kumimoji="0" lang="ru-RU" altLang="ru-RU" sz="1000" b="0" i="0" u="none" strike="noStrike" cap="none" normalizeH="0" baseline="0" dirty="0">
+                <a:ln>
+                  <a:noFill/>
+                </a:ln>
+                <a:solidFill>
+                  <a:srgbClr val="A9B7C6"/>
+                </a:solidFill>
+                <a:effectLst/>
+                <a:latin typeface="VCROSDMonoRUSbyD" panose="02000609000000000000" pitchFamily="49" charset="0"/>
+                <a:ea typeface="VCROSDMonoRUSbyD" panose="02000609000000000000" pitchFamily="49" charset="0"/>
+              </a:rPr>
+              <a:t>\</a:t>
+            </a:r>
+            <a:br>
+              <a:rPr kumimoji="0" lang="ru-RU" altLang="ru-RU" sz="1000" b="0" i="0" u="none" strike="noStrike" cap="none" normalizeH="0" baseline="0" dirty="0">
+                <a:ln>
+                  <a:noFill/>
+                </a:ln>
+                <a:solidFill>
+                  <a:srgbClr val="A9B7C6"/>
+                </a:solidFill>
+                <a:effectLst/>
+                <a:latin typeface="VCROSDMonoRUSbyD" panose="02000609000000000000" pitchFamily="49" charset="0"/>
+                <a:ea typeface="VCROSDMonoRUSbyD" panose="02000609000000000000" pitchFamily="49" charset="0"/>
+              </a:rPr>
+            </a:br>
+            <a:r>
+              <a:rPr kumimoji="0" lang="ru-RU" altLang="ru-RU" sz="1000" b="0" i="0" u="none" strike="noStrike" cap="none" normalizeH="0" baseline="0" dirty="0">
+                <a:ln>
+                  <a:noFill/>
+                </a:ln>
+                <a:solidFill>
+                  <a:srgbClr val="A9B7C6"/>
+                </a:solidFill>
+                <a:effectLst/>
+                <a:latin typeface="VCROSDMonoRUSbyD" panose="02000609000000000000" pitchFamily="49" charset="0"/>
+                <a:ea typeface="VCROSDMonoRUSbyD" panose="02000609000000000000" pitchFamily="49" charset="0"/>
+              </a:rPr>
+              <a:t>            (</a:t>
+            </a:r>
+            <a:r>
+              <a:rPr kumimoji="0" lang="ru-RU" altLang="ru-RU" sz="1000" b="0" i="0" u="none" strike="noStrike" cap="none" normalizeH="0" baseline="0" dirty="0" err="1">
+                <a:ln>
+                  <a:noFill/>
+                </a:ln>
+                <a:solidFill>
+                  <a:srgbClr val="CC7832"/>
+                </a:solidFill>
+                <a:effectLst/>
+                <a:latin typeface="VCROSDMonoRUSbyD" panose="02000609000000000000" pitchFamily="49" charset="0"/>
+                <a:ea typeface="VCROSDMonoRUSbyD" panose="02000609000000000000" pitchFamily="49" charset="0"/>
+              </a:rPr>
+              <a:t>not</a:t>
+            </a:r>
+            <a:r>
+              <a:rPr kumimoji="0" lang="ru-RU" altLang="ru-RU" sz="1000" b="0" i="0" u="none" strike="noStrike" cap="none" normalizeH="0" baseline="0" dirty="0">
+                <a:ln>
+                  <a:noFill/>
+                </a:ln>
+                <a:solidFill>
+                  <a:srgbClr val="CC7832"/>
+                </a:solidFill>
+                <a:effectLst/>
+                <a:latin typeface="VCROSDMonoRUSbyD" panose="02000609000000000000" pitchFamily="49" charset="0"/>
+                <a:ea typeface="VCROSDMonoRUSbyD" panose="02000609000000000000" pitchFamily="49" charset="0"/>
+              </a:rPr>
+              <a:t> </a:t>
+            </a:r>
+            <a:r>
+              <a:rPr kumimoji="0" lang="ru-RU" altLang="ru-RU" sz="1000" b="0" i="0" u="none" strike="noStrike" cap="none" normalizeH="0" baseline="0" dirty="0" err="1">
+                <a:ln>
+                  <a:noFill/>
+                </a:ln>
+                <a:solidFill>
+                  <a:srgbClr val="A9B7C6"/>
+                </a:solidFill>
+                <a:effectLst/>
+                <a:latin typeface="VCROSDMonoRUSbyD" panose="02000609000000000000" pitchFamily="49" charset="0"/>
+                <a:ea typeface="VCROSDMonoRUSbyD" panose="02000609000000000000" pitchFamily="49" charset="0"/>
+              </a:rPr>
+              <a:t>event.x</a:t>
+            </a:r>
+            <a:r>
+              <a:rPr kumimoji="0" lang="ru-RU" altLang="ru-RU" sz="1000" b="0" i="0" u="none" strike="noStrike" cap="none" normalizeH="0" baseline="0" dirty="0">
+                <a:ln>
+                  <a:noFill/>
+                </a:ln>
+                <a:solidFill>
+                  <a:srgbClr val="A9B7C6"/>
+                </a:solidFill>
+                <a:effectLst/>
+                <a:latin typeface="VCROSDMonoRUSbyD" panose="02000609000000000000" pitchFamily="49" charset="0"/>
+                <a:ea typeface="VCROSDMonoRUSbyD" panose="02000609000000000000" pitchFamily="49" charset="0"/>
+              </a:rPr>
+              <a:t>() </a:t>
+            </a:r>
+            <a:r>
+              <a:rPr kumimoji="0" lang="ru-RU" altLang="ru-RU" sz="1000" b="0" i="0" u="none" strike="noStrike" cap="none" normalizeH="0" baseline="0" dirty="0" err="1">
+                <a:ln>
+                  <a:noFill/>
+                </a:ln>
+                <a:solidFill>
+                  <a:srgbClr val="CC7832"/>
+                </a:solidFill>
+                <a:effectLst/>
+                <a:latin typeface="VCROSDMonoRUSbyD" panose="02000609000000000000" pitchFamily="49" charset="0"/>
+                <a:ea typeface="VCROSDMonoRUSbyD" panose="02000609000000000000" pitchFamily="49" charset="0"/>
+              </a:rPr>
+              <a:t>in</a:t>
+            </a:r>
+            <a:r>
+              <a:rPr kumimoji="0" lang="ru-RU" altLang="ru-RU" sz="1000" b="0" i="0" u="none" strike="noStrike" cap="none" normalizeH="0" baseline="0" dirty="0">
+                <a:ln>
+                  <a:noFill/>
+                </a:ln>
+                <a:solidFill>
+                  <a:srgbClr val="CC7832"/>
+                </a:solidFill>
+                <a:effectLst/>
+                <a:latin typeface="VCROSDMonoRUSbyD" panose="02000609000000000000" pitchFamily="49" charset="0"/>
+                <a:ea typeface="VCROSDMonoRUSbyD" panose="02000609000000000000" pitchFamily="49" charset="0"/>
+              </a:rPr>
+              <a:t> </a:t>
+            </a:r>
+            <a:r>
+              <a:rPr kumimoji="0" lang="ru-RU" altLang="ru-RU" sz="1000" b="0" i="0" u="none" strike="noStrike" cap="none" normalizeH="0" baseline="0" dirty="0" err="1">
+                <a:ln>
+                  <a:noFill/>
+                </a:ln>
+                <a:solidFill>
+                  <a:srgbClr val="8888C6"/>
+                </a:solidFill>
+                <a:effectLst/>
+                <a:latin typeface="VCROSDMonoRUSbyD" panose="02000609000000000000" pitchFamily="49" charset="0"/>
+                <a:ea typeface="VCROSDMonoRUSbyD" panose="02000609000000000000" pitchFamily="49" charset="0"/>
+              </a:rPr>
+              <a:t>range</a:t>
+            </a:r>
+            <a:r>
+              <a:rPr kumimoji="0" lang="ru-RU" altLang="ru-RU" sz="1000" b="0" i="0" u="none" strike="noStrike" cap="none" normalizeH="0" baseline="0" dirty="0">
+                <a:ln>
+                  <a:noFill/>
+                </a:ln>
+                <a:solidFill>
+                  <a:srgbClr val="A9B7C6"/>
+                </a:solidFill>
+                <a:effectLst/>
+                <a:latin typeface="VCROSDMonoRUSbyD" panose="02000609000000000000" pitchFamily="49" charset="0"/>
+                <a:ea typeface="VCROSDMonoRUSbyD" panose="02000609000000000000" pitchFamily="49" charset="0"/>
+              </a:rPr>
+              <a:t>(</a:t>
+            </a:r>
+            <a:r>
+              <a:rPr kumimoji="0" lang="ru-RU" altLang="ru-RU" sz="1000" b="0" i="0" u="none" strike="noStrike" cap="none" normalizeH="0" baseline="0" dirty="0" err="1">
+                <a:ln>
+                  <a:noFill/>
+                </a:ln>
+                <a:solidFill>
+                  <a:srgbClr val="94558D"/>
+                </a:solidFill>
+                <a:effectLst/>
+                <a:latin typeface="VCROSDMonoRUSbyD" panose="02000609000000000000" pitchFamily="49" charset="0"/>
+                <a:ea typeface="VCROSDMonoRUSbyD" panose="02000609000000000000" pitchFamily="49" charset="0"/>
+              </a:rPr>
+              <a:t>self</a:t>
+            </a:r>
+            <a:r>
+              <a:rPr kumimoji="0" lang="ru-RU" altLang="ru-RU" sz="1000" b="0" i="0" u="none" strike="noStrike" cap="none" normalizeH="0" baseline="0" dirty="0" err="1">
+                <a:ln>
+                  <a:noFill/>
+                </a:ln>
+                <a:solidFill>
+                  <a:srgbClr val="A9B7C6"/>
+                </a:solidFill>
+                <a:effectLst/>
+                <a:latin typeface="VCROSDMonoRUSbyD" panose="02000609000000000000" pitchFamily="49" charset="0"/>
+                <a:ea typeface="VCROSDMonoRUSbyD" panose="02000609000000000000" pitchFamily="49" charset="0"/>
+              </a:rPr>
+              <a:t>.menu_box.pos</a:t>
+            </a:r>
+            <a:r>
+              <a:rPr kumimoji="0" lang="ru-RU" altLang="ru-RU" sz="1000" b="0" i="0" u="none" strike="noStrike" cap="none" normalizeH="0" baseline="0" dirty="0">
+                <a:ln>
+                  <a:noFill/>
+                </a:ln>
+                <a:solidFill>
+                  <a:srgbClr val="A9B7C6"/>
+                </a:solidFill>
+                <a:effectLst/>
+                <a:latin typeface="VCROSDMonoRUSbyD" panose="02000609000000000000" pitchFamily="49" charset="0"/>
+                <a:ea typeface="VCROSDMonoRUSbyD" panose="02000609000000000000" pitchFamily="49" charset="0"/>
+              </a:rPr>
+              <a:t>().x()</a:t>
+            </a:r>
+            <a:r>
+              <a:rPr kumimoji="0" lang="ru-RU" altLang="ru-RU" sz="1000" b="0" i="0" u="none" strike="noStrike" cap="none" normalizeH="0" baseline="0" dirty="0">
+                <a:ln>
+                  <a:noFill/>
+                </a:ln>
+                <a:solidFill>
+                  <a:srgbClr val="CC7832"/>
+                </a:solidFill>
+                <a:effectLst/>
+                <a:latin typeface="VCROSDMonoRUSbyD" panose="02000609000000000000" pitchFamily="49" charset="0"/>
+                <a:ea typeface="VCROSDMonoRUSbyD" panose="02000609000000000000" pitchFamily="49" charset="0"/>
+              </a:rPr>
+              <a:t>, </a:t>
+            </a:r>
+            <a:r>
+              <a:rPr kumimoji="0" lang="ru-RU" altLang="ru-RU" sz="1000" b="0" i="0" u="none" strike="noStrike" cap="none" normalizeH="0" baseline="0" dirty="0" err="1">
+                <a:ln>
+                  <a:noFill/>
+                </a:ln>
+                <a:solidFill>
+                  <a:srgbClr val="94558D"/>
+                </a:solidFill>
+                <a:effectLst/>
+                <a:latin typeface="VCROSDMonoRUSbyD" panose="02000609000000000000" pitchFamily="49" charset="0"/>
+                <a:ea typeface="VCROSDMonoRUSbyD" panose="02000609000000000000" pitchFamily="49" charset="0"/>
+              </a:rPr>
+              <a:t>self</a:t>
+            </a:r>
+            <a:r>
+              <a:rPr kumimoji="0" lang="ru-RU" altLang="ru-RU" sz="1000" b="0" i="0" u="none" strike="noStrike" cap="none" normalizeH="0" baseline="0" dirty="0" err="1">
+                <a:ln>
+                  <a:noFill/>
+                </a:ln>
+                <a:solidFill>
+                  <a:srgbClr val="A9B7C6"/>
+                </a:solidFill>
+                <a:effectLst/>
+                <a:latin typeface="VCROSDMonoRUSbyD" panose="02000609000000000000" pitchFamily="49" charset="0"/>
+                <a:ea typeface="VCROSDMonoRUSbyD" panose="02000609000000000000" pitchFamily="49" charset="0"/>
+              </a:rPr>
+              <a:t>.menu_box.pos</a:t>
+            </a:r>
+            <a:r>
+              <a:rPr kumimoji="0" lang="ru-RU" altLang="ru-RU" sz="1000" b="0" i="0" u="none" strike="noStrike" cap="none" normalizeH="0" baseline="0" dirty="0">
+                <a:ln>
+                  <a:noFill/>
+                </a:ln>
+                <a:solidFill>
+                  <a:srgbClr val="A9B7C6"/>
+                </a:solidFill>
+                <a:effectLst/>
+                <a:latin typeface="VCROSDMonoRUSbyD" panose="02000609000000000000" pitchFamily="49" charset="0"/>
+                <a:ea typeface="VCROSDMonoRUSbyD" panose="02000609000000000000" pitchFamily="49" charset="0"/>
+              </a:rPr>
+              <a:t>().x() + </a:t>
+            </a:r>
+            <a:r>
+              <a:rPr kumimoji="0" lang="ru-RU" altLang="ru-RU" sz="1000" b="0" i="0" u="none" strike="noStrike" cap="none" normalizeH="0" baseline="0" dirty="0" err="1">
+                <a:ln>
+                  <a:noFill/>
+                </a:ln>
+                <a:solidFill>
+                  <a:srgbClr val="94558D"/>
+                </a:solidFill>
+                <a:effectLst/>
+                <a:latin typeface="VCROSDMonoRUSbyD" panose="02000609000000000000" pitchFamily="49" charset="0"/>
+                <a:ea typeface="VCROSDMonoRUSbyD" panose="02000609000000000000" pitchFamily="49" charset="0"/>
+              </a:rPr>
+              <a:t>self</a:t>
+            </a:r>
+            <a:r>
+              <a:rPr kumimoji="0" lang="ru-RU" altLang="ru-RU" sz="1000" b="0" i="0" u="none" strike="noStrike" cap="none" normalizeH="0" baseline="0" dirty="0" err="1">
+                <a:ln>
+                  <a:noFill/>
+                </a:ln>
+                <a:solidFill>
+                  <a:srgbClr val="A9B7C6"/>
+                </a:solidFill>
+                <a:effectLst/>
+                <a:latin typeface="VCROSDMonoRUSbyD" panose="02000609000000000000" pitchFamily="49" charset="0"/>
+                <a:ea typeface="VCROSDMonoRUSbyD" panose="02000609000000000000" pitchFamily="49" charset="0"/>
+              </a:rPr>
+              <a:t>.menu_box.width</a:t>
+            </a:r>
+            <a:r>
+              <a:rPr kumimoji="0" lang="ru-RU" altLang="ru-RU" sz="1000" b="0" i="0" u="none" strike="noStrike" cap="none" normalizeH="0" baseline="0" dirty="0">
+                <a:ln>
+                  <a:noFill/>
+                </a:ln>
+                <a:solidFill>
+                  <a:srgbClr val="A9B7C6"/>
+                </a:solidFill>
+                <a:effectLst/>
+                <a:latin typeface="VCROSDMonoRUSbyD" panose="02000609000000000000" pitchFamily="49" charset="0"/>
+                <a:ea typeface="VCROSDMonoRUSbyD" panose="02000609000000000000" pitchFamily="49" charset="0"/>
+              </a:rPr>
+              <a:t>())</a:t>
+            </a:r>
+            <a:br>
+              <a:rPr kumimoji="0" lang="ru-RU" altLang="ru-RU" sz="1000" b="0" i="0" u="none" strike="noStrike" cap="none" normalizeH="0" baseline="0" dirty="0">
+                <a:ln>
+                  <a:noFill/>
+                </a:ln>
+                <a:solidFill>
+                  <a:srgbClr val="A9B7C6"/>
+                </a:solidFill>
+                <a:effectLst/>
+                <a:latin typeface="VCROSDMonoRUSbyD" panose="02000609000000000000" pitchFamily="49" charset="0"/>
+                <a:ea typeface="VCROSDMonoRUSbyD" panose="02000609000000000000" pitchFamily="49" charset="0"/>
+              </a:rPr>
+            </a:br>
+            <a:r>
+              <a:rPr kumimoji="0" lang="ru-RU" altLang="ru-RU" sz="1000" b="0" i="0" u="none" strike="noStrike" cap="none" normalizeH="0" baseline="0" dirty="0">
+                <a:ln>
+                  <a:noFill/>
+                </a:ln>
+                <a:solidFill>
+                  <a:srgbClr val="A9B7C6"/>
+                </a:solidFill>
+                <a:effectLst/>
+                <a:latin typeface="VCROSDMonoRUSbyD" panose="02000609000000000000" pitchFamily="49" charset="0"/>
+                <a:ea typeface="VCROSDMonoRUSbyD" panose="02000609000000000000" pitchFamily="49" charset="0"/>
+              </a:rPr>
+              <a:t>             </a:t>
+            </a:r>
+            <a:r>
+              <a:rPr kumimoji="0" lang="ru-RU" altLang="ru-RU" sz="1000" b="0" i="0" u="none" strike="noStrike" cap="none" normalizeH="0" baseline="0" dirty="0" err="1">
+                <a:ln>
+                  <a:noFill/>
+                </a:ln>
+                <a:solidFill>
+                  <a:srgbClr val="CC7832"/>
+                </a:solidFill>
+                <a:effectLst/>
+                <a:latin typeface="VCROSDMonoRUSbyD" panose="02000609000000000000" pitchFamily="49" charset="0"/>
+                <a:ea typeface="VCROSDMonoRUSbyD" panose="02000609000000000000" pitchFamily="49" charset="0"/>
+              </a:rPr>
+              <a:t>and</a:t>
+            </a:r>
+            <a:r>
+              <a:rPr kumimoji="0" lang="ru-RU" altLang="ru-RU" sz="1000" b="0" i="0" u="none" strike="noStrike" cap="none" normalizeH="0" baseline="0" dirty="0">
+                <a:ln>
+                  <a:noFill/>
+                </a:ln>
+                <a:solidFill>
+                  <a:srgbClr val="CC7832"/>
+                </a:solidFill>
+                <a:effectLst/>
+                <a:latin typeface="VCROSDMonoRUSbyD" panose="02000609000000000000" pitchFamily="49" charset="0"/>
+                <a:ea typeface="VCROSDMonoRUSbyD" panose="02000609000000000000" pitchFamily="49" charset="0"/>
+              </a:rPr>
+              <a:t> </a:t>
+            </a:r>
+            <a:r>
+              <a:rPr kumimoji="0" lang="ru-RU" altLang="ru-RU" sz="1000" b="0" i="0" u="none" strike="noStrike" cap="none" normalizeH="0" baseline="0" dirty="0" err="1">
+                <a:ln>
+                  <a:noFill/>
+                </a:ln>
+                <a:solidFill>
+                  <a:srgbClr val="A9B7C6"/>
+                </a:solidFill>
+                <a:effectLst/>
+                <a:latin typeface="VCROSDMonoRUSbyD" panose="02000609000000000000" pitchFamily="49" charset="0"/>
+                <a:ea typeface="VCROSDMonoRUSbyD" panose="02000609000000000000" pitchFamily="49" charset="0"/>
+              </a:rPr>
+              <a:t>event.y</a:t>
+            </a:r>
+            <a:r>
+              <a:rPr kumimoji="0" lang="ru-RU" altLang="ru-RU" sz="1000" b="0" i="0" u="none" strike="noStrike" cap="none" normalizeH="0" baseline="0" dirty="0">
+                <a:ln>
+                  <a:noFill/>
+                </a:ln>
+                <a:solidFill>
+                  <a:srgbClr val="A9B7C6"/>
+                </a:solidFill>
+                <a:effectLst/>
+                <a:latin typeface="VCROSDMonoRUSbyD" panose="02000609000000000000" pitchFamily="49" charset="0"/>
+                <a:ea typeface="VCROSDMonoRUSbyD" panose="02000609000000000000" pitchFamily="49" charset="0"/>
+              </a:rPr>
+              <a:t>() </a:t>
+            </a:r>
+            <a:r>
+              <a:rPr kumimoji="0" lang="ru-RU" altLang="ru-RU" sz="1000" b="0" i="0" u="none" strike="noStrike" cap="none" normalizeH="0" baseline="0" dirty="0" err="1">
+                <a:ln>
+                  <a:noFill/>
+                </a:ln>
+                <a:solidFill>
+                  <a:srgbClr val="CC7832"/>
+                </a:solidFill>
+                <a:effectLst/>
+                <a:latin typeface="VCROSDMonoRUSbyD" panose="02000609000000000000" pitchFamily="49" charset="0"/>
+                <a:ea typeface="VCROSDMonoRUSbyD" panose="02000609000000000000" pitchFamily="49" charset="0"/>
+              </a:rPr>
+              <a:t>in</a:t>
+            </a:r>
+            <a:r>
+              <a:rPr kumimoji="0" lang="ru-RU" altLang="ru-RU" sz="1000" b="0" i="0" u="none" strike="noStrike" cap="none" normalizeH="0" baseline="0" dirty="0">
+                <a:ln>
+                  <a:noFill/>
+                </a:ln>
+                <a:solidFill>
+                  <a:srgbClr val="CC7832"/>
+                </a:solidFill>
+                <a:effectLst/>
+                <a:latin typeface="VCROSDMonoRUSbyD" panose="02000609000000000000" pitchFamily="49" charset="0"/>
+                <a:ea typeface="VCROSDMonoRUSbyD" panose="02000609000000000000" pitchFamily="49" charset="0"/>
+              </a:rPr>
+              <a:t> </a:t>
+            </a:r>
+            <a:r>
+              <a:rPr kumimoji="0" lang="ru-RU" altLang="ru-RU" sz="1000" b="0" i="0" u="none" strike="noStrike" cap="none" normalizeH="0" baseline="0" dirty="0" err="1">
+                <a:ln>
+                  <a:noFill/>
+                </a:ln>
+                <a:solidFill>
+                  <a:srgbClr val="8888C6"/>
+                </a:solidFill>
+                <a:effectLst/>
+                <a:latin typeface="VCROSDMonoRUSbyD" panose="02000609000000000000" pitchFamily="49" charset="0"/>
+                <a:ea typeface="VCROSDMonoRUSbyD" panose="02000609000000000000" pitchFamily="49" charset="0"/>
+              </a:rPr>
+              <a:t>range</a:t>
+            </a:r>
+            <a:r>
+              <a:rPr kumimoji="0" lang="ru-RU" altLang="ru-RU" sz="1000" b="0" i="0" u="none" strike="noStrike" cap="none" normalizeH="0" baseline="0" dirty="0">
+                <a:ln>
+                  <a:noFill/>
+                </a:ln>
+                <a:solidFill>
+                  <a:srgbClr val="A9B7C6"/>
+                </a:solidFill>
+                <a:effectLst/>
+                <a:latin typeface="VCROSDMonoRUSbyD" panose="02000609000000000000" pitchFamily="49" charset="0"/>
+                <a:ea typeface="VCROSDMonoRUSbyD" panose="02000609000000000000" pitchFamily="49" charset="0"/>
+              </a:rPr>
+              <a:t>(</a:t>
+            </a:r>
+            <a:r>
+              <a:rPr kumimoji="0" lang="ru-RU" altLang="ru-RU" sz="1000" b="0" i="0" u="none" strike="noStrike" cap="none" normalizeH="0" baseline="0" dirty="0" err="1">
+                <a:ln>
+                  <a:noFill/>
+                </a:ln>
+                <a:solidFill>
+                  <a:srgbClr val="94558D"/>
+                </a:solidFill>
+                <a:effectLst/>
+                <a:latin typeface="VCROSDMonoRUSbyD" panose="02000609000000000000" pitchFamily="49" charset="0"/>
+                <a:ea typeface="VCROSDMonoRUSbyD" panose="02000609000000000000" pitchFamily="49" charset="0"/>
+              </a:rPr>
+              <a:t>self</a:t>
+            </a:r>
+            <a:r>
+              <a:rPr kumimoji="0" lang="ru-RU" altLang="ru-RU" sz="1000" b="0" i="0" u="none" strike="noStrike" cap="none" normalizeH="0" baseline="0" dirty="0" err="1">
+                <a:ln>
+                  <a:noFill/>
+                </a:ln>
+                <a:solidFill>
+                  <a:srgbClr val="A9B7C6"/>
+                </a:solidFill>
+                <a:effectLst/>
+                <a:latin typeface="VCROSDMonoRUSbyD" panose="02000609000000000000" pitchFamily="49" charset="0"/>
+                <a:ea typeface="VCROSDMonoRUSbyD" panose="02000609000000000000" pitchFamily="49" charset="0"/>
+              </a:rPr>
+              <a:t>.menu_box.pos</a:t>
+            </a:r>
+            <a:r>
+              <a:rPr kumimoji="0" lang="ru-RU" altLang="ru-RU" sz="1000" b="0" i="0" u="none" strike="noStrike" cap="none" normalizeH="0" baseline="0" dirty="0">
+                <a:ln>
+                  <a:noFill/>
+                </a:ln>
+                <a:solidFill>
+                  <a:srgbClr val="A9B7C6"/>
+                </a:solidFill>
+                <a:effectLst/>
+                <a:latin typeface="VCROSDMonoRUSbyD" panose="02000609000000000000" pitchFamily="49" charset="0"/>
+                <a:ea typeface="VCROSDMonoRUSbyD" panose="02000609000000000000" pitchFamily="49" charset="0"/>
+              </a:rPr>
+              <a:t>().y()</a:t>
+            </a:r>
+            <a:r>
+              <a:rPr kumimoji="0" lang="ru-RU" altLang="ru-RU" sz="1000" b="0" i="0" u="none" strike="noStrike" cap="none" normalizeH="0" baseline="0" dirty="0">
+                <a:ln>
+                  <a:noFill/>
+                </a:ln>
+                <a:solidFill>
+                  <a:srgbClr val="CC7832"/>
+                </a:solidFill>
+                <a:effectLst/>
+                <a:latin typeface="VCROSDMonoRUSbyD" panose="02000609000000000000" pitchFamily="49" charset="0"/>
+                <a:ea typeface="VCROSDMonoRUSbyD" panose="02000609000000000000" pitchFamily="49" charset="0"/>
+              </a:rPr>
+              <a:t>, </a:t>
+            </a:r>
+            <a:r>
+              <a:rPr kumimoji="0" lang="ru-RU" altLang="ru-RU" sz="1000" b="0" i="0" u="none" strike="noStrike" cap="none" normalizeH="0" baseline="0" dirty="0" err="1">
+                <a:ln>
+                  <a:noFill/>
+                </a:ln>
+                <a:solidFill>
+                  <a:srgbClr val="94558D"/>
+                </a:solidFill>
+                <a:effectLst/>
+                <a:latin typeface="VCROSDMonoRUSbyD" panose="02000609000000000000" pitchFamily="49" charset="0"/>
+                <a:ea typeface="VCROSDMonoRUSbyD" panose="02000609000000000000" pitchFamily="49" charset="0"/>
+              </a:rPr>
+              <a:t>self</a:t>
+            </a:r>
+            <a:r>
+              <a:rPr kumimoji="0" lang="ru-RU" altLang="ru-RU" sz="1000" b="0" i="0" u="none" strike="noStrike" cap="none" normalizeH="0" baseline="0" dirty="0" err="1">
+                <a:ln>
+                  <a:noFill/>
+                </a:ln>
+                <a:solidFill>
+                  <a:srgbClr val="A9B7C6"/>
+                </a:solidFill>
+                <a:effectLst/>
+                <a:latin typeface="VCROSDMonoRUSbyD" panose="02000609000000000000" pitchFamily="49" charset="0"/>
+                <a:ea typeface="VCROSDMonoRUSbyD" panose="02000609000000000000" pitchFamily="49" charset="0"/>
+              </a:rPr>
+              <a:t>.menu_box.pos</a:t>
+            </a:r>
+            <a:r>
+              <a:rPr kumimoji="0" lang="ru-RU" altLang="ru-RU" sz="1000" b="0" i="0" u="none" strike="noStrike" cap="none" normalizeH="0" baseline="0" dirty="0">
+                <a:ln>
+                  <a:noFill/>
+                </a:ln>
+                <a:solidFill>
+                  <a:srgbClr val="A9B7C6"/>
+                </a:solidFill>
+                <a:effectLst/>
+                <a:latin typeface="VCROSDMonoRUSbyD" panose="02000609000000000000" pitchFamily="49" charset="0"/>
+                <a:ea typeface="VCROSDMonoRUSbyD" panose="02000609000000000000" pitchFamily="49" charset="0"/>
+              </a:rPr>
+              <a:t>().y() + </a:t>
+            </a:r>
+            <a:r>
+              <a:rPr kumimoji="0" lang="ru-RU" altLang="ru-RU" sz="1000" b="0" i="0" u="none" strike="noStrike" cap="none" normalizeH="0" baseline="0" dirty="0" err="1">
+                <a:ln>
+                  <a:noFill/>
+                </a:ln>
+                <a:solidFill>
+                  <a:srgbClr val="94558D"/>
+                </a:solidFill>
+                <a:effectLst/>
+                <a:latin typeface="VCROSDMonoRUSbyD" panose="02000609000000000000" pitchFamily="49" charset="0"/>
+                <a:ea typeface="VCROSDMonoRUSbyD" panose="02000609000000000000" pitchFamily="49" charset="0"/>
+              </a:rPr>
+              <a:t>self</a:t>
+            </a:r>
+            <a:r>
+              <a:rPr kumimoji="0" lang="ru-RU" altLang="ru-RU" sz="1000" b="0" i="0" u="none" strike="noStrike" cap="none" normalizeH="0" baseline="0" dirty="0" err="1">
+                <a:ln>
+                  <a:noFill/>
+                </a:ln>
+                <a:solidFill>
+                  <a:srgbClr val="A9B7C6"/>
+                </a:solidFill>
+                <a:effectLst/>
+                <a:latin typeface="VCROSDMonoRUSbyD" panose="02000609000000000000" pitchFamily="49" charset="0"/>
+                <a:ea typeface="VCROSDMonoRUSbyD" panose="02000609000000000000" pitchFamily="49" charset="0"/>
+              </a:rPr>
+              <a:t>.menu_box.height</a:t>
+            </a:r>
+            <a:r>
+              <a:rPr kumimoji="0" lang="ru-RU" altLang="ru-RU" sz="1000" b="0" i="0" u="none" strike="noStrike" cap="none" normalizeH="0" baseline="0" dirty="0">
+                <a:ln>
+                  <a:noFill/>
+                </a:ln>
+                <a:solidFill>
+                  <a:srgbClr val="A9B7C6"/>
+                </a:solidFill>
+                <a:effectLst/>
+                <a:latin typeface="VCROSDMonoRUSbyD" panose="02000609000000000000" pitchFamily="49" charset="0"/>
+                <a:ea typeface="VCROSDMonoRUSbyD" panose="02000609000000000000" pitchFamily="49" charset="0"/>
+              </a:rPr>
+              <a:t>())) \</a:t>
+            </a:r>
+            <a:br>
+              <a:rPr kumimoji="0" lang="ru-RU" altLang="ru-RU" sz="1000" b="0" i="0" u="none" strike="noStrike" cap="none" normalizeH="0" baseline="0" dirty="0">
+                <a:ln>
+                  <a:noFill/>
+                </a:ln>
+                <a:solidFill>
+                  <a:srgbClr val="A9B7C6"/>
+                </a:solidFill>
+                <a:effectLst/>
+                <a:latin typeface="VCROSDMonoRUSbyD" panose="02000609000000000000" pitchFamily="49" charset="0"/>
+                <a:ea typeface="VCROSDMonoRUSbyD" panose="02000609000000000000" pitchFamily="49" charset="0"/>
+              </a:rPr>
+            </a:br>
+            <a:r>
+              <a:rPr kumimoji="0" lang="ru-RU" altLang="ru-RU" sz="1000" b="0" i="0" u="none" strike="noStrike" cap="none" normalizeH="0" baseline="0" dirty="0">
+                <a:ln>
+                  <a:noFill/>
+                </a:ln>
+                <a:solidFill>
+                  <a:srgbClr val="A9B7C6"/>
+                </a:solidFill>
+                <a:effectLst/>
+                <a:latin typeface="VCROSDMonoRUSbyD" panose="02000609000000000000" pitchFamily="49" charset="0"/>
+                <a:ea typeface="VCROSDMonoRUSbyD" panose="02000609000000000000" pitchFamily="49" charset="0"/>
+              </a:rPr>
+              <a:t>            </a:t>
+            </a:r>
+            <a:r>
+              <a:rPr kumimoji="0" lang="ru-RU" altLang="ru-RU" sz="1000" b="0" i="0" u="none" strike="noStrike" cap="none" normalizeH="0" baseline="0" dirty="0" err="1">
+                <a:ln>
+                  <a:noFill/>
+                </a:ln>
+                <a:solidFill>
+                  <a:srgbClr val="CC7832"/>
+                </a:solidFill>
+                <a:effectLst/>
+                <a:latin typeface="VCROSDMonoRUSbyD" panose="02000609000000000000" pitchFamily="49" charset="0"/>
+                <a:ea typeface="VCROSDMonoRUSbyD" panose="02000609000000000000" pitchFamily="49" charset="0"/>
+              </a:rPr>
+              <a:t>or</a:t>
+            </a:r>
+            <a:r>
+              <a:rPr kumimoji="0" lang="ru-RU" altLang="ru-RU" sz="1000" b="0" i="0" u="none" strike="noStrike" cap="none" normalizeH="0" baseline="0" dirty="0">
+                <a:ln>
+                  <a:noFill/>
+                </a:ln>
+                <a:solidFill>
+                  <a:srgbClr val="CC7832"/>
+                </a:solidFill>
+                <a:effectLst/>
+                <a:latin typeface="VCROSDMonoRUSbyD" panose="02000609000000000000" pitchFamily="49" charset="0"/>
+                <a:ea typeface="VCROSDMonoRUSbyD" panose="02000609000000000000" pitchFamily="49" charset="0"/>
+              </a:rPr>
+              <a:t> </a:t>
+            </a:r>
+            <a:r>
+              <a:rPr kumimoji="0" lang="ru-RU" altLang="ru-RU" sz="1000" b="0" i="0" u="none" strike="noStrike" cap="none" normalizeH="0" baseline="0" dirty="0" err="1">
+                <a:ln>
+                  <a:noFill/>
+                </a:ln>
+                <a:solidFill>
+                  <a:srgbClr val="94558D"/>
+                </a:solidFill>
+                <a:effectLst/>
+                <a:latin typeface="VCROSDMonoRUSbyD" panose="02000609000000000000" pitchFamily="49" charset="0"/>
+                <a:ea typeface="VCROSDMonoRUSbyD" panose="02000609000000000000" pitchFamily="49" charset="0"/>
+              </a:rPr>
+              <a:t>self</a:t>
+            </a:r>
+            <a:r>
+              <a:rPr kumimoji="0" lang="ru-RU" altLang="ru-RU" sz="1000" b="0" i="0" u="none" strike="noStrike" cap="none" normalizeH="0" baseline="0" dirty="0" err="1">
+                <a:ln>
+                  <a:noFill/>
+                </a:ln>
+                <a:solidFill>
+                  <a:srgbClr val="A9B7C6"/>
+                </a:solidFill>
+                <a:effectLst/>
+                <a:latin typeface="VCROSDMonoRUSbyD" panose="02000609000000000000" pitchFamily="49" charset="0"/>
+                <a:ea typeface="VCROSDMonoRUSbyD" panose="02000609000000000000" pitchFamily="49" charset="0"/>
+              </a:rPr>
+              <a:t>.menu_box.isHidden</a:t>
+            </a:r>
+            <a:r>
+              <a:rPr kumimoji="0" lang="ru-RU" altLang="ru-RU" sz="1000" b="0" i="0" u="none" strike="noStrike" cap="none" normalizeH="0" baseline="0" dirty="0">
+                <a:ln>
+                  <a:noFill/>
+                </a:ln>
+                <a:solidFill>
+                  <a:srgbClr val="A9B7C6"/>
+                </a:solidFill>
+                <a:effectLst/>
+                <a:latin typeface="VCROSDMonoRUSbyD" panose="02000609000000000000" pitchFamily="49" charset="0"/>
+                <a:ea typeface="VCROSDMonoRUSbyD" panose="02000609000000000000" pitchFamily="49" charset="0"/>
+              </a:rPr>
+              <a:t>():</a:t>
+            </a:r>
+            <a:br>
+              <a:rPr kumimoji="0" lang="ru-RU" altLang="ru-RU" sz="1000" b="0" i="0" u="none" strike="noStrike" cap="none" normalizeH="0" baseline="0" dirty="0">
+                <a:ln>
+                  <a:noFill/>
+                </a:ln>
+                <a:solidFill>
+                  <a:srgbClr val="A9B7C6"/>
+                </a:solidFill>
+                <a:effectLst/>
+                <a:latin typeface="VCROSDMonoRUSbyD" panose="02000609000000000000" pitchFamily="49" charset="0"/>
+                <a:ea typeface="VCROSDMonoRUSbyD" panose="02000609000000000000" pitchFamily="49" charset="0"/>
+              </a:rPr>
+            </a:br>
+            <a:r>
+              <a:rPr kumimoji="0" lang="ru-RU" altLang="ru-RU" sz="1000" b="0" i="0" u="none" strike="noStrike" cap="none" normalizeH="0" baseline="0" dirty="0">
+                <a:ln>
+                  <a:noFill/>
+                </a:ln>
+                <a:solidFill>
+                  <a:srgbClr val="A9B7C6"/>
+                </a:solidFill>
+                <a:effectLst/>
+                <a:latin typeface="VCROSDMonoRUSbyD" panose="02000609000000000000" pitchFamily="49" charset="0"/>
+                <a:ea typeface="VCROSDMonoRUSbyD" panose="02000609000000000000" pitchFamily="49" charset="0"/>
+              </a:rPr>
+              <a:t>        x = </a:t>
+            </a:r>
+            <a:r>
+              <a:rPr kumimoji="0" lang="ru-RU" altLang="ru-RU" sz="1000" b="0" i="0" u="none" strike="noStrike" cap="none" normalizeH="0" baseline="0" dirty="0" err="1">
+                <a:ln>
+                  <a:noFill/>
+                </a:ln>
+                <a:solidFill>
+                  <a:srgbClr val="8888C6"/>
+                </a:solidFill>
+                <a:effectLst/>
+                <a:latin typeface="VCROSDMonoRUSbyD" panose="02000609000000000000" pitchFamily="49" charset="0"/>
+                <a:ea typeface="VCROSDMonoRUSbyD" panose="02000609000000000000" pitchFamily="49" charset="0"/>
+              </a:rPr>
+              <a:t>int</a:t>
+            </a:r>
+            <a:r>
+              <a:rPr kumimoji="0" lang="ru-RU" altLang="ru-RU" sz="1000" b="0" i="0" u="none" strike="noStrike" cap="none" normalizeH="0" baseline="0" dirty="0">
+                <a:ln>
+                  <a:noFill/>
+                </a:ln>
+                <a:solidFill>
+                  <a:srgbClr val="A9B7C6"/>
+                </a:solidFill>
+                <a:effectLst/>
+                <a:latin typeface="VCROSDMonoRUSbyD" panose="02000609000000000000" pitchFamily="49" charset="0"/>
+                <a:ea typeface="VCROSDMonoRUSbyD" panose="02000609000000000000" pitchFamily="49" charset="0"/>
+              </a:rPr>
+              <a:t>(((</a:t>
+            </a:r>
+            <a:r>
+              <a:rPr kumimoji="0" lang="ru-RU" altLang="ru-RU" sz="1000" b="0" i="0" u="none" strike="noStrike" cap="none" normalizeH="0" baseline="0" dirty="0" err="1">
+                <a:ln>
+                  <a:noFill/>
+                </a:ln>
+                <a:solidFill>
+                  <a:srgbClr val="A9B7C6"/>
+                </a:solidFill>
+                <a:effectLst/>
+                <a:latin typeface="VCROSDMonoRUSbyD" panose="02000609000000000000" pitchFamily="49" charset="0"/>
+                <a:ea typeface="VCROSDMonoRUSbyD" panose="02000609000000000000" pitchFamily="49" charset="0"/>
+              </a:rPr>
+              <a:t>event.x</a:t>
+            </a:r>
+            <a:r>
+              <a:rPr kumimoji="0" lang="ru-RU" altLang="ru-RU" sz="1000" b="0" i="0" u="none" strike="noStrike" cap="none" normalizeH="0" baseline="0" dirty="0">
+                <a:ln>
+                  <a:noFill/>
+                </a:ln>
+                <a:solidFill>
+                  <a:srgbClr val="A9B7C6"/>
+                </a:solidFill>
+                <a:effectLst/>
+                <a:latin typeface="VCROSDMonoRUSbyD" panose="02000609000000000000" pitchFamily="49" charset="0"/>
+                <a:ea typeface="VCROSDMonoRUSbyD" panose="02000609000000000000" pitchFamily="49" charset="0"/>
+              </a:rPr>
+              <a:t>() - </a:t>
+            </a:r>
+            <a:r>
+              <a:rPr kumimoji="0" lang="ru-RU" altLang="ru-RU" sz="1000" b="0" i="0" u="none" strike="noStrike" cap="none" normalizeH="0" baseline="0" dirty="0" err="1">
+                <a:ln>
+                  <a:noFill/>
+                </a:ln>
+                <a:solidFill>
+                  <a:srgbClr val="94558D"/>
+                </a:solidFill>
+                <a:effectLst/>
+                <a:latin typeface="VCROSDMonoRUSbyD" panose="02000609000000000000" pitchFamily="49" charset="0"/>
+                <a:ea typeface="VCROSDMonoRUSbyD" panose="02000609000000000000" pitchFamily="49" charset="0"/>
+              </a:rPr>
+              <a:t>self</a:t>
+            </a:r>
+            <a:r>
+              <a:rPr kumimoji="0" lang="ru-RU" altLang="ru-RU" sz="1000" b="0" i="0" u="none" strike="noStrike" cap="none" normalizeH="0" baseline="0" dirty="0" err="1">
+                <a:ln>
+                  <a:noFill/>
+                </a:ln>
+                <a:solidFill>
+                  <a:srgbClr val="A9B7C6"/>
+                </a:solidFill>
+                <a:effectLst/>
+                <a:latin typeface="VCROSDMonoRUSbyD" panose="02000609000000000000" pitchFamily="49" charset="0"/>
+                <a:ea typeface="VCROSDMonoRUSbyD" panose="02000609000000000000" pitchFamily="49" charset="0"/>
+              </a:rPr>
+              <a:t>.curr_grid_pos</a:t>
+            </a:r>
+            <a:r>
+              <a:rPr kumimoji="0" lang="ru-RU" altLang="ru-RU" sz="1000" b="0" i="0" u="none" strike="noStrike" cap="none" normalizeH="0" baseline="0" dirty="0">
+                <a:ln>
+                  <a:noFill/>
+                </a:ln>
+                <a:solidFill>
+                  <a:srgbClr val="A9B7C6"/>
+                </a:solidFill>
+                <a:effectLst/>
+                <a:latin typeface="VCROSDMonoRUSbyD" panose="02000609000000000000" pitchFamily="49" charset="0"/>
+                <a:ea typeface="VCROSDMonoRUSbyD" panose="02000609000000000000" pitchFamily="49" charset="0"/>
+              </a:rPr>
+              <a:t>[</a:t>
+            </a:r>
+            <a:r>
+              <a:rPr kumimoji="0" lang="ru-RU" altLang="ru-RU" sz="1000" b="0" i="0" u="none" strike="noStrike" cap="none" normalizeH="0" baseline="0" dirty="0">
+                <a:ln>
+                  <a:noFill/>
+                </a:ln>
+                <a:solidFill>
+                  <a:srgbClr val="6897BB"/>
+                </a:solidFill>
+                <a:effectLst/>
+                <a:latin typeface="VCROSDMonoRUSbyD" panose="02000609000000000000" pitchFamily="49" charset="0"/>
+                <a:ea typeface="VCROSDMonoRUSbyD" panose="02000609000000000000" pitchFamily="49" charset="0"/>
+              </a:rPr>
+              <a:t>0</a:t>
+            </a:r>
+            <a:r>
+              <a:rPr kumimoji="0" lang="ru-RU" altLang="ru-RU" sz="1000" b="0" i="0" u="none" strike="noStrike" cap="none" normalizeH="0" baseline="0" dirty="0">
+                <a:ln>
+                  <a:noFill/>
+                </a:ln>
+                <a:solidFill>
+                  <a:srgbClr val="A9B7C6"/>
+                </a:solidFill>
+                <a:effectLst/>
+                <a:latin typeface="VCROSDMonoRUSbyD" panose="02000609000000000000" pitchFamily="49" charset="0"/>
+                <a:ea typeface="VCROSDMonoRUSbyD" panose="02000609000000000000" pitchFamily="49" charset="0"/>
+              </a:rPr>
+              <a:t>]) // (</a:t>
+            </a:r>
+            <a:r>
+              <a:rPr kumimoji="0" lang="ru-RU" altLang="ru-RU" sz="1000" b="0" i="0" u="none" strike="noStrike" cap="none" normalizeH="0" baseline="0" dirty="0" err="1">
+                <a:ln>
+                  <a:noFill/>
+                </a:ln>
+                <a:solidFill>
+                  <a:srgbClr val="94558D"/>
+                </a:solidFill>
+                <a:effectLst/>
+                <a:latin typeface="VCROSDMonoRUSbyD" panose="02000609000000000000" pitchFamily="49" charset="0"/>
+                <a:ea typeface="VCROSDMonoRUSbyD" panose="02000609000000000000" pitchFamily="49" charset="0"/>
+              </a:rPr>
+              <a:t>self</a:t>
+            </a:r>
+            <a:r>
+              <a:rPr kumimoji="0" lang="ru-RU" altLang="ru-RU" sz="1000" b="0" i="0" u="none" strike="noStrike" cap="none" normalizeH="0" baseline="0" dirty="0" err="1">
+                <a:ln>
+                  <a:noFill/>
+                </a:ln>
+                <a:solidFill>
+                  <a:srgbClr val="A9B7C6"/>
+                </a:solidFill>
+                <a:effectLst/>
+                <a:latin typeface="VCROSDMonoRUSbyD" panose="02000609000000000000" pitchFamily="49" charset="0"/>
+                <a:ea typeface="VCROSDMonoRUSbyD" panose="02000609000000000000" pitchFamily="49" charset="0"/>
+              </a:rPr>
+              <a:t>.cell_size</a:t>
+            </a:r>
+            <a:r>
+              <a:rPr kumimoji="0" lang="ru-RU" altLang="ru-RU" sz="1000" b="0" i="0" u="none" strike="noStrike" cap="none" normalizeH="0" baseline="0" dirty="0">
+                <a:ln>
+                  <a:noFill/>
+                </a:ln>
+                <a:solidFill>
+                  <a:srgbClr val="A9B7C6"/>
+                </a:solidFill>
+                <a:effectLst/>
+                <a:latin typeface="VCROSDMonoRUSbyD" panose="02000609000000000000" pitchFamily="49" charset="0"/>
+                <a:ea typeface="VCROSDMonoRUSbyD" panose="02000609000000000000" pitchFamily="49" charset="0"/>
+              </a:rPr>
+              <a:t> * </a:t>
+            </a:r>
+            <a:r>
+              <a:rPr kumimoji="0" lang="ru-RU" altLang="ru-RU" sz="1000" b="0" i="0" u="none" strike="noStrike" cap="none" normalizeH="0" baseline="0" dirty="0" err="1">
+                <a:ln>
+                  <a:noFill/>
+                </a:ln>
+                <a:solidFill>
+                  <a:srgbClr val="94558D"/>
+                </a:solidFill>
+                <a:effectLst/>
+                <a:latin typeface="VCROSDMonoRUSbyD" panose="02000609000000000000" pitchFamily="49" charset="0"/>
+                <a:ea typeface="VCROSDMonoRUSbyD" panose="02000609000000000000" pitchFamily="49" charset="0"/>
+              </a:rPr>
+              <a:t>self</a:t>
+            </a:r>
+            <a:r>
+              <a:rPr kumimoji="0" lang="ru-RU" altLang="ru-RU" sz="1000" b="0" i="0" u="none" strike="noStrike" cap="none" normalizeH="0" baseline="0" dirty="0" err="1">
+                <a:ln>
+                  <a:noFill/>
+                </a:ln>
+                <a:solidFill>
+                  <a:srgbClr val="A9B7C6"/>
+                </a:solidFill>
+                <a:effectLst/>
+                <a:latin typeface="VCROSDMonoRUSbyD" panose="02000609000000000000" pitchFamily="49" charset="0"/>
+                <a:ea typeface="VCROSDMonoRUSbyD" panose="02000609000000000000" pitchFamily="49" charset="0"/>
+              </a:rPr>
+              <a:t>.scale</a:t>
+            </a:r>
+            <a:r>
+              <a:rPr kumimoji="0" lang="ru-RU" altLang="ru-RU" sz="1000" b="0" i="0" u="none" strike="noStrike" cap="none" normalizeH="0" baseline="0" dirty="0">
+                <a:ln>
+                  <a:noFill/>
+                </a:ln>
+                <a:solidFill>
+                  <a:srgbClr val="A9B7C6"/>
+                </a:solidFill>
+                <a:effectLst/>
+                <a:latin typeface="VCROSDMonoRUSbyD" panose="02000609000000000000" pitchFamily="49" charset="0"/>
+                <a:ea typeface="VCROSDMonoRUSbyD" panose="02000609000000000000" pitchFamily="49" charset="0"/>
+              </a:rPr>
+              <a:t>)))</a:t>
+            </a:r>
+            <a:br>
+              <a:rPr kumimoji="0" lang="ru-RU" altLang="ru-RU" sz="1000" b="0" i="0" u="none" strike="noStrike" cap="none" normalizeH="0" baseline="0" dirty="0">
+                <a:ln>
+                  <a:noFill/>
+                </a:ln>
+                <a:solidFill>
+                  <a:srgbClr val="A9B7C6"/>
+                </a:solidFill>
+                <a:effectLst/>
+                <a:latin typeface="VCROSDMonoRUSbyD" panose="02000609000000000000" pitchFamily="49" charset="0"/>
+                <a:ea typeface="VCROSDMonoRUSbyD" panose="02000609000000000000" pitchFamily="49" charset="0"/>
+              </a:rPr>
+            </a:br>
+            <a:r>
+              <a:rPr kumimoji="0" lang="ru-RU" altLang="ru-RU" sz="1000" b="0" i="0" u="none" strike="noStrike" cap="none" normalizeH="0" baseline="0" dirty="0">
+                <a:ln>
+                  <a:noFill/>
+                </a:ln>
+                <a:solidFill>
+                  <a:srgbClr val="A9B7C6"/>
+                </a:solidFill>
+                <a:effectLst/>
+                <a:latin typeface="VCROSDMonoRUSbyD" panose="02000609000000000000" pitchFamily="49" charset="0"/>
+                <a:ea typeface="VCROSDMonoRUSbyD" panose="02000609000000000000" pitchFamily="49" charset="0"/>
+              </a:rPr>
+              <a:t>        y = </a:t>
+            </a:r>
+            <a:r>
+              <a:rPr kumimoji="0" lang="ru-RU" altLang="ru-RU" sz="1000" b="0" i="0" u="none" strike="noStrike" cap="none" normalizeH="0" baseline="0" dirty="0" err="1">
+                <a:ln>
+                  <a:noFill/>
+                </a:ln>
+                <a:solidFill>
+                  <a:srgbClr val="8888C6"/>
+                </a:solidFill>
+                <a:effectLst/>
+                <a:latin typeface="VCROSDMonoRUSbyD" panose="02000609000000000000" pitchFamily="49" charset="0"/>
+                <a:ea typeface="VCROSDMonoRUSbyD" panose="02000609000000000000" pitchFamily="49" charset="0"/>
+              </a:rPr>
+              <a:t>int</a:t>
+            </a:r>
+            <a:r>
+              <a:rPr kumimoji="0" lang="ru-RU" altLang="ru-RU" sz="1000" b="0" i="0" u="none" strike="noStrike" cap="none" normalizeH="0" baseline="0" dirty="0">
+                <a:ln>
+                  <a:noFill/>
+                </a:ln>
+                <a:solidFill>
+                  <a:srgbClr val="A9B7C6"/>
+                </a:solidFill>
+                <a:effectLst/>
+                <a:latin typeface="VCROSDMonoRUSbyD" panose="02000609000000000000" pitchFamily="49" charset="0"/>
+                <a:ea typeface="VCROSDMonoRUSbyD" panose="02000609000000000000" pitchFamily="49" charset="0"/>
+              </a:rPr>
+              <a:t>(((</a:t>
+            </a:r>
+            <a:r>
+              <a:rPr kumimoji="0" lang="ru-RU" altLang="ru-RU" sz="1000" b="0" i="0" u="none" strike="noStrike" cap="none" normalizeH="0" baseline="0" dirty="0" err="1">
+                <a:ln>
+                  <a:noFill/>
+                </a:ln>
+                <a:solidFill>
+                  <a:srgbClr val="A9B7C6"/>
+                </a:solidFill>
+                <a:effectLst/>
+                <a:latin typeface="VCROSDMonoRUSbyD" panose="02000609000000000000" pitchFamily="49" charset="0"/>
+                <a:ea typeface="VCROSDMonoRUSbyD" panose="02000609000000000000" pitchFamily="49" charset="0"/>
+              </a:rPr>
+              <a:t>event.y</a:t>
+            </a:r>
+            <a:r>
+              <a:rPr kumimoji="0" lang="ru-RU" altLang="ru-RU" sz="1000" b="0" i="0" u="none" strike="noStrike" cap="none" normalizeH="0" baseline="0" dirty="0">
+                <a:ln>
+                  <a:noFill/>
+                </a:ln>
+                <a:solidFill>
+                  <a:srgbClr val="A9B7C6"/>
+                </a:solidFill>
+                <a:effectLst/>
+                <a:latin typeface="VCROSDMonoRUSbyD" panose="02000609000000000000" pitchFamily="49" charset="0"/>
+                <a:ea typeface="VCROSDMonoRUSbyD" panose="02000609000000000000" pitchFamily="49" charset="0"/>
+              </a:rPr>
+              <a:t>() - </a:t>
+            </a:r>
+            <a:r>
+              <a:rPr kumimoji="0" lang="ru-RU" altLang="ru-RU" sz="1000" b="0" i="0" u="none" strike="noStrike" cap="none" normalizeH="0" baseline="0" dirty="0" err="1">
+                <a:ln>
+                  <a:noFill/>
+                </a:ln>
+                <a:solidFill>
+                  <a:srgbClr val="94558D"/>
+                </a:solidFill>
+                <a:effectLst/>
+                <a:latin typeface="VCROSDMonoRUSbyD" panose="02000609000000000000" pitchFamily="49" charset="0"/>
+                <a:ea typeface="VCROSDMonoRUSbyD" panose="02000609000000000000" pitchFamily="49" charset="0"/>
+              </a:rPr>
+              <a:t>self</a:t>
+            </a:r>
+            <a:r>
+              <a:rPr kumimoji="0" lang="ru-RU" altLang="ru-RU" sz="1000" b="0" i="0" u="none" strike="noStrike" cap="none" normalizeH="0" baseline="0" dirty="0" err="1">
+                <a:ln>
+                  <a:noFill/>
+                </a:ln>
+                <a:solidFill>
+                  <a:srgbClr val="A9B7C6"/>
+                </a:solidFill>
+                <a:effectLst/>
+                <a:latin typeface="VCROSDMonoRUSbyD" panose="02000609000000000000" pitchFamily="49" charset="0"/>
+                <a:ea typeface="VCROSDMonoRUSbyD" panose="02000609000000000000" pitchFamily="49" charset="0"/>
+              </a:rPr>
+              <a:t>.curr_grid_pos</a:t>
+            </a:r>
+            <a:r>
+              <a:rPr kumimoji="0" lang="ru-RU" altLang="ru-RU" sz="1000" b="0" i="0" u="none" strike="noStrike" cap="none" normalizeH="0" baseline="0" dirty="0">
+                <a:ln>
+                  <a:noFill/>
+                </a:ln>
+                <a:solidFill>
+                  <a:srgbClr val="A9B7C6"/>
+                </a:solidFill>
+                <a:effectLst/>
+                <a:latin typeface="VCROSDMonoRUSbyD" panose="02000609000000000000" pitchFamily="49" charset="0"/>
+                <a:ea typeface="VCROSDMonoRUSbyD" panose="02000609000000000000" pitchFamily="49" charset="0"/>
+              </a:rPr>
+              <a:t>[</a:t>
+            </a:r>
+            <a:r>
+              <a:rPr kumimoji="0" lang="ru-RU" altLang="ru-RU" sz="1000" b="0" i="0" u="none" strike="noStrike" cap="none" normalizeH="0" baseline="0" dirty="0">
+                <a:ln>
+                  <a:noFill/>
+                </a:ln>
+                <a:solidFill>
+                  <a:srgbClr val="6897BB"/>
+                </a:solidFill>
+                <a:effectLst/>
+                <a:latin typeface="VCROSDMonoRUSbyD" panose="02000609000000000000" pitchFamily="49" charset="0"/>
+                <a:ea typeface="VCROSDMonoRUSbyD" panose="02000609000000000000" pitchFamily="49" charset="0"/>
+              </a:rPr>
+              <a:t>1</a:t>
+            </a:r>
+            <a:r>
+              <a:rPr kumimoji="0" lang="ru-RU" altLang="ru-RU" sz="1000" b="0" i="0" u="none" strike="noStrike" cap="none" normalizeH="0" baseline="0" dirty="0">
+                <a:ln>
+                  <a:noFill/>
+                </a:ln>
+                <a:solidFill>
+                  <a:srgbClr val="A9B7C6"/>
+                </a:solidFill>
+                <a:effectLst/>
+                <a:latin typeface="VCROSDMonoRUSbyD" panose="02000609000000000000" pitchFamily="49" charset="0"/>
+                <a:ea typeface="VCROSDMonoRUSbyD" panose="02000609000000000000" pitchFamily="49" charset="0"/>
+              </a:rPr>
+              <a:t>])) // (</a:t>
+            </a:r>
+            <a:r>
+              <a:rPr kumimoji="0" lang="ru-RU" altLang="ru-RU" sz="1000" b="0" i="0" u="none" strike="noStrike" cap="none" normalizeH="0" baseline="0" dirty="0" err="1">
+                <a:ln>
+                  <a:noFill/>
+                </a:ln>
+                <a:solidFill>
+                  <a:srgbClr val="94558D"/>
+                </a:solidFill>
+                <a:effectLst/>
+                <a:latin typeface="VCROSDMonoRUSbyD" panose="02000609000000000000" pitchFamily="49" charset="0"/>
+                <a:ea typeface="VCROSDMonoRUSbyD" panose="02000609000000000000" pitchFamily="49" charset="0"/>
+              </a:rPr>
+              <a:t>self</a:t>
+            </a:r>
+            <a:r>
+              <a:rPr kumimoji="0" lang="ru-RU" altLang="ru-RU" sz="1000" b="0" i="0" u="none" strike="noStrike" cap="none" normalizeH="0" baseline="0" dirty="0" err="1">
+                <a:ln>
+                  <a:noFill/>
+                </a:ln>
+                <a:solidFill>
+                  <a:srgbClr val="A9B7C6"/>
+                </a:solidFill>
+                <a:effectLst/>
+                <a:latin typeface="VCROSDMonoRUSbyD" panose="02000609000000000000" pitchFamily="49" charset="0"/>
+                <a:ea typeface="VCROSDMonoRUSbyD" panose="02000609000000000000" pitchFamily="49" charset="0"/>
+              </a:rPr>
+              <a:t>.cell_size</a:t>
+            </a:r>
+            <a:r>
+              <a:rPr kumimoji="0" lang="ru-RU" altLang="ru-RU" sz="1000" b="0" i="0" u="none" strike="noStrike" cap="none" normalizeH="0" baseline="0" dirty="0">
+                <a:ln>
+                  <a:noFill/>
+                </a:ln>
+                <a:solidFill>
+                  <a:srgbClr val="A9B7C6"/>
+                </a:solidFill>
+                <a:effectLst/>
+                <a:latin typeface="VCROSDMonoRUSbyD" panose="02000609000000000000" pitchFamily="49" charset="0"/>
+                <a:ea typeface="VCROSDMonoRUSbyD" panose="02000609000000000000" pitchFamily="49" charset="0"/>
+              </a:rPr>
+              <a:t> * </a:t>
+            </a:r>
+            <a:r>
+              <a:rPr kumimoji="0" lang="ru-RU" altLang="ru-RU" sz="1000" b="0" i="0" u="none" strike="noStrike" cap="none" normalizeH="0" baseline="0" dirty="0" err="1">
+                <a:ln>
+                  <a:noFill/>
+                </a:ln>
+                <a:solidFill>
+                  <a:srgbClr val="94558D"/>
+                </a:solidFill>
+                <a:effectLst/>
+                <a:latin typeface="VCROSDMonoRUSbyD" panose="02000609000000000000" pitchFamily="49" charset="0"/>
+                <a:ea typeface="VCROSDMonoRUSbyD" panose="02000609000000000000" pitchFamily="49" charset="0"/>
+              </a:rPr>
+              <a:t>self</a:t>
+            </a:r>
+            <a:r>
+              <a:rPr kumimoji="0" lang="ru-RU" altLang="ru-RU" sz="1000" b="0" i="0" u="none" strike="noStrike" cap="none" normalizeH="0" baseline="0" dirty="0" err="1">
+                <a:ln>
+                  <a:noFill/>
+                </a:ln>
+                <a:solidFill>
+                  <a:srgbClr val="A9B7C6"/>
+                </a:solidFill>
+                <a:effectLst/>
+                <a:latin typeface="VCROSDMonoRUSbyD" panose="02000609000000000000" pitchFamily="49" charset="0"/>
+                <a:ea typeface="VCROSDMonoRUSbyD" panose="02000609000000000000" pitchFamily="49" charset="0"/>
+              </a:rPr>
+              <a:t>.scale</a:t>
+            </a:r>
+            <a:r>
+              <a:rPr kumimoji="0" lang="ru-RU" altLang="ru-RU" sz="1000" b="0" i="0" u="none" strike="noStrike" cap="none" normalizeH="0" baseline="0" dirty="0">
+                <a:ln>
+                  <a:noFill/>
+                </a:ln>
+                <a:solidFill>
+                  <a:srgbClr val="A9B7C6"/>
+                </a:solidFill>
+                <a:effectLst/>
+                <a:latin typeface="VCROSDMonoRUSbyD" panose="02000609000000000000" pitchFamily="49" charset="0"/>
+                <a:ea typeface="VCROSDMonoRUSbyD" panose="02000609000000000000" pitchFamily="49" charset="0"/>
+              </a:rPr>
+              <a:t>))</a:t>
+            </a:r>
+            <a:br>
+              <a:rPr kumimoji="0" lang="ru-RU" altLang="ru-RU" sz="1000" b="0" i="0" u="none" strike="noStrike" cap="none" normalizeH="0" baseline="0" dirty="0">
+                <a:ln>
+                  <a:noFill/>
+                </a:ln>
+                <a:solidFill>
+                  <a:srgbClr val="A9B7C6"/>
+                </a:solidFill>
+                <a:effectLst/>
+                <a:latin typeface="VCROSDMonoRUSbyD" panose="02000609000000000000" pitchFamily="49" charset="0"/>
+                <a:ea typeface="VCROSDMonoRUSbyD" panose="02000609000000000000" pitchFamily="49" charset="0"/>
+              </a:rPr>
+            </a:br>
+            <a:r>
+              <a:rPr kumimoji="0" lang="ru-RU" altLang="ru-RU" sz="1000" b="0" i="0" u="none" strike="noStrike" cap="none" normalizeH="0" baseline="0" dirty="0">
+                <a:ln>
+                  <a:noFill/>
+                </a:ln>
+                <a:solidFill>
+                  <a:srgbClr val="A9B7C6"/>
+                </a:solidFill>
+                <a:effectLst/>
+                <a:latin typeface="VCROSDMonoRUSbyD" panose="02000609000000000000" pitchFamily="49" charset="0"/>
+                <a:ea typeface="VCROSDMonoRUSbyD" panose="02000609000000000000" pitchFamily="49" charset="0"/>
+              </a:rPr>
+              <a:t>        </a:t>
+            </a:r>
+            <a:r>
+              <a:rPr kumimoji="0" lang="ru-RU" altLang="ru-RU" sz="1000" b="0" i="0" u="none" strike="noStrike" cap="none" normalizeH="0" baseline="0" dirty="0" err="1">
+                <a:ln>
+                  <a:noFill/>
+                </a:ln>
+                <a:solidFill>
+                  <a:srgbClr val="CC7832"/>
+                </a:solidFill>
+                <a:effectLst/>
+                <a:latin typeface="VCROSDMonoRUSbyD" panose="02000609000000000000" pitchFamily="49" charset="0"/>
+                <a:ea typeface="VCROSDMonoRUSbyD" panose="02000609000000000000" pitchFamily="49" charset="0"/>
+              </a:rPr>
+              <a:t>if</a:t>
+            </a:r>
+            <a:r>
+              <a:rPr kumimoji="0" lang="ru-RU" altLang="ru-RU" sz="1000" b="0" i="0" u="none" strike="noStrike" cap="none" normalizeH="0" baseline="0" dirty="0">
+                <a:ln>
+                  <a:noFill/>
+                </a:ln>
+                <a:solidFill>
+                  <a:srgbClr val="CC7832"/>
+                </a:solidFill>
+                <a:effectLst/>
+                <a:latin typeface="VCROSDMonoRUSbyD" panose="02000609000000000000" pitchFamily="49" charset="0"/>
+                <a:ea typeface="VCROSDMonoRUSbyD" panose="02000609000000000000" pitchFamily="49" charset="0"/>
+              </a:rPr>
+              <a:t> </a:t>
+            </a:r>
+            <a:r>
+              <a:rPr kumimoji="0" lang="ru-RU" altLang="ru-RU" sz="1000" b="0" i="0" u="none" strike="noStrike" cap="none" normalizeH="0" baseline="0" dirty="0" err="1">
+                <a:ln>
+                  <a:noFill/>
+                </a:ln>
+                <a:solidFill>
+                  <a:srgbClr val="94558D"/>
+                </a:solidFill>
+                <a:effectLst/>
+                <a:latin typeface="VCROSDMonoRUSbyD" panose="02000609000000000000" pitchFamily="49" charset="0"/>
+                <a:ea typeface="VCROSDMonoRUSbyD" panose="02000609000000000000" pitchFamily="49" charset="0"/>
+              </a:rPr>
+              <a:t>self</a:t>
+            </a:r>
+            <a:r>
+              <a:rPr kumimoji="0" lang="ru-RU" altLang="ru-RU" sz="1000" b="0" i="0" u="none" strike="noStrike" cap="none" normalizeH="0" baseline="0" dirty="0" err="1">
+                <a:ln>
+                  <a:noFill/>
+                </a:ln>
+                <a:solidFill>
+                  <a:srgbClr val="A9B7C6"/>
+                </a:solidFill>
+                <a:effectLst/>
+                <a:latin typeface="VCROSDMonoRUSbyD" panose="02000609000000000000" pitchFamily="49" charset="0"/>
+                <a:ea typeface="VCROSDMonoRUSbyD" panose="02000609000000000000" pitchFamily="49" charset="0"/>
+              </a:rPr>
+              <a:t>.width</a:t>
+            </a:r>
+            <a:r>
+              <a:rPr kumimoji="0" lang="ru-RU" altLang="ru-RU" sz="1000" b="0" i="0" u="none" strike="noStrike" cap="none" normalizeH="0" baseline="0" dirty="0">
+                <a:ln>
+                  <a:noFill/>
+                </a:ln>
+                <a:solidFill>
+                  <a:srgbClr val="A9B7C6"/>
+                </a:solidFill>
+                <a:effectLst/>
+                <a:latin typeface="VCROSDMonoRUSbyD" panose="02000609000000000000" pitchFamily="49" charset="0"/>
+                <a:ea typeface="VCROSDMonoRUSbyD" panose="02000609000000000000" pitchFamily="49" charset="0"/>
+              </a:rPr>
+              <a:t> &gt; x &gt;= </a:t>
+            </a:r>
+            <a:r>
+              <a:rPr kumimoji="0" lang="ru-RU" altLang="ru-RU" sz="1000" b="0" i="0" u="none" strike="noStrike" cap="none" normalizeH="0" baseline="0" dirty="0">
+                <a:ln>
+                  <a:noFill/>
+                </a:ln>
+                <a:solidFill>
+                  <a:srgbClr val="6897BB"/>
+                </a:solidFill>
+                <a:effectLst/>
+                <a:latin typeface="VCROSDMonoRUSbyD" panose="02000609000000000000" pitchFamily="49" charset="0"/>
+                <a:ea typeface="VCROSDMonoRUSbyD" panose="02000609000000000000" pitchFamily="49" charset="0"/>
+              </a:rPr>
+              <a:t>0 </a:t>
+            </a:r>
+            <a:r>
+              <a:rPr kumimoji="0" lang="ru-RU" altLang="ru-RU" sz="1000" b="0" i="0" u="none" strike="noStrike" cap="none" normalizeH="0" baseline="0" dirty="0" err="1">
+                <a:ln>
+                  <a:noFill/>
+                </a:ln>
+                <a:solidFill>
+                  <a:srgbClr val="CC7832"/>
+                </a:solidFill>
+                <a:effectLst/>
+                <a:latin typeface="VCROSDMonoRUSbyD" panose="02000609000000000000" pitchFamily="49" charset="0"/>
+                <a:ea typeface="VCROSDMonoRUSbyD" panose="02000609000000000000" pitchFamily="49" charset="0"/>
+              </a:rPr>
+              <a:t>and</a:t>
+            </a:r>
+            <a:r>
+              <a:rPr kumimoji="0" lang="ru-RU" altLang="ru-RU" sz="1000" b="0" i="0" u="none" strike="noStrike" cap="none" normalizeH="0" baseline="0" dirty="0">
+                <a:ln>
+                  <a:noFill/>
+                </a:ln>
+                <a:solidFill>
+                  <a:srgbClr val="CC7832"/>
+                </a:solidFill>
+                <a:effectLst/>
+                <a:latin typeface="VCROSDMonoRUSbyD" panose="02000609000000000000" pitchFamily="49" charset="0"/>
+                <a:ea typeface="VCROSDMonoRUSbyD" panose="02000609000000000000" pitchFamily="49" charset="0"/>
+              </a:rPr>
+              <a:t> </a:t>
+            </a:r>
+            <a:r>
+              <a:rPr kumimoji="0" lang="ru-RU" altLang="ru-RU" sz="1000" b="0" i="0" u="none" strike="noStrike" cap="none" normalizeH="0" baseline="0" dirty="0" err="1">
+                <a:ln>
+                  <a:noFill/>
+                </a:ln>
+                <a:solidFill>
+                  <a:srgbClr val="94558D"/>
+                </a:solidFill>
+                <a:effectLst/>
+                <a:latin typeface="VCROSDMonoRUSbyD" panose="02000609000000000000" pitchFamily="49" charset="0"/>
+                <a:ea typeface="VCROSDMonoRUSbyD" panose="02000609000000000000" pitchFamily="49" charset="0"/>
+              </a:rPr>
+              <a:t>self</a:t>
+            </a:r>
+            <a:r>
+              <a:rPr kumimoji="0" lang="ru-RU" altLang="ru-RU" sz="1000" b="0" i="0" u="none" strike="noStrike" cap="none" normalizeH="0" baseline="0" dirty="0" err="1">
+                <a:ln>
+                  <a:noFill/>
+                </a:ln>
+                <a:solidFill>
+                  <a:srgbClr val="A9B7C6"/>
+                </a:solidFill>
+                <a:effectLst/>
+                <a:latin typeface="VCROSDMonoRUSbyD" panose="02000609000000000000" pitchFamily="49" charset="0"/>
+                <a:ea typeface="VCROSDMonoRUSbyD" panose="02000609000000000000" pitchFamily="49" charset="0"/>
+              </a:rPr>
+              <a:t>.height</a:t>
+            </a:r>
+            <a:r>
+              <a:rPr kumimoji="0" lang="ru-RU" altLang="ru-RU" sz="1000" b="0" i="0" u="none" strike="noStrike" cap="none" normalizeH="0" baseline="0" dirty="0">
+                <a:ln>
+                  <a:noFill/>
+                </a:ln>
+                <a:solidFill>
+                  <a:srgbClr val="A9B7C6"/>
+                </a:solidFill>
+                <a:effectLst/>
+                <a:latin typeface="VCROSDMonoRUSbyD" panose="02000609000000000000" pitchFamily="49" charset="0"/>
+                <a:ea typeface="VCROSDMonoRUSbyD" panose="02000609000000000000" pitchFamily="49" charset="0"/>
+              </a:rPr>
+              <a:t> &gt; y &gt;= </a:t>
+            </a:r>
+            <a:r>
+              <a:rPr kumimoji="0" lang="ru-RU" altLang="ru-RU" sz="1000" b="0" i="0" u="none" strike="noStrike" cap="none" normalizeH="0" baseline="0" dirty="0">
+                <a:ln>
+                  <a:noFill/>
+                </a:ln>
+                <a:solidFill>
+                  <a:srgbClr val="6897BB"/>
+                </a:solidFill>
+                <a:effectLst/>
+                <a:latin typeface="VCROSDMonoRUSbyD" panose="02000609000000000000" pitchFamily="49" charset="0"/>
+                <a:ea typeface="VCROSDMonoRUSbyD" panose="02000609000000000000" pitchFamily="49" charset="0"/>
+              </a:rPr>
+              <a:t>0</a:t>
+            </a:r>
+            <a:r>
+              <a:rPr kumimoji="0" lang="ru-RU" altLang="ru-RU" sz="1000" b="0" i="0" u="none" strike="noStrike" cap="none" normalizeH="0" baseline="0" dirty="0">
+                <a:ln>
+                  <a:noFill/>
+                </a:ln>
+                <a:solidFill>
+                  <a:srgbClr val="A9B7C6"/>
+                </a:solidFill>
+                <a:effectLst/>
+                <a:latin typeface="VCROSDMonoRUSbyD" panose="02000609000000000000" pitchFamily="49" charset="0"/>
+                <a:ea typeface="VCROSDMonoRUSbyD" panose="02000609000000000000" pitchFamily="49" charset="0"/>
+              </a:rPr>
+              <a:t>:</a:t>
+            </a:r>
+            <a:br>
+              <a:rPr kumimoji="0" lang="ru-RU" altLang="ru-RU" sz="1000" b="0" i="0" u="none" strike="noStrike" cap="none" normalizeH="0" baseline="0" dirty="0">
+                <a:ln>
+                  <a:noFill/>
+                </a:ln>
+                <a:solidFill>
+                  <a:srgbClr val="A9B7C6"/>
+                </a:solidFill>
+                <a:effectLst/>
+                <a:latin typeface="VCROSDMonoRUSbyD" panose="02000609000000000000" pitchFamily="49" charset="0"/>
+                <a:ea typeface="VCROSDMonoRUSbyD" panose="02000609000000000000" pitchFamily="49" charset="0"/>
+              </a:rPr>
+            </a:br>
+            <a:r>
+              <a:rPr kumimoji="0" lang="ru-RU" altLang="ru-RU" sz="1000" b="0" i="0" u="none" strike="noStrike" cap="none" normalizeH="0" baseline="0" dirty="0">
+                <a:ln>
+                  <a:noFill/>
+                </a:ln>
+                <a:solidFill>
+                  <a:srgbClr val="A9B7C6"/>
+                </a:solidFill>
+                <a:effectLst/>
+                <a:latin typeface="VCROSDMonoRUSbyD" panose="02000609000000000000" pitchFamily="49" charset="0"/>
+                <a:ea typeface="VCROSDMonoRUSbyD" panose="02000609000000000000" pitchFamily="49" charset="0"/>
+              </a:rPr>
+              <a:t>            </a:t>
+            </a:r>
+            <a:r>
+              <a:rPr kumimoji="0" lang="ru-RU" altLang="ru-RU" sz="1000" b="0" i="0" u="none" strike="noStrike" cap="none" normalizeH="0" baseline="0" dirty="0" err="1">
+                <a:ln>
+                  <a:noFill/>
+                </a:ln>
+                <a:solidFill>
+                  <a:srgbClr val="94558D"/>
+                </a:solidFill>
+                <a:effectLst/>
+                <a:latin typeface="VCROSDMonoRUSbyD" panose="02000609000000000000" pitchFamily="49" charset="0"/>
+                <a:ea typeface="VCROSDMonoRUSbyD" panose="02000609000000000000" pitchFamily="49" charset="0"/>
+              </a:rPr>
+              <a:t>self</a:t>
+            </a:r>
+            <a:r>
+              <a:rPr kumimoji="0" lang="ru-RU" altLang="ru-RU" sz="1000" b="0" i="0" u="none" strike="noStrike" cap="none" normalizeH="0" baseline="0" dirty="0" err="1">
+                <a:ln>
+                  <a:noFill/>
+                </a:ln>
+                <a:solidFill>
+                  <a:srgbClr val="A9B7C6"/>
+                </a:solidFill>
+                <a:effectLst/>
+                <a:latin typeface="VCROSDMonoRUSbyD" panose="02000609000000000000" pitchFamily="49" charset="0"/>
+                <a:ea typeface="VCROSDMonoRUSbyD" panose="02000609000000000000" pitchFamily="49" charset="0"/>
+              </a:rPr>
+              <a:t>.grid</a:t>
+            </a:r>
+            <a:r>
+              <a:rPr kumimoji="0" lang="ru-RU" altLang="ru-RU" sz="1000" b="0" i="0" u="none" strike="noStrike" cap="none" normalizeH="0" baseline="0" dirty="0">
+                <a:ln>
+                  <a:noFill/>
+                </a:ln>
+                <a:solidFill>
+                  <a:srgbClr val="A9B7C6"/>
+                </a:solidFill>
+                <a:effectLst/>
+                <a:latin typeface="VCROSDMonoRUSbyD" panose="02000609000000000000" pitchFamily="49" charset="0"/>
+                <a:ea typeface="VCROSDMonoRUSbyD" panose="02000609000000000000" pitchFamily="49" charset="0"/>
+              </a:rPr>
+              <a:t>[y][x] = </a:t>
+            </a:r>
+            <a:r>
+              <a:rPr kumimoji="0" lang="ru-RU" altLang="ru-RU" sz="1000" b="0" i="0" u="none" strike="noStrike" cap="none" normalizeH="0" baseline="0" dirty="0" err="1">
+                <a:ln>
+                  <a:noFill/>
+                </a:ln>
+                <a:solidFill>
+                  <a:srgbClr val="94558D"/>
+                </a:solidFill>
+                <a:effectLst/>
+                <a:latin typeface="VCROSDMonoRUSbyD" panose="02000609000000000000" pitchFamily="49" charset="0"/>
+                <a:ea typeface="VCROSDMonoRUSbyD" panose="02000609000000000000" pitchFamily="49" charset="0"/>
+              </a:rPr>
+              <a:t>self</a:t>
+            </a:r>
+            <a:r>
+              <a:rPr kumimoji="0" lang="ru-RU" altLang="ru-RU" sz="1000" b="0" i="0" u="none" strike="noStrike" cap="none" normalizeH="0" baseline="0" dirty="0" err="1">
+                <a:ln>
+                  <a:noFill/>
+                </a:ln>
+                <a:solidFill>
+                  <a:srgbClr val="A9B7C6"/>
+                </a:solidFill>
+                <a:effectLst/>
+                <a:latin typeface="VCROSDMonoRUSbyD" panose="02000609000000000000" pitchFamily="49" charset="0"/>
+                <a:ea typeface="VCROSDMonoRUSbyD" panose="02000609000000000000" pitchFamily="49" charset="0"/>
+              </a:rPr>
+              <a:t>.heatAlive</a:t>
+            </a:r>
+            <a:r>
+              <a:rPr kumimoji="0" lang="ru-RU" altLang="ru-RU" sz="1000" b="0" i="0" u="none" strike="noStrike" cap="none" normalizeH="0" baseline="0" dirty="0">
+                <a:ln>
+                  <a:noFill/>
+                </a:ln>
+                <a:solidFill>
+                  <a:srgbClr val="A9B7C6"/>
+                </a:solidFill>
+                <a:effectLst/>
+                <a:latin typeface="VCROSDMonoRUSbyD" panose="02000609000000000000" pitchFamily="49" charset="0"/>
+                <a:ea typeface="VCROSDMonoRUSbyD" panose="02000609000000000000" pitchFamily="49" charset="0"/>
+              </a:rPr>
+              <a:t> </a:t>
+            </a:r>
+            <a:r>
+              <a:rPr kumimoji="0" lang="ru-RU" altLang="ru-RU" sz="1000" b="0" i="0" u="none" strike="noStrike" cap="none" normalizeH="0" baseline="0" dirty="0" err="1">
+                <a:ln>
+                  <a:noFill/>
+                </a:ln>
+                <a:solidFill>
+                  <a:srgbClr val="CC7832"/>
+                </a:solidFill>
+                <a:effectLst/>
+                <a:latin typeface="VCROSDMonoRUSbyD" panose="02000609000000000000" pitchFamily="49" charset="0"/>
+                <a:ea typeface="VCROSDMonoRUSbyD" panose="02000609000000000000" pitchFamily="49" charset="0"/>
+              </a:rPr>
+              <a:t>if</a:t>
+            </a:r>
+            <a:r>
+              <a:rPr kumimoji="0" lang="ru-RU" altLang="ru-RU" sz="1000" b="0" i="0" u="none" strike="noStrike" cap="none" normalizeH="0" baseline="0" dirty="0">
+                <a:ln>
+                  <a:noFill/>
+                </a:ln>
+                <a:solidFill>
+                  <a:srgbClr val="CC7832"/>
+                </a:solidFill>
+                <a:effectLst/>
+                <a:latin typeface="VCROSDMonoRUSbyD" panose="02000609000000000000" pitchFamily="49" charset="0"/>
+                <a:ea typeface="VCROSDMonoRUSbyD" panose="02000609000000000000" pitchFamily="49" charset="0"/>
+              </a:rPr>
+              <a:t> </a:t>
+            </a:r>
+            <a:r>
+              <a:rPr kumimoji="0" lang="ru-RU" altLang="ru-RU" sz="1000" b="0" i="0" u="none" strike="noStrike" cap="none" normalizeH="0" baseline="0" dirty="0" err="1">
+                <a:ln>
+                  <a:noFill/>
+                </a:ln>
+                <a:solidFill>
+                  <a:srgbClr val="94558D"/>
+                </a:solidFill>
+                <a:effectLst/>
+                <a:latin typeface="VCROSDMonoRUSbyD" panose="02000609000000000000" pitchFamily="49" charset="0"/>
+                <a:ea typeface="VCROSDMonoRUSbyD" panose="02000609000000000000" pitchFamily="49" charset="0"/>
+              </a:rPr>
+              <a:t>self</a:t>
+            </a:r>
+            <a:r>
+              <a:rPr kumimoji="0" lang="ru-RU" altLang="ru-RU" sz="1000" b="0" i="0" u="none" strike="noStrike" cap="none" normalizeH="0" baseline="0" dirty="0" err="1">
+                <a:ln>
+                  <a:noFill/>
+                </a:ln>
+                <a:solidFill>
+                  <a:srgbClr val="A9B7C6"/>
+                </a:solidFill>
+                <a:effectLst/>
+                <a:latin typeface="VCROSDMonoRUSbyD" panose="02000609000000000000" pitchFamily="49" charset="0"/>
+                <a:ea typeface="VCROSDMonoRUSbyD" panose="02000609000000000000" pitchFamily="49" charset="0"/>
+              </a:rPr>
+              <a:t>.grid</a:t>
+            </a:r>
+            <a:r>
+              <a:rPr kumimoji="0" lang="ru-RU" altLang="ru-RU" sz="1000" b="0" i="0" u="none" strike="noStrike" cap="none" normalizeH="0" baseline="0" dirty="0">
+                <a:ln>
+                  <a:noFill/>
+                </a:ln>
+                <a:solidFill>
+                  <a:srgbClr val="A9B7C6"/>
+                </a:solidFill>
+                <a:effectLst/>
+                <a:latin typeface="VCROSDMonoRUSbyD" panose="02000609000000000000" pitchFamily="49" charset="0"/>
+                <a:ea typeface="VCROSDMonoRUSbyD" panose="02000609000000000000" pitchFamily="49" charset="0"/>
+              </a:rPr>
+              <a:t>[y][x] != </a:t>
+            </a:r>
+            <a:r>
+              <a:rPr kumimoji="0" lang="ru-RU" altLang="ru-RU" sz="1000" b="0" i="0" u="none" strike="noStrike" cap="none" normalizeH="0" baseline="0" dirty="0" err="1">
+                <a:ln>
+                  <a:noFill/>
+                </a:ln>
+                <a:solidFill>
+                  <a:srgbClr val="94558D"/>
+                </a:solidFill>
+                <a:effectLst/>
+                <a:latin typeface="VCROSDMonoRUSbyD" panose="02000609000000000000" pitchFamily="49" charset="0"/>
+                <a:ea typeface="VCROSDMonoRUSbyD" panose="02000609000000000000" pitchFamily="49" charset="0"/>
+              </a:rPr>
+              <a:t>self</a:t>
+            </a:r>
+            <a:r>
+              <a:rPr kumimoji="0" lang="ru-RU" altLang="ru-RU" sz="1000" b="0" i="0" u="none" strike="noStrike" cap="none" normalizeH="0" baseline="0" dirty="0" err="1">
+                <a:ln>
+                  <a:noFill/>
+                </a:ln>
+                <a:solidFill>
+                  <a:srgbClr val="A9B7C6"/>
+                </a:solidFill>
+                <a:effectLst/>
+                <a:latin typeface="VCROSDMonoRUSbyD" panose="02000609000000000000" pitchFamily="49" charset="0"/>
+                <a:ea typeface="VCROSDMonoRUSbyD" panose="02000609000000000000" pitchFamily="49" charset="0"/>
+              </a:rPr>
+              <a:t>.heatAlive</a:t>
+            </a:r>
+            <a:r>
+              <a:rPr kumimoji="0" lang="ru-RU" altLang="ru-RU" sz="1000" b="0" i="0" u="none" strike="noStrike" cap="none" normalizeH="0" baseline="0" dirty="0">
+                <a:ln>
+                  <a:noFill/>
+                </a:ln>
+                <a:solidFill>
+                  <a:srgbClr val="A9B7C6"/>
+                </a:solidFill>
+                <a:effectLst/>
+                <a:latin typeface="VCROSDMonoRUSbyD" panose="02000609000000000000" pitchFamily="49" charset="0"/>
+                <a:ea typeface="VCROSDMonoRUSbyD" panose="02000609000000000000" pitchFamily="49" charset="0"/>
+              </a:rPr>
+              <a:t> </a:t>
+            </a:r>
+            <a:r>
+              <a:rPr kumimoji="0" lang="ru-RU" altLang="ru-RU" sz="1000" b="0" i="0" u="none" strike="noStrike" cap="none" normalizeH="0" baseline="0" dirty="0" err="1">
+                <a:ln>
+                  <a:noFill/>
+                </a:ln>
+                <a:solidFill>
+                  <a:srgbClr val="CC7832"/>
+                </a:solidFill>
+                <a:effectLst/>
+                <a:latin typeface="VCROSDMonoRUSbyD" panose="02000609000000000000" pitchFamily="49" charset="0"/>
+                <a:ea typeface="VCROSDMonoRUSbyD" panose="02000609000000000000" pitchFamily="49" charset="0"/>
+              </a:rPr>
+              <a:t>else</a:t>
+            </a:r>
+            <a:r>
+              <a:rPr kumimoji="0" lang="ru-RU" altLang="ru-RU" sz="1000" b="0" i="0" u="none" strike="noStrike" cap="none" normalizeH="0" baseline="0" dirty="0">
+                <a:ln>
+                  <a:noFill/>
+                </a:ln>
+                <a:solidFill>
+                  <a:srgbClr val="CC7832"/>
+                </a:solidFill>
+                <a:effectLst/>
+                <a:latin typeface="VCROSDMonoRUSbyD" panose="02000609000000000000" pitchFamily="49" charset="0"/>
+                <a:ea typeface="VCROSDMonoRUSbyD" panose="02000609000000000000" pitchFamily="49" charset="0"/>
+              </a:rPr>
+              <a:t> </a:t>
+            </a:r>
+            <a:r>
+              <a:rPr kumimoji="0" lang="ru-RU" altLang="ru-RU" sz="1000" b="0" i="0" u="none" strike="noStrike" cap="none" normalizeH="0" baseline="0" dirty="0">
+                <a:ln>
+                  <a:noFill/>
+                </a:ln>
+                <a:solidFill>
+                  <a:srgbClr val="6897BB"/>
+                </a:solidFill>
+                <a:effectLst/>
+                <a:latin typeface="VCROSDMonoRUSbyD" panose="02000609000000000000" pitchFamily="49" charset="0"/>
+                <a:ea typeface="VCROSDMonoRUSbyD" panose="02000609000000000000" pitchFamily="49" charset="0"/>
+              </a:rPr>
+              <a:t>0</a:t>
+            </a:r>
+            <a:br>
+              <a:rPr kumimoji="0" lang="ru-RU" altLang="ru-RU" sz="1000" b="0" i="0" u="none" strike="noStrike" cap="none" normalizeH="0" baseline="0" dirty="0">
+                <a:ln>
+                  <a:noFill/>
+                </a:ln>
+                <a:solidFill>
+                  <a:srgbClr val="6897BB"/>
+                </a:solidFill>
+                <a:effectLst/>
+                <a:latin typeface="VCROSDMonoRUSbyD" panose="02000609000000000000" pitchFamily="49" charset="0"/>
+                <a:ea typeface="VCROSDMonoRUSbyD" panose="02000609000000000000" pitchFamily="49" charset="0"/>
+              </a:rPr>
+            </a:br>
+            <a:r>
+              <a:rPr kumimoji="0" lang="ru-RU" altLang="ru-RU" sz="1000" b="0" i="0" u="none" strike="noStrike" cap="none" normalizeH="0" baseline="0" dirty="0">
+                <a:ln>
+                  <a:noFill/>
+                </a:ln>
+                <a:solidFill>
+                  <a:srgbClr val="6897BB"/>
+                </a:solidFill>
+                <a:effectLst/>
+                <a:latin typeface="VCROSDMonoRUSbyD" panose="02000609000000000000" pitchFamily="49" charset="0"/>
+                <a:ea typeface="VCROSDMonoRUSbyD" panose="02000609000000000000" pitchFamily="49" charset="0"/>
+              </a:rPr>
+              <a:t>            </a:t>
+            </a:r>
+            <a:r>
+              <a:rPr kumimoji="0" lang="ru-RU" altLang="ru-RU" sz="1000" b="0" i="0" u="none" strike="noStrike" cap="none" normalizeH="0" baseline="0" dirty="0" err="1">
+                <a:ln>
+                  <a:noFill/>
+                </a:ln>
+                <a:solidFill>
+                  <a:srgbClr val="94558D"/>
+                </a:solidFill>
+                <a:effectLst/>
+                <a:latin typeface="VCROSDMonoRUSbyD" panose="02000609000000000000" pitchFamily="49" charset="0"/>
+                <a:ea typeface="VCROSDMonoRUSbyD" panose="02000609000000000000" pitchFamily="49" charset="0"/>
+              </a:rPr>
+              <a:t>self</a:t>
+            </a:r>
+            <a:r>
+              <a:rPr kumimoji="0" lang="ru-RU" altLang="ru-RU" sz="1000" b="0" i="0" u="none" strike="noStrike" cap="none" normalizeH="0" baseline="0" dirty="0" err="1">
+                <a:ln>
+                  <a:noFill/>
+                </a:ln>
+                <a:solidFill>
+                  <a:srgbClr val="A9B7C6"/>
+                </a:solidFill>
+                <a:effectLst/>
+                <a:latin typeface="VCROSDMonoRUSbyD" panose="02000609000000000000" pitchFamily="49" charset="0"/>
+                <a:ea typeface="VCROSDMonoRUSbyD" panose="02000609000000000000" pitchFamily="49" charset="0"/>
+              </a:rPr>
+              <a:t>.repaint</a:t>
+            </a:r>
+            <a:r>
+              <a:rPr kumimoji="0" lang="ru-RU" altLang="ru-RU" sz="1000" b="0" i="0" u="none" strike="noStrike" cap="none" normalizeH="0" baseline="0" dirty="0">
+                <a:ln>
+                  <a:noFill/>
+                </a:ln>
+                <a:solidFill>
+                  <a:srgbClr val="A9B7C6"/>
+                </a:solidFill>
+                <a:effectLst/>
+                <a:latin typeface="VCROSDMonoRUSbyD" panose="02000609000000000000" pitchFamily="49" charset="0"/>
+                <a:ea typeface="VCROSDMonoRUSbyD" panose="02000609000000000000" pitchFamily="49" charset="0"/>
+              </a:rPr>
+              <a:t>()</a:t>
+            </a:r>
+            <a:br>
+              <a:rPr kumimoji="0" lang="ru-RU" altLang="ru-RU" sz="1000" b="0" i="0" u="none" strike="noStrike" cap="none" normalizeH="0" baseline="0" dirty="0">
+                <a:ln>
+                  <a:noFill/>
+                </a:ln>
+                <a:solidFill>
+                  <a:srgbClr val="A9B7C6"/>
+                </a:solidFill>
+                <a:effectLst/>
+                <a:latin typeface="VCROSDMonoRUSbyD" panose="02000609000000000000" pitchFamily="49" charset="0"/>
+                <a:ea typeface="VCROSDMonoRUSbyD" panose="02000609000000000000" pitchFamily="49" charset="0"/>
+              </a:rPr>
+            </a:br>
+            <a:r>
+              <a:rPr kumimoji="0" lang="ru-RU" altLang="ru-RU" sz="1000" b="0" i="0" u="none" strike="noStrike" cap="none" normalizeH="0" baseline="0" dirty="0">
+                <a:ln>
+                  <a:noFill/>
+                </a:ln>
+                <a:solidFill>
+                  <a:srgbClr val="A9B7C6"/>
+                </a:solidFill>
+                <a:effectLst/>
+                <a:latin typeface="VCROSDMonoRUSbyD" panose="02000609000000000000" pitchFamily="49" charset="0"/>
+                <a:ea typeface="VCROSDMonoRUSbyD" panose="02000609000000000000" pitchFamily="49" charset="0"/>
+              </a:rPr>
+              <a:t>        </a:t>
+            </a:r>
+            <a:r>
+              <a:rPr kumimoji="0" lang="ru-RU" altLang="ru-RU" sz="1000" b="0" i="0" u="none" strike="noStrike" cap="none" normalizeH="0" baseline="0" dirty="0" err="1">
+                <a:ln>
+                  <a:noFill/>
+                </a:ln>
+                <a:solidFill>
+                  <a:srgbClr val="94558D"/>
+                </a:solidFill>
+                <a:effectLst/>
+                <a:latin typeface="VCROSDMonoRUSbyD" panose="02000609000000000000" pitchFamily="49" charset="0"/>
+                <a:ea typeface="VCROSDMonoRUSbyD" panose="02000609000000000000" pitchFamily="49" charset="0"/>
+              </a:rPr>
+              <a:t>self</a:t>
+            </a:r>
+            <a:r>
+              <a:rPr kumimoji="0" lang="ru-RU" altLang="ru-RU" sz="1000" b="0" i="0" u="none" strike="noStrike" cap="none" normalizeH="0" baseline="0" dirty="0" err="1">
+                <a:ln>
+                  <a:noFill/>
+                </a:ln>
+                <a:solidFill>
+                  <a:srgbClr val="A9B7C6"/>
+                </a:solidFill>
+                <a:effectLst/>
+                <a:latin typeface="VCROSDMonoRUSbyD" panose="02000609000000000000" pitchFamily="49" charset="0"/>
+                <a:ea typeface="VCROSDMonoRUSbyD" panose="02000609000000000000" pitchFamily="49" charset="0"/>
+              </a:rPr>
+              <a:t>.population</a:t>
+            </a:r>
+            <a:r>
+              <a:rPr kumimoji="0" lang="ru-RU" altLang="ru-RU" sz="1000" b="0" i="0" u="none" strike="noStrike" cap="none" normalizeH="0" baseline="0" dirty="0">
+                <a:ln>
+                  <a:noFill/>
+                </a:ln>
+                <a:solidFill>
+                  <a:srgbClr val="A9B7C6"/>
+                </a:solidFill>
+                <a:effectLst/>
+                <a:latin typeface="VCROSDMonoRUSbyD" panose="02000609000000000000" pitchFamily="49" charset="0"/>
+                <a:ea typeface="VCROSDMonoRUSbyD" panose="02000609000000000000" pitchFamily="49" charset="0"/>
+              </a:rPr>
+              <a:t>[-</a:t>
+            </a:r>
+            <a:r>
+              <a:rPr kumimoji="0" lang="ru-RU" altLang="ru-RU" sz="1000" b="0" i="0" u="none" strike="noStrike" cap="none" normalizeH="0" baseline="0" dirty="0">
+                <a:ln>
+                  <a:noFill/>
+                </a:ln>
+                <a:solidFill>
+                  <a:srgbClr val="6897BB"/>
+                </a:solidFill>
+                <a:effectLst/>
+                <a:latin typeface="VCROSDMonoRUSbyD" panose="02000609000000000000" pitchFamily="49" charset="0"/>
+                <a:ea typeface="VCROSDMonoRUSbyD" panose="02000609000000000000" pitchFamily="49" charset="0"/>
+              </a:rPr>
+              <a:t>1</a:t>
+            </a:r>
+            <a:r>
+              <a:rPr kumimoji="0" lang="ru-RU" altLang="ru-RU" sz="1000" b="0" i="0" u="none" strike="noStrike" cap="none" normalizeH="0" baseline="0" dirty="0">
+                <a:ln>
+                  <a:noFill/>
+                </a:ln>
+                <a:solidFill>
+                  <a:srgbClr val="A9B7C6"/>
+                </a:solidFill>
+                <a:effectLst/>
+                <a:latin typeface="VCROSDMonoRUSbyD" panose="02000609000000000000" pitchFamily="49" charset="0"/>
+                <a:ea typeface="VCROSDMonoRUSbyD" panose="02000609000000000000" pitchFamily="49" charset="0"/>
+              </a:rPr>
+              <a:t>] = </a:t>
+            </a:r>
+            <a:r>
+              <a:rPr kumimoji="0" lang="ru-RU" altLang="ru-RU" sz="1000" b="0" i="0" u="none" strike="noStrike" cap="none" normalizeH="0" baseline="0" dirty="0" err="1">
+                <a:ln>
+                  <a:noFill/>
+                </a:ln>
+                <a:solidFill>
+                  <a:srgbClr val="A9B7C6"/>
+                </a:solidFill>
+                <a:effectLst/>
+                <a:latin typeface="VCROSDMonoRUSbyD" panose="02000609000000000000" pitchFamily="49" charset="0"/>
+                <a:ea typeface="VCROSDMonoRUSbyD" panose="02000609000000000000" pitchFamily="49" charset="0"/>
+              </a:rPr>
+              <a:t>np.count_nonzero</a:t>
+            </a:r>
+            <a:r>
+              <a:rPr kumimoji="0" lang="ru-RU" altLang="ru-RU" sz="1000" b="0" i="0" u="none" strike="noStrike" cap="none" normalizeH="0" baseline="0" dirty="0">
+                <a:ln>
+                  <a:noFill/>
+                </a:ln>
+                <a:solidFill>
+                  <a:srgbClr val="A9B7C6"/>
+                </a:solidFill>
+                <a:effectLst/>
+                <a:latin typeface="VCROSDMonoRUSbyD" panose="02000609000000000000" pitchFamily="49" charset="0"/>
+                <a:ea typeface="VCROSDMonoRUSbyD" panose="02000609000000000000" pitchFamily="49" charset="0"/>
+              </a:rPr>
+              <a:t>(</a:t>
+            </a:r>
+            <a:r>
+              <a:rPr kumimoji="0" lang="ru-RU" altLang="ru-RU" sz="1000" b="0" i="0" u="none" strike="noStrike" cap="none" normalizeH="0" baseline="0" dirty="0" err="1">
+                <a:ln>
+                  <a:noFill/>
+                </a:ln>
+                <a:solidFill>
+                  <a:srgbClr val="94558D"/>
+                </a:solidFill>
+                <a:effectLst/>
+                <a:latin typeface="VCROSDMonoRUSbyD" panose="02000609000000000000" pitchFamily="49" charset="0"/>
+                <a:ea typeface="VCROSDMonoRUSbyD" panose="02000609000000000000" pitchFamily="49" charset="0"/>
+              </a:rPr>
+              <a:t>self</a:t>
+            </a:r>
+            <a:r>
+              <a:rPr kumimoji="0" lang="ru-RU" altLang="ru-RU" sz="1000" b="0" i="0" u="none" strike="noStrike" cap="none" normalizeH="0" baseline="0" dirty="0" err="1">
+                <a:ln>
+                  <a:noFill/>
+                </a:ln>
+                <a:solidFill>
+                  <a:srgbClr val="A9B7C6"/>
+                </a:solidFill>
+                <a:effectLst/>
+                <a:latin typeface="VCROSDMonoRUSbyD" panose="02000609000000000000" pitchFamily="49" charset="0"/>
+                <a:ea typeface="VCROSDMonoRUSbyD" panose="02000609000000000000" pitchFamily="49" charset="0"/>
+              </a:rPr>
+              <a:t>.grid</a:t>
+            </a:r>
+            <a:r>
+              <a:rPr kumimoji="0" lang="ru-RU" altLang="ru-RU" sz="1000" b="0" i="0" u="none" strike="noStrike" cap="none" normalizeH="0" baseline="0" dirty="0">
+                <a:ln>
+                  <a:noFill/>
+                </a:ln>
+                <a:solidFill>
+                  <a:srgbClr val="A9B7C6"/>
+                </a:solidFill>
+                <a:effectLst/>
+                <a:latin typeface="VCROSDMonoRUSbyD" panose="02000609000000000000" pitchFamily="49" charset="0"/>
+                <a:ea typeface="VCROSDMonoRUSbyD" panose="02000609000000000000" pitchFamily="49" charset="0"/>
+              </a:rPr>
+              <a:t> == </a:t>
+            </a:r>
+            <a:r>
+              <a:rPr kumimoji="0" lang="ru-RU" altLang="ru-RU" sz="1000" b="0" i="0" u="none" strike="noStrike" cap="none" normalizeH="0" baseline="0" dirty="0" err="1">
+                <a:ln>
+                  <a:noFill/>
+                </a:ln>
+                <a:solidFill>
+                  <a:srgbClr val="94558D"/>
+                </a:solidFill>
+                <a:effectLst/>
+                <a:latin typeface="VCROSDMonoRUSbyD" panose="02000609000000000000" pitchFamily="49" charset="0"/>
+                <a:ea typeface="VCROSDMonoRUSbyD" panose="02000609000000000000" pitchFamily="49" charset="0"/>
+              </a:rPr>
+              <a:t>self</a:t>
+            </a:r>
+            <a:r>
+              <a:rPr kumimoji="0" lang="ru-RU" altLang="ru-RU" sz="1000" b="0" i="0" u="none" strike="noStrike" cap="none" normalizeH="0" baseline="0" dirty="0" err="1">
+                <a:ln>
+                  <a:noFill/>
+                </a:ln>
+                <a:solidFill>
+                  <a:srgbClr val="A9B7C6"/>
+                </a:solidFill>
+                <a:effectLst/>
+                <a:latin typeface="VCROSDMonoRUSbyD" panose="02000609000000000000" pitchFamily="49" charset="0"/>
+                <a:ea typeface="VCROSDMonoRUSbyD" panose="02000609000000000000" pitchFamily="49" charset="0"/>
+              </a:rPr>
+              <a:t>.heatAlive</a:t>
+            </a:r>
+            <a:r>
+              <a:rPr kumimoji="0" lang="ru-RU" altLang="ru-RU" sz="1000" b="0" i="0" u="none" strike="noStrike" cap="none" normalizeH="0" baseline="0" dirty="0">
+                <a:ln>
+                  <a:noFill/>
+                </a:ln>
+                <a:solidFill>
+                  <a:srgbClr val="A9B7C6"/>
+                </a:solidFill>
+                <a:effectLst/>
+                <a:latin typeface="VCROSDMonoRUSbyD" panose="02000609000000000000" pitchFamily="49" charset="0"/>
+                <a:ea typeface="VCROSDMonoRUSbyD" panose="02000609000000000000" pitchFamily="49" charset="0"/>
+              </a:rPr>
+              <a:t>)</a:t>
+            </a:r>
+            <a:br>
+              <a:rPr kumimoji="0" lang="ru-RU" altLang="ru-RU" sz="1000" b="0" i="0" u="none" strike="noStrike" cap="none" normalizeH="0" baseline="0" dirty="0">
+                <a:ln>
+                  <a:noFill/>
+                </a:ln>
+                <a:solidFill>
+                  <a:srgbClr val="A9B7C6"/>
+                </a:solidFill>
+                <a:effectLst/>
+                <a:latin typeface="VCROSDMonoRUSbyD" panose="02000609000000000000" pitchFamily="49" charset="0"/>
+                <a:ea typeface="VCROSDMonoRUSbyD" panose="02000609000000000000" pitchFamily="49" charset="0"/>
+              </a:rPr>
+            </a:br>
+            <a:br>
+              <a:rPr kumimoji="0" lang="ru-RU" altLang="ru-RU" sz="1000" b="0" i="0" u="none" strike="noStrike" cap="none" normalizeH="0" baseline="0" dirty="0">
+                <a:ln>
+                  <a:noFill/>
+                </a:ln>
+                <a:solidFill>
+                  <a:srgbClr val="A9B7C6"/>
+                </a:solidFill>
+                <a:effectLst/>
+                <a:latin typeface="VCROSDMonoRUSbyD" panose="02000609000000000000" pitchFamily="49" charset="0"/>
+                <a:ea typeface="VCROSDMonoRUSbyD" panose="02000609000000000000" pitchFamily="49" charset="0"/>
+              </a:rPr>
+            </a:br>
+            <a:r>
+              <a:rPr kumimoji="0" lang="ru-RU" altLang="ru-RU" sz="1000" b="0" i="0" u="none" strike="noStrike" cap="none" normalizeH="0" baseline="0" dirty="0" err="1">
+                <a:ln>
+                  <a:noFill/>
+                </a:ln>
+                <a:solidFill>
+                  <a:srgbClr val="CC7832"/>
+                </a:solidFill>
+                <a:effectLst/>
+                <a:latin typeface="VCROSDMonoRUSbyD" panose="02000609000000000000" pitchFamily="49" charset="0"/>
+                <a:ea typeface="VCROSDMonoRUSbyD" panose="02000609000000000000" pitchFamily="49" charset="0"/>
+              </a:rPr>
+              <a:t>def</a:t>
+            </a:r>
+            <a:r>
+              <a:rPr kumimoji="0" lang="ru-RU" altLang="ru-RU" sz="1000" b="0" i="0" u="none" strike="noStrike" cap="none" normalizeH="0" baseline="0" dirty="0">
+                <a:ln>
+                  <a:noFill/>
+                </a:ln>
+                <a:solidFill>
+                  <a:srgbClr val="CC7832"/>
+                </a:solidFill>
+                <a:effectLst/>
+                <a:latin typeface="VCROSDMonoRUSbyD" panose="02000609000000000000" pitchFamily="49" charset="0"/>
+                <a:ea typeface="VCROSDMonoRUSbyD" panose="02000609000000000000" pitchFamily="49" charset="0"/>
+              </a:rPr>
+              <a:t> </a:t>
+            </a:r>
+            <a:r>
+              <a:rPr kumimoji="0" lang="ru-RU" altLang="ru-RU" sz="1000" b="0" i="0" u="none" strike="noStrike" cap="none" normalizeH="0" baseline="0" dirty="0" err="1">
+                <a:ln>
+                  <a:noFill/>
+                </a:ln>
+                <a:solidFill>
+                  <a:srgbClr val="FFC66D"/>
+                </a:solidFill>
+                <a:effectLst/>
+                <a:latin typeface="VCROSDMonoRUSbyD" panose="02000609000000000000" pitchFamily="49" charset="0"/>
+                <a:ea typeface="VCROSDMonoRUSbyD" panose="02000609000000000000" pitchFamily="49" charset="0"/>
+              </a:rPr>
+              <a:t>mouseMoveEvent</a:t>
+            </a:r>
+            <a:r>
+              <a:rPr kumimoji="0" lang="ru-RU" altLang="ru-RU" sz="1000" b="0" i="0" u="none" strike="noStrike" cap="none" normalizeH="0" baseline="0" dirty="0">
+                <a:ln>
+                  <a:noFill/>
+                </a:ln>
+                <a:solidFill>
+                  <a:srgbClr val="A9B7C6"/>
+                </a:solidFill>
+                <a:effectLst/>
+                <a:latin typeface="VCROSDMonoRUSbyD" panose="02000609000000000000" pitchFamily="49" charset="0"/>
+                <a:ea typeface="VCROSDMonoRUSbyD" panose="02000609000000000000" pitchFamily="49" charset="0"/>
+              </a:rPr>
+              <a:t>(</a:t>
+            </a:r>
+            <a:r>
+              <a:rPr kumimoji="0" lang="ru-RU" altLang="ru-RU" sz="1000" b="0" i="0" u="none" strike="noStrike" cap="none" normalizeH="0" baseline="0" dirty="0" err="1">
+                <a:ln>
+                  <a:noFill/>
+                </a:ln>
+                <a:solidFill>
+                  <a:srgbClr val="94558D"/>
+                </a:solidFill>
+                <a:effectLst/>
+                <a:latin typeface="VCROSDMonoRUSbyD" panose="02000609000000000000" pitchFamily="49" charset="0"/>
+                <a:ea typeface="VCROSDMonoRUSbyD" panose="02000609000000000000" pitchFamily="49" charset="0"/>
+              </a:rPr>
+              <a:t>self</a:t>
+            </a:r>
+            <a:r>
+              <a:rPr kumimoji="0" lang="ru-RU" altLang="ru-RU" sz="1000" b="0" i="0" u="none" strike="noStrike" cap="none" normalizeH="0" baseline="0" dirty="0">
+                <a:ln>
+                  <a:noFill/>
+                </a:ln>
+                <a:solidFill>
+                  <a:srgbClr val="CC7832"/>
+                </a:solidFill>
+                <a:effectLst/>
+                <a:latin typeface="VCROSDMonoRUSbyD" panose="02000609000000000000" pitchFamily="49" charset="0"/>
+                <a:ea typeface="VCROSDMonoRUSbyD" panose="02000609000000000000" pitchFamily="49" charset="0"/>
+              </a:rPr>
+              <a:t>, </a:t>
+            </a:r>
+            <a:r>
+              <a:rPr kumimoji="0" lang="ru-RU" altLang="ru-RU" sz="1000" b="0" i="0" u="none" strike="noStrike" cap="none" normalizeH="0" baseline="0" dirty="0" err="1">
+                <a:ln>
+                  <a:noFill/>
+                </a:ln>
+                <a:solidFill>
+                  <a:srgbClr val="A9B7C6"/>
+                </a:solidFill>
+                <a:effectLst/>
+                <a:latin typeface="VCROSDMonoRUSbyD" panose="02000609000000000000" pitchFamily="49" charset="0"/>
+                <a:ea typeface="VCROSDMonoRUSbyD" panose="02000609000000000000" pitchFamily="49" charset="0"/>
+              </a:rPr>
+              <a:t>event</a:t>
+            </a:r>
+            <a:r>
+              <a:rPr kumimoji="0" lang="ru-RU" altLang="ru-RU" sz="1000" b="0" i="0" u="none" strike="noStrike" cap="none" normalizeH="0" baseline="0" dirty="0">
+                <a:ln>
+                  <a:noFill/>
+                </a:ln>
+                <a:solidFill>
+                  <a:srgbClr val="A9B7C6"/>
+                </a:solidFill>
+                <a:effectLst/>
+                <a:latin typeface="VCROSDMonoRUSbyD" panose="02000609000000000000" pitchFamily="49" charset="0"/>
+                <a:ea typeface="VCROSDMonoRUSbyD" panose="02000609000000000000" pitchFamily="49" charset="0"/>
+              </a:rPr>
+              <a:t>):</a:t>
+            </a:r>
+            <a:br>
+              <a:rPr kumimoji="0" lang="ru-RU" altLang="ru-RU" sz="1000" b="0" i="0" u="none" strike="noStrike" cap="none" normalizeH="0" baseline="0" dirty="0">
+                <a:ln>
+                  <a:noFill/>
+                </a:ln>
+                <a:solidFill>
+                  <a:srgbClr val="A9B7C6"/>
+                </a:solidFill>
+                <a:effectLst/>
+                <a:latin typeface="VCROSDMonoRUSbyD" panose="02000609000000000000" pitchFamily="49" charset="0"/>
+                <a:ea typeface="VCROSDMonoRUSbyD" panose="02000609000000000000" pitchFamily="49" charset="0"/>
+              </a:rPr>
+            </a:br>
+            <a:r>
+              <a:rPr kumimoji="0" lang="ru-RU" altLang="ru-RU" sz="1000" b="0" i="0" u="none" strike="noStrike" cap="none" normalizeH="0" baseline="0" dirty="0">
+                <a:ln>
+                  <a:noFill/>
+                </a:ln>
+                <a:solidFill>
+                  <a:srgbClr val="A9B7C6"/>
+                </a:solidFill>
+                <a:effectLst/>
+                <a:latin typeface="VCROSDMonoRUSbyD" panose="02000609000000000000" pitchFamily="49" charset="0"/>
+                <a:ea typeface="VCROSDMonoRUSbyD" panose="02000609000000000000" pitchFamily="49" charset="0"/>
+              </a:rPr>
+              <a:t>    </a:t>
+            </a:r>
+            <a:r>
+              <a:rPr kumimoji="0" lang="ru-RU" altLang="ru-RU" sz="1000" b="0" i="0" u="none" strike="noStrike" cap="none" normalizeH="0" baseline="0" dirty="0" err="1">
+                <a:ln>
+                  <a:noFill/>
+                </a:ln>
+                <a:solidFill>
+                  <a:srgbClr val="CC7832"/>
+                </a:solidFill>
+                <a:effectLst/>
+                <a:latin typeface="VCROSDMonoRUSbyD" panose="02000609000000000000" pitchFamily="49" charset="0"/>
+                <a:ea typeface="VCROSDMonoRUSbyD" panose="02000609000000000000" pitchFamily="49" charset="0"/>
+              </a:rPr>
+              <a:t>if</a:t>
+            </a:r>
+            <a:r>
+              <a:rPr kumimoji="0" lang="ru-RU" altLang="ru-RU" sz="1000" b="0" i="0" u="none" strike="noStrike" cap="none" normalizeH="0" baseline="0" dirty="0">
+                <a:ln>
+                  <a:noFill/>
+                </a:ln>
+                <a:solidFill>
+                  <a:srgbClr val="CC7832"/>
+                </a:solidFill>
+                <a:effectLst/>
+                <a:latin typeface="VCROSDMonoRUSbyD" panose="02000609000000000000" pitchFamily="49" charset="0"/>
+                <a:ea typeface="VCROSDMonoRUSbyD" panose="02000609000000000000" pitchFamily="49" charset="0"/>
+              </a:rPr>
+              <a:t> </a:t>
+            </a:r>
+            <a:r>
+              <a:rPr kumimoji="0" lang="ru-RU" altLang="ru-RU" sz="1000" b="0" i="0" u="none" strike="noStrike" cap="none" normalizeH="0" baseline="0" dirty="0" err="1">
+                <a:ln>
+                  <a:noFill/>
+                </a:ln>
+                <a:solidFill>
+                  <a:srgbClr val="A9B7C6"/>
+                </a:solidFill>
+                <a:effectLst/>
+                <a:latin typeface="VCROSDMonoRUSbyD" panose="02000609000000000000" pitchFamily="49" charset="0"/>
+                <a:ea typeface="VCROSDMonoRUSbyD" panose="02000609000000000000" pitchFamily="49" charset="0"/>
+              </a:rPr>
+              <a:t>event.buttons</a:t>
+            </a:r>
+            <a:r>
+              <a:rPr kumimoji="0" lang="ru-RU" altLang="ru-RU" sz="1000" b="0" i="0" u="none" strike="noStrike" cap="none" normalizeH="0" baseline="0" dirty="0">
+                <a:ln>
+                  <a:noFill/>
+                </a:ln>
+                <a:solidFill>
+                  <a:srgbClr val="A9B7C6"/>
+                </a:solidFill>
+                <a:effectLst/>
+                <a:latin typeface="VCROSDMonoRUSbyD" panose="02000609000000000000" pitchFamily="49" charset="0"/>
+                <a:ea typeface="VCROSDMonoRUSbyD" panose="02000609000000000000" pitchFamily="49" charset="0"/>
+              </a:rPr>
+              <a:t>() == </a:t>
+            </a:r>
+            <a:r>
+              <a:rPr kumimoji="0" lang="ru-RU" altLang="ru-RU" sz="1000" b="0" i="0" u="none" strike="noStrike" cap="none" normalizeH="0" baseline="0" dirty="0" err="1">
+                <a:ln>
+                  <a:noFill/>
+                </a:ln>
+                <a:solidFill>
+                  <a:srgbClr val="A9B7C6"/>
+                </a:solidFill>
+                <a:effectLst/>
+                <a:latin typeface="VCROSDMonoRUSbyD" panose="02000609000000000000" pitchFamily="49" charset="0"/>
+                <a:ea typeface="VCROSDMonoRUSbyD" panose="02000609000000000000" pitchFamily="49" charset="0"/>
+              </a:rPr>
+              <a:t>Qt.RightButton</a:t>
+            </a:r>
+            <a:r>
+              <a:rPr kumimoji="0" lang="ru-RU" altLang="ru-RU" sz="1000" b="0" i="0" u="none" strike="noStrike" cap="none" normalizeH="0" baseline="0" dirty="0">
+                <a:ln>
+                  <a:noFill/>
+                </a:ln>
+                <a:solidFill>
+                  <a:srgbClr val="A9B7C6"/>
+                </a:solidFill>
+                <a:effectLst/>
+                <a:latin typeface="VCROSDMonoRUSbyD" panose="02000609000000000000" pitchFamily="49" charset="0"/>
+                <a:ea typeface="VCROSDMonoRUSbyD" panose="02000609000000000000" pitchFamily="49" charset="0"/>
+              </a:rPr>
+              <a:t>:</a:t>
+            </a:r>
+            <a:br>
+              <a:rPr kumimoji="0" lang="ru-RU" altLang="ru-RU" sz="1000" b="0" i="0" u="none" strike="noStrike" cap="none" normalizeH="0" baseline="0" dirty="0">
+                <a:ln>
+                  <a:noFill/>
+                </a:ln>
+                <a:solidFill>
+                  <a:srgbClr val="A9B7C6"/>
+                </a:solidFill>
+                <a:effectLst/>
+                <a:latin typeface="VCROSDMonoRUSbyD" panose="02000609000000000000" pitchFamily="49" charset="0"/>
+                <a:ea typeface="VCROSDMonoRUSbyD" panose="02000609000000000000" pitchFamily="49" charset="0"/>
+              </a:rPr>
+            </a:br>
+            <a:r>
+              <a:rPr kumimoji="0" lang="ru-RU" altLang="ru-RU" sz="1000" b="0" i="0" u="none" strike="noStrike" cap="none" normalizeH="0" baseline="0" dirty="0">
+                <a:ln>
+                  <a:noFill/>
+                </a:ln>
+                <a:solidFill>
+                  <a:srgbClr val="A9B7C6"/>
+                </a:solidFill>
+                <a:effectLst/>
+                <a:latin typeface="VCROSDMonoRUSbyD" panose="02000609000000000000" pitchFamily="49" charset="0"/>
+                <a:ea typeface="VCROSDMonoRUSbyD" panose="02000609000000000000" pitchFamily="49" charset="0"/>
+              </a:rPr>
+              <a:t>        </a:t>
+            </a:r>
+            <a:r>
+              <a:rPr kumimoji="0" lang="ru-RU" altLang="ru-RU" sz="1000" b="0" i="0" u="none" strike="noStrike" cap="none" normalizeH="0" baseline="0" dirty="0" err="1">
+                <a:ln>
+                  <a:noFill/>
+                </a:ln>
+                <a:solidFill>
+                  <a:srgbClr val="94558D"/>
+                </a:solidFill>
+                <a:effectLst/>
+                <a:latin typeface="VCROSDMonoRUSbyD" panose="02000609000000000000" pitchFamily="49" charset="0"/>
+                <a:ea typeface="VCROSDMonoRUSbyD" panose="02000609000000000000" pitchFamily="49" charset="0"/>
+              </a:rPr>
+              <a:t>self</a:t>
+            </a:r>
+            <a:r>
+              <a:rPr kumimoji="0" lang="ru-RU" altLang="ru-RU" sz="1000" b="0" i="0" u="none" strike="noStrike" cap="none" normalizeH="0" baseline="0" dirty="0" err="1">
+                <a:ln>
+                  <a:noFill/>
+                </a:ln>
+                <a:solidFill>
+                  <a:srgbClr val="A9B7C6"/>
+                </a:solidFill>
+                <a:effectLst/>
+                <a:latin typeface="VCROSDMonoRUSbyD" panose="02000609000000000000" pitchFamily="49" charset="0"/>
+                <a:ea typeface="VCROSDMonoRUSbyD" panose="02000609000000000000" pitchFamily="49" charset="0"/>
+              </a:rPr>
+              <a:t>.curr_grid_pos</a:t>
+            </a:r>
+            <a:r>
+              <a:rPr kumimoji="0" lang="ru-RU" altLang="ru-RU" sz="1000" b="0" i="0" u="none" strike="noStrike" cap="none" normalizeH="0" baseline="0" dirty="0">
+                <a:ln>
+                  <a:noFill/>
+                </a:ln>
+                <a:solidFill>
+                  <a:srgbClr val="A9B7C6"/>
+                </a:solidFill>
+                <a:effectLst/>
+                <a:latin typeface="VCROSDMonoRUSbyD" panose="02000609000000000000" pitchFamily="49" charset="0"/>
+                <a:ea typeface="VCROSDMonoRUSbyD" panose="02000609000000000000" pitchFamily="49" charset="0"/>
+              </a:rPr>
+              <a:t>[</a:t>
+            </a:r>
+            <a:r>
+              <a:rPr kumimoji="0" lang="ru-RU" altLang="ru-RU" sz="1000" b="0" i="0" u="none" strike="noStrike" cap="none" normalizeH="0" baseline="0" dirty="0">
+                <a:ln>
+                  <a:noFill/>
+                </a:ln>
+                <a:solidFill>
+                  <a:srgbClr val="6897BB"/>
+                </a:solidFill>
+                <a:effectLst/>
+                <a:latin typeface="VCROSDMonoRUSbyD" panose="02000609000000000000" pitchFamily="49" charset="0"/>
+                <a:ea typeface="VCROSDMonoRUSbyD" panose="02000609000000000000" pitchFamily="49" charset="0"/>
+              </a:rPr>
+              <a:t>0</a:t>
+            </a:r>
+            <a:r>
+              <a:rPr kumimoji="0" lang="ru-RU" altLang="ru-RU" sz="1000" b="0" i="0" u="none" strike="noStrike" cap="none" normalizeH="0" baseline="0" dirty="0">
+                <a:ln>
+                  <a:noFill/>
+                </a:ln>
+                <a:solidFill>
+                  <a:srgbClr val="A9B7C6"/>
+                </a:solidFill>
+                <a:effectLst/>
+                <a:latin typeface="VCROSDMonoRUSbyD" panose="02000609000000000000" pitchFamily="49" charset="0"/>
+                <a:ea typeface="VCROSDMonoRUSbyD" panose="02000609000000000000" pitchFamily="49" charset="0"/>
+              </a:rPr>
+              <a:t>] += </a:t>
+            </a:r>
+            <a:r>
+              <a:rPr kumimoji="0" lang="ru-RU" altLang="ru-RU" sz="1000" b="0" i="0" u="none" strike="noStrike" cap="none" normalizeH="0" baseline="0" dirty="0" err="1">
+                <a:ln>
+                  <a:noFill/>
+                </a:ln>
+                <a:solidFill>
+                  <a:srgbClr val="A9B7C6"/>
+                </a:solidFill>
+                <a:effectLst/>
+                <a:latin typeface="VCROSDMonoRUSbyD" panose="02000609000000000000" pitchFamily="49" charset="0"/>
+                <a:ea typeface="VCROSDMonoRUSbyD" panose="02000609000000000000" pitchFamily="49" charset="0"/>
+              </a:rPr>
+              <a:t>event.x</a:t>
+            </a:r>
+            <a:r>
+              <a:rPr kumimoji="0" lang="ru-RU" altLang="ru-RU" sz="1000" b="0" i="0" u="none" strike="noStrike" cap="none" normalizeH="0" baseline="0" dirty="0">
+                <a:ln>
+                  <a:noFill/>
+                </a:ln>
+                <a:solidFill>
+                  <a:srgbClr val="A9B7C6"/>
+                </a:solidFill>
+                <a:effectLst/>
+                <a:latin typeface="VCROSDMonoRUSbyD" panose="02000609000000000000" pitchFamily="49" charset="0"/>
+                <a:ea typeface="VCROSDMonoRUSbyD" panose="02000609000000000000" pitchFamily="49" charset="0"/>
+              </a:rPr>
+              <a:t>() - </a:t>
+            </a:r>
+            <a:r>
+              <a:rPr kumimoji="0" lang="ru-RU" altLang="ru-RU" sz="1000" b="0" i="0" u="none" strike="noStrike" cap="none" normalizeH="0" baseline="0" dirty="0" err="1">
+                <a:ln>
+                  <a:noFill/>
+                </a:ln>
+                <a:solidFill>
+                  <a:srgbClr val="94558D"/>
+                </a:solidFill>
+                <a:effectLst/>
+                <a:latin typeface="VCROSDMonoRUSbyD" panose="02000609000000000000" pitchFamily="49" charset="0"/>
+                <a:ea typeface="VCROSDMonoRUSbyD" panose="02000609000000000000" pitchFamily="49" charset="0"/>
+              </a:rPr>
+              <a:t>self</a:t>
+            </a:r>
+            <a:r>
+              <a:rPr kumimoji="0" lang="ru-RU" altLang="ru-RU" sz="1000" b="0" i="0" u="none" strike="noStrike" cap="none" normalizeH="0" baseline="0" dirty="0" err="1">
+                <a:ln>
+                  <a:noFill/>
+                </a:ln>
+                <a:solidFill>
+                  <a:srgbClr val="A9B7C6"/>
+                </a:solidFill>
+                <a:effectLst/>
+                <a:latin typeface="VCROSDMonoRUSbyD" panose="02000609000000000000" pitchFamily="49" charset="0"/>
+                <a:ea typeface="VCROSDMonoRUSbyD" panose="02000609000000000000" pitchFamily="49" charset="0"/>
+              </a:rPr>
+              <a:t>.rb_x</a:t>
+            </a:r>
+            <a:br>
+              <a:rPr kumimoji="0" lang="ru-RU" altLang="ru-RU" sz="1000" b="0" i="0" u="none" strike="noStrike" cap="none" normalizeH="0" baseline="0" dirty="0">
+                <a:ln>
+                  <a:noFill/>
+                </a:ln>
+                <a:solidFill>
+                  <a:srgbClr val="A9B7C6"/>
+                </a:solidFill>
+                <a:effectLst/>
+                <a:latin typeface="VCROSDMonoRUSbyD" panose="02000609000000000000" pitchFamily="49" charset="0"/>
+                <a:ea typeface="VCROSDMonoRUSbyD" panose="02000609000000000000" pitchFamily="49" charset="0"/>
+              </a:rPr>
+            </a:br>
+            <a:r>
+              <a:rPr kumimoji="0" lang="ru-RU" altLang="ru-RU" sz="1000" b="0" i="0" u="none" strike="noStrike" cap="none" normalizeH="0" baseline="0" dirty="0">
+                <a:ln>
+                  <a:noFill/>
+                </a:ln>
+                <a:solidFill>
+                  <a:srgbClr val="A9B7C6"/>
+                </a:solidFill>
+                <a:effectLst/>
+                <a:latin typeface="VCROSDMonoRUSbyD" panose="02000609000000000000" pitchFamily="49" charset="0"/>
+                <a:ea typeface="VCROSDMonoRUSbyD" panose="02000609000000000000" pitchFamily="49" charset="0"/>
+              </a:rPr>
+              <a:t>        </a:t>
+            </a:r>
+            <a:r>
+              <a:rPr kumimoji="0" lang="ru-RU" altLang="ru-RU" sz="1000" b="0" i="0" u="none" strike="noStrike" cap="none" normalizeH="0" baseline="0" dirty="0" err="1">
+                <a:ln>
+                  <a:noFill/>
+                </a:ln>
+                <a:solidFill>
+                  <a:srgbClr val="94558D"/>
+                </a:solidFill>
+                <a:effectLst/>
+                <a:latin typeface="VCROSDMonoRUSbyD" panose="02000609000000000000" pitchFamily="49" charset="0"/>
+                <a:ea typeface="VCROSDMonoRUSbyD" panose="02000609000000000000" pitchFamily="49" charset="0"/>
+              </a:rPr>
+              <a:t>self</a:t>
+            </a:r>
+            <a:r>
+              <a:rPr kumimoji="0" lang="ru-RU" altLang="ru-RU" sz="1000" b="0" i="0" u="none" strike="noStrike" cap="none" normalizeH="0" baseline="0" dirty="0" err="1">
+                <a:ln>
+                  <a:noFill/>
+                </a:ln>
+                <a:solidFill>
+                  <a:srgbClr val="A9B7C6"/>
+                </a:solidFill>
+                <a:effectLst/>
+                <a:latin typeface="VCROSDMonoRUSbyD" panose="02000609000000000000" pitchFamily="49" charset="0"/>
+                <a:ea typeface="VCROSDMonoRUSbyD" panose="02000609000000000000" pitchFamily="49" charset="0"/>
+              </a:rPr>
+              <a:t>.curr_grid_pos</a:t>
+            </a:r>
+            <a:r>
+              <a:rPr kumimoji="0" lang="ru-RU" altLang="ru-RU" sz="1000" b="0" i="0" u="none" strike="noStrike" cap="none" normalizeH="0" baseline="0" dirty="0">
+                <a:ln>
+                  <a:noFill/>
+                </a:ln>
+                <a:solidFill>
+                  <a:srgbClr val="A9B7C6"/>
+                </a:solidFill>
+                <a:effectLst/>
+                <a:latin typeface="VCROSDMonoRUSbyD" panose="02000609000000000000" pitchFamily="49" charset="0"/>
+                <a:ea typeface="VCROSDMonoRUSbyD" panose="02000609000000000000" pitchFamily="49" charset="0"/>
+              </a:rPr>
+              <a:t>[</a:t>
+            </a:r>
+            <a:r>
+              <a:rPr kumimoji="0" lang="ru-RU" altLang="ru-RU" sz="1000" b="0" i="0" u="none" strike="noStrike" cap="none" normalizeH="0" baseline="0" dirty="0">
+                <a:ln>
+                  <a:noFill/>
+                </a:ln>
+                <a:solidFill>
+                  <a:srgbClr val="6897BB"/>
+                </a:solidFill>
+                <a:effectLst/>
+                <a:latin typeface="VCROSDMonoRUSbyD" panose="02000609000000000000" pitchFamily="49" charset="0"/>
+                <a:ea typeface="VCROSDMonoRUSbyD" panose="02000609000000000000" pitchFamily="49" charset="0"/>
+              </a:rPr>
+              <a:t>1</a:t>
+            </a:r>
+            <a:r>
+              <a:rPr kumimoji="0" lang="ru-RU" altLang="ru-RU" sz="1000" b="0" i="0" u="none" strike="noStrike" cap="none" normalizeH="0" baseline="0" dirty="0">
+                <a:ln>
+                  <a:noFill/>
+                </a:ln>
+                <a:solidFill>
+                  <a:srgbClr val="A9B7C6"/>
+                </a:solidFill>
+                <a:effectLst/>
+                <a:latin typeface="VCROSDMonoRUSbyD" panose="02000609000000000000" pitchFamily="49" charset="0"/>
+                <a:ea typeface="VCROSDMonoRUSbyD" panose="02000609000000000000" pitchFamily="49" charset="0"/>
+              </a:rPr>
+              <a:t>] += </a:t>
+            </a:r>
+            <a:r>
+              <a:rPr kumimoji="0" lang="ru-RU" altLang="ru-RU" sz="1000" b="0" i="0" u="none" strike="noStrike" cap="none" normalizeH="0" baseline="0" dirty="0" err="1">
+                <a:ln>
+                  <a:noFill/>
+                </a:ln>
+                <a:solidFill>
+                  <a:srgbClr val="A9B7C6"/>
+                </a:solidFill>
+                <a:effectLst/>
+                <a:latin typeface="VCROSDMonoRUSbyD" panose="02000609000000000000" pitchFamily="49" charset="0"/>
+                <a:ea typeface="VCROSDMonoRUSbyD" panose="02000609000000000000" pitchFamily="49" charset="0"/>
+              </a:rPr>
+              <a:t>event.y</a:t>
+            </a:r>
+            <a:r>
+              <a:rPr kumimoji="0" lang="ru-RU" altLang="ru-RU" sz="1000" b="0" i="0" u="none" strike="noStrike" cap="none" normalizeH="0" baseline="0" dirty="0">
+                <a:ln>
+                  <a:noFill/>
+                </a:ln>
+                <a:solidFill>
+                  <a:srgbClr val="A9B7C6"/>
+                </a:solidFill>
+                <a:effectLst/>
+                <a:latin typeface="VCROSDMonoRUSbyD" panose="02000609000000000000" pitchFamily="49" charset="0"/>
+                <a:ea typeface="VCROSDMonoRUSbyD" panose="02000609000000000000" pitchFamily="49" charset="0"/>
+              </a:rPr>
+              <a:t>() - </a:t>
+            </a:r>
+            <a:r>
+              <a:rPr kumimoji="0" lang="ru-RU" altLang="ru-RU" sz="1000" b="0" i="0" u="none" strike="noStrike" cap="none" normalizeH="0" baseline="0" dirty="0" err="1">
+                <a:ln>
+                  <a:noFill/>
+                </a:ln>
+                <a:solidFill>
+                  <a:srgbClr val="94558D"/>
+                </a:solidFill>
+                <a:effectLst/>
+                <a:latin typeface="VCROSDMonoRUSbyD" panose="02000609000000000000" pitchFamily="49" charset="0"/>
+                <a:ea typeface="VCROSDMonoRUSbyD" panose="02000609000000000000" pitchFamily="49" charset="0"/>
+              </a:rPr>
+              <a:t>self</a:t>
+            </a:r>
+            <a:r>
+              <a:rPr kumimoji="0" lang="ru-RU" altLang="ru-RU" sz="1000" b="0" i="0" u="none" strike="noStrike" cap="none" normalizeH="0" baseline="0" dirty="0" err="1">
+                <a:ln>
+                  <a:noFill/>
+                </a:ln>
+                <a:solidFill>
+                  <a:srgbClr val="A9B7C6"/>
+                </a:solidFill>
+                <a:effectLst/>
+                <a:latin typeface="VCROSDMonoRUSbyD" panose="02000609000000000000" pitchFamily="49" charset="0"/>
+                <a:ea typeface="VCROSDMonoRUSbyD" panose="02000609000000000000" pitchFamily="49" charset="0"/>
+              </a:rPr>
+              <a:t>.rb_y</a:t>
+            </a:r>
+            <a:br>
+              <a:rPr kumimoji="0" lang="ru-RU" altLang="ru-RU" sz="1000" b="0" i="0" u="none" strike="noStrike" cap="none" normalizeH="0" baseline="0" dirty="0">
+                <a:ln>
+                  <a:noFill/>
+                </a:ln>
+                <a:solidFill>
+                  <a:srgbClr val="A9B7C6"/>
+                </a:solidFill>
+                <a:effectLst/>
+                <a:latin typeface="VCROSDMonoRUSbyD" panose="02000609000000000000" pitchFamily="49" charset="0"/>
+                <a:ea typeface="VCROSDMonoRUSbyD" panose="02000609000000000000" pitchFamily="49" charset="0"/>
+              </a:rPr>
+            </a:br>
+            <a:r>
+              <a:rPr kumimoji="0" lang="ru-RU" altLang="ru-RU" sz="1000" b="0" i="0" u="none" strike="noStrike" cap="none" normalizeH="0" baseline="0" dirty="0">
+                <a:ln>
+                  <a:noFill/>
+                </a:ln>
+                <a:solidFill>
+                  <a:srgbClr val="A9B7C6"/>
+                </a:solidFill>
+                <a:effectLst/>
+                <a:latin typeface="VCROSDMonoRUSbyD" panose="02000609000000000000" pitchFamily="49" charset="0"/>
+                <a:ea typeface="VCROSDMonoRUSbyD" panose="02000609000000000000" pitchFamily="49" charset="0"/>
+              </a:rPr>
+              <a:t>        </a:t>
+            </a:r>
+            <a:r>
+              <a:rPr kumimoji="0" lang="ru-RU" altLang="ru-RU" sz="1000" b="0" i="0" u="none" strike="noStrike" cap="none" normalizeH="0" baseline="0" dirty="0" err="1">
+                <a:ln>
+                  <a:noFill/>
+                </a:ln>
+                <a:solidFill>
+                  <a:srgbClr val="94558D"/>
+                </a:solidFill>
+                <a:effectLst/>
+                <a:latin typeface="VCROSDMonoRUSbyD" panose="02000609000000000000" pitchFamily="49" charset="0"/>
+                <a:ea typeface="VCROSDMonoRUSbyD" panose="02000609000000000000" pitchFamily="49" charset="0"/>
+              </a:rPr>
+              <a:t>self</a:t>
+            </a:r>
+            <a:r>
+              <a:rPr kumimoji="0" lang="ru-RU" altLang="ru-RU" sz="1000" b="0" i="0" u="none" strike="noStrike" cap="none" normalizeH="0" baseline="0" dirty="0" err="1">
+                <a:ln>
+                  <a:noFill/>
+                </a:ln>
+                <a:solidFill>
+                  <a:srgbClr val="A9B7C6"/>
+                </a:solidFill>
+                <a:effectLst/>
+                <a:latin typeface="VCROSDMonoRUSbyD" panose="02000609000000000000" pitchFamily="49" charset="0"/>
+                <a:ea typeface="VCROSDMonoRUSbyD" panose="02000609000000000000" pitchFamily="49" charset="0"/>
+              </a:rPr>
+              <a:t>.rb_x</a:t>
+            </a:r>
+            <a:r>
+              <a:rPr kumimoji="0" lang="ru-RU" altLang="ru-RU" sz="1000" b="0" i="0" u="none" strike="noStrike" cap="none" normalizeH="0" baseline="0" dirty="0">
+                <a:ln>
+                  <a:noFill/>
+                </a:ln>
+                <a:solidFill>
+                  <a:srgbClr val="A9B7C6"/>
+                </a:solidFill>
+                <a:effectLst/>
+                <a:latin typeface="VCROSDMonoRUSbyD" panose="02000609000000000000" pitchFamily="49" charset="0"/>
+                <a:ea typeface="VCROSDMonoRUSbyD" panose="02000609000000000000" pitchFamily="49" charset="0"/>
+              </a:rPr>
+              <a:t> = </a:t>
+            </a:r>
+            <a:r>
+              <a:rPr kumimoji="0" lang="ru-RU" altLang="ru-RU" sz="1000" b="0" i="0" u="none" strike="noStrike" cap="none" normalizeH="0" baseline="0" dirty="0" err="1">
+                <a:ln>
+                  <a:noFill/>
+                </a:ln>
+                <a:solidFill>
+                  <a:srgbClr val="A9B7C6"/>
+                </a:solidFill>
+                <a:effectLst/>
+                <a:latin typeface="VCROSDMonoRUSbyD" panose="02000609000000000000" pitchFamily="49" charset="0"/>
+                <a:ea typeface="VCROSDMonoRUSbyD" panose="02000609000000000000" pitchFamily="49" charset="0"/>
+              </a:rPr>
+              <a:t>event.x</a:t>
+            </a:r>
+            <a:r>
+              <a:rPr kumimoji="0" lang="ru-RU" altLang="ru-RU" sz="1000" b="0" i="0" u="none" strike="noStrike" cap="none" normalizeH="0" baseline="0" dirty="0">
+                <a:ln>
+                  <a:noFill/>
+                </a:ln>
+                <a:solidFill>
+                  <a:srgbClr val="A9B7C6"/>
+                </a:solidFill>
+                <a:effectLst/>
+                <a:latin typeface="VCROSDMonoRUSbyD" panose="02000609000000000000" pitchFamily="49" charset="0"/>
+                <a:ea typeface="VCROSDMonoRUSbyD" panose="02000609000000000000" pitchFamily="49" charset="0"/>
+              </a:rPr>
+              <a:t>()</a:t>
+            </a:r>
+            <a:br>
+              <a:rPr kumimoji="0" lang="ru-RU" altLang="ru-RU" sz="1000" b="0" i="0" u="none" strike="noStrike" cap="none" normalizeH="0" baseline="0" dirty="0">
+                <a:ln>
+                  <a:noFill/>
+                </a:ln>
+                <a:solidFill>
+                  <a:srgbClr val="A9B7C6"/>
+                </a:solidFill>
+                <a:effectLst/>
+                <a:latin typeface="VCROSDMonoRUSbyD" panose="02000609000000000000" pitchFamily="49" charset="0"/>
+                <a:ea typeface="VCROSDMonoRUSbyD" panose="02000609000000000000" pitchFamily="49" charset="0"/>
+              </a:rPr>
+            </a:br>
+            <a:r>
+              <a:rPr kumimoji="0" lang="ru-RU" altLang="ru-RU" sz="1000" b="0" i="0" u="none" strike="noStrike" cap="none" normalizeH="0" baseline="0" dirty="0">
+                <a:ln>
+                  <a:noFill/>
+                </a:ln>
+                <a:solidFill>
+                  <a:srgbClr val="A9B7C6"/>
+                </a:solidFill>
+                <a:effectLst/>
+                <a:latin typeface="VCROSDMonoRUSbyD" panose="02000609000000000000" pitchFamily="49" charset="0"/>
+                <a:ea typeface="VCROSDMonoRUSbyD" panose="02000609000000000000" pitchFamily="49" charset="0"/>
+              </a:rPr>
+              <a:t>        </a:t>
+            </a:r>
+            <a:r>
+              <a:rPr kumimoji="0" lang="ru-RU" altLang="ru-RU" sz="1000" b="0" i="0" u="none" strike="noStrike" cap="none" normalizeH="0" baseline="0" dirty="0" err="1">
+                <a:ln>
+                  <a:noFill/>
+                </a:ln>
+                <a:solidFill>
+                  <a:srgbClr val="94558D"/>
+                </a:solidFill>
+                <a:effectLst/>
+                <a:latin typeface="VCROSDMonoRUSbyD" panose="02000609000000000000" pitchFamily="49" charset="0"/>
+                <a:ea typeface="VCROSDMonoRUSbyD" panose="02000609000000000000" pitchFamily="49" charset="0"/>
+              </a:rPr>
+              <a:t>self</a:t>
+            </a:r>
+            <a:r>
+              <a:rPr kumimoji="0" lang="ru-RU" altLang="ru-RU" sz="1000" b="0" i="0" u="none" strike="noStrike" cap="none" normalizeH="0" baseline="0" dirty="0" err="1">
+                <a:ln>
+                  <a:noFill/>
+                </a:ln>
+                <a:solidFill>
+                  <a:srgbClr val="A9B7C6"/>
+                </a:solidFill>
+                <a:effectLst/>
+                <a:latin typeface="VCROSDMonoRUSbyD" panose="02000609000000000000" pitchFamily="49" charset="0"/>
+                <a:ea typeface="VCROSDMonoRUSbyD" panose="02000609000000000000" pitchFamily="49" charset="0"/>
+              </a:rPr>
+              <a:t>.rb_y</a:t>
+            </a:r>
+            <a:r>
+              <a:rPr kumimoji="0" lang="ru-RU" altLang="ru-RU" sz="1000" b="0" i="0" u="none" strike="noStrike" cap="none" normalizeH="0" baseline="0" dirty="0">
+                <a:ln>
+                  <a:noFill/>
+                </a:ln>
+                <a:solidFill>
+                  <a:srgbClr val="A9B7C6"/>
+                </a:solidFill>
+                <a:effectLst/>
+                <a:latin typeface="VCROSDMonoRUSbyD" panose="02000609000000000000" pitchFamily="49" charset="0"/>
+                <a:ea typeface="VCROSDMonoRUSbyD" panose="02000609000000000000" pitchFamily="49" charset="0"/>
+              </a:rPr>
+              <a:t> = </a:t>
+            </a:r>
+            <a:r>
+              <a:rPr kumimoji="0" lang="ru-RU" altLang="ru-RU" sz="1000" b="0" i="0" u="none" strike="noStrike" cap="none" normalizeH="0" baseline="0" dirty="0" err="1">
+                <a:ln>
+                  <a:noFill/>
+                </a:ln>
+                <a:solidFill>
+                  <a:srgbClr val="A9B7C6"/>
+                </a:solidFill>
+                <a:effectLst/>
+                <a:latin typeface="VCROSDMonoRUSbyD" panose="02000609000000000000" pitchFamily="49" charset="0"/>
+                <a:ea typeface="VCROSDMonoRUSbyD" panose="02000609000000000000" pitchFamily="49" charset="0"/>
+              </a:rPr>
+              <a:t>event.y</a:t>
+            </a:r>
+            <a:r>
+              <a:rPr kumimoji="0" lang="ru-RU" altLang="ru-RU" sz="1000" b="0" i="0" u="none" strike="noStrike" cap="none" normalizeH="0" baseline="0" dirty="0">
+                <a:ln>
+                  <a:noFill/>
+                </a:ln>
+                <a:solidFill>
+                  <a:srgbClr val="A9B7C6"/>
+                </a:solidFill>
+                <a:effectLst/>
+                <a:latin typeface="VCROSDMonoRUSbyD" panose="02000609000000000000" pitchFamily="49" charset="0"/>
+                <a:ea typeface="VCROSDMonoRUSbyD" panose="02000609000000000000" pitchFamily="49" charset="0"/>
+              </a:rPr>
+              <a:t>()</a:t>
+            </a:r>
+            <a:br>
+              <a:rPr kumimoji="0" lang="ru-RU" altLang="ru-RU" sz="1000" b="0" i="0" u="none" strike="noStrike" cap="none" normalizeH="0" baseline="0" dirty="0">
+                <a:ln>
+                  <a:noFill/>
+                </a:ln>
+                <a:solidFill>
+                  <a:srgbClr val="A9B7C6"/>
+                </a:solidFill>
+                <a:effectLst/>
+                <a:latin typeface="VCROSDMonoRUSbyD" panose="02000609000000000000" pitchFamily="49" charset="0"/>
+                <a:ea typeface="VCROSDMonoRUSbyD" panose="02000609000000000000" pitchFamily="49" charset="0"/>
+              </a:rPr>
+            </a:br>
+            <a:r>
+              <a:rPr kumimoji="0" lang="ru-RU" altLang="ru-RU" sz="1000" b="0" i="0" u="none" strike="noStrike" cap="none" normalizeH="0" baseline="0" dirty="0">
+                <a:ln>
+                  <a:noFill/>
+                </a:ln>
+                <a:solidFill>
+                  <a:srgbClr val="A9B7C6"/>
+                </a:solidFill>
+                <a:effectLst/>
+                <a:latin typeface="VCROSDMonoRUSbyD" panose="02000609000000000000" pitchFamily="49" charset="0"/>
+                <a:ea typeface="VCROSDMonoRUSbyD" panose="02000609000000000000" pitchFamily="49" charset="0"/>
+              </a:rPr>
+              <a:t>        </a:t>
+            </a:r>
+            <a:r>
+              <a:rPr kumimoji="0" lang="ru-RU" altLang="ru-RU" sz="1000" b="0" i="0" u="none" strike="noStrike" cap="none" normalizeH="0" baseline="0" dirty="0" err="1">
+                <a:ln>
+                  <a:noFill/>
+                </a:ln>
+                <a:solidFill>
+                  <a:srgbClr val="94558D"/>
+                </a:solidFill>
+                <a:effectLst/>
+                <a:latin typeface="VCROSDMonoRUSbyD" panose="02000609000000000000" pitchFamily="49" charset="0"/>
+                <a:ea typeface="VCROSDMonoRUSbyD" panose="02000609000000000000" pitchFamily="49" charset="0"/>
+              </a:rPr>
+              <a:t>self</a:t>
+            </a:r>
+            <a:r>
+              <a:rPr kumimoji="0" lang="ru-RU" altLang="ru-RU" sz="1000" b="0" i="0" u="none" strike="noStrike" cap="none" normalizeH="0" baseline="0" dirty="0" err="1">
+                <a:ln>
+                  <a:noFill/>
+                </a:ln>
+                <a:solidFill>
+                  <a:srgbClr val="A9B7C6"/>
+                </a:solidFill>
+                <a:effectLst/>
+                <a:latin typeface="VCROSDMonoRUSbyD" panose="02000609000000000000" pitchFamily="49" charset="0"/>
+                <a:ea typeface="VCROSDMonoRUSbyD" panose="02000609000000000000" pitchFamily="49" charset="0"/>
+              </a:rPr>
+              <a:t>.repaint</a:t>
+            </a:r>
+            <a:r>
+              <a:rPr kumimoji="0" lang="ru-RU" altLang="ru-RU" sz="1000" b="0" i="0" u="none" strike="noStrike" cap="none" normalizeH="0" baseline="0" dirty="0">
+                <a:ln>
+                  <a:noFill/>
+                </a:ln>
+                <a:solidFill>
+                  <a:srgbClr val="A9B7C6"/>
+                </a:solidFill>
+                <a:effectLst/>
+                <a:latin typeface="VCROSDMonoRUSbyD" panose="02000609000000000000" pitchFamily="49" charset="0"/>
+                <a:ea typeface="VCROSDMonoRUSbyD" panose="02000609000000000000" pitchFamily="49" charset="0"/>
+              </a:rPr>
+              <a:t>()</a:t>
+            </a:r>
+            <a:endParaRPr kumimoji="0" lang="ru-RU" altLang="ru-RU" sz="1800" b="0" i="0" u="none" strike="noStrike" cap="none" normalizeH="0" baseline="0" dirty="0">
+              <a:ln>
+                <a:noFill/>
+              </a:ln>
+              <a:solidFill>
+                <a:schemeClr val="tx1"/>
+              </a:solidFill>
+              <a:effectLst/>
+              <a:latin typeface="VCROSDMonoRUSbyD" panose="02000609000000000000" pitchFamily="49" charset="0"/>
+              <a:ea typeface="VCROSDMonoRUSbyD" panose="02000609000000000000" pitchFamily="49" charset="0"/>
+            </a:endParaRPr>
+          </a:p>
+        </p:txBody>
+      </p:sp>
+      <p:sp>
+        <p:nvSpPr>
+          <p:cNvPr id="7" name="TextBox 6">
+            <a:extLst>
+              <a:ext uri="{FF2B5EF4-FFF2-40B4-BE49-F238E27FC236}">
+                <a16:creationId xmlns:a16="http://schemas.microsoft.com/office/drawing/2014/main" id="{0F6CE7DB-1756-F4B5-6439-CCB2E6DD9EAA}"/>
+              </a:ext>
+            </a:extLst>
+          </p:cNvPr>
+          <p:cNvSpPr txBox="1"/>
+          <p:nvPr/>
+        </p:nvSpPr>
+        <p:spPr>
+          <a:xfrm>
+            <a:off x="668770" y="1614542"/>
+            <a:ext cx="11012666" cy="369332"/>
+          </a:xfrm>
+          <a:prstGeom prst="rect">
+            <a:avLst/>
+          </a:prstGeom>
+          <a:noFill/>
+          <a:ln>
+            <a:solidFill>
+              <a:schemeClr val="bg1"/>
+            </a:solidFill>
+          </a:ln>
+        </p:spPr>
+        <p:txBody>
+          <a:bodyPr wrap="square" rtlCol="0">
+            <a:spAutoFit/>
+          </a:bodyPr>
+          <a:lstStyle/>
+          <a:p>
+            <a:r>
+              <a:rPr lang="ru-RU" dirty="0">
+                <a:solidFill>
+                  <a:schemeClr val="bg1"/>
+                </a:solidFill>
+                <a:latin typeface="VCROSDMonoRUSbyD" panose="02000609000000000000" pitchFamily="49" charset="0"/>
+                <a:ea typeface="VCROSDMonoRUSbyD" panose="02000609000000000000" pitchFamily="49" charset="0"/>
+              </a:rPr>
+              <a:t>Обработка движений мыши</a:t>
+            </a:r>
+          </a:p>
+        </p:txBody>
+      </p:sp>
+    </p:spTree>
+    <p:extLst>
+      <p:ext uri="{BB962C8B-B14F-4D97-AF65-F5344CB8AC3E}">
+        <p14:creationId xmlns:p14="http://schemas.microsoft.com/office/powerpoint/2010/main" val="1997731030"/>
+      </p:ext>
+    </p:extLst>
+  </p:cSld>
+  <p:clrMapOvr>
+    <a:masterClrMapping/>
+  </p:clrMapOvr>
+</p:sld>
+</file>
+
+<file path=ppt/slides/slide6.xml><?xml version="1.0" encoding="utf-8"?>
+<p:sld xmlns:a="http://schemas.openxmlformats.org/drawingml/2006/main" xmlns:r="http://schemas.openxmlformats.org/officeDocument/2006/relationships" xmlns:p="http://schemas.openxmlformats.org/presentationml/2006/main">
+  <p:cSld>
+    <p:bg>
+      <p:bgPr>
+        <a:solidFill>
+          <a:schemeClr val="tx1"/>
+        </a:solidFill>
+        <a:effectLst/>
+      </p:bgPr>
+    </p:bg>
+    <p:spTree>
+      <p:nvGrpSpPr>
+        <p:cNvPr id="1" name=""/>
+        <p:cNvGrpSpPr/>
+        <p:nvPr/>
+      </p:nvGrpSpPr>
+      <p:grpSpPr>
+        <a:xfrm>
+          <a:off x="0" y="0"/>
+          <a:ext cx="0" cy="0"/>
+          <a:chOff x="0" y="0"/>
+          <a:chExt cx="0" cy="0"/>
+        </a:xfrm>
+      </p:grpSpPr>
+      <p:pic>
+        <p:nvPicPr>
+          <p:cNvPr id="16" name="Рисунок 15">
+            <a:extLst>
+              <a:ext uri="{FF2B5EF4-FFF2-40B4-BE49-F238E27FC236}">
+                <a16:creationId xmlns:a16="http://schemas.microsoft.com/office/drawing/2014/main" id="{8BB7BAC9-9949-4156-FA1B-13B89CEBE35D}"/>
+              </a:ext>
+            </a:extLst>
+          </p:cNvPr>
+          <p:cNvPicPr>
+            <a:picLocks noChangeAspect="1"/>
+          </p:cNvPicPr>
+          <p:nvPr/>
+        </p:nvPicPr>
+        <p:blipFill>
+          <a:blip r:embed="rId2"/>
+          <a:stretch>
+            <a:fillRect/>
+          </a:stretch>
+        </p:blipFill>
+        <p:spPr>
+          <a:xfrm>
+            <a:off x="10841833" y="5641327"/>
+            <a:ext cx="704850" cy="704850"/>
+          </a:xfrm>
+          <a:prstGeom prst="rect">
+            <a:avLst/>
+          </a:prstGeom>
+        </p:spPr>
+      </p:pic>
+      <p:sp>
+        <p:nvSpPr>
+          <p:cNvPr id="2" name="Заголовок 1">
+            <a:extLst>
+              <a:ext uri="{FF2B5EF4-FFF2-40B4-BE49-F238E27FC236}">
+                <a16:creationId xmlns:a16="http://schemas.microsoft.com/office/drawing/2014/main" id="{6FCE2D56-872C-DA0F-416D-CE7667DB9D18}"/>
+              </a:ext>
+            </a:extLst>
+          </p:cNvPr>
+          <p:cNvSpPr>
+            <a:spLocks noGrp="1"/>
+          </p:cNvSpPr>
+          <p:nvPr>
+            <p:ph type="ctrTitle"/>
+          </p:nvPr>
+        </p:nvSpPr>
+        <p:spPr>
+          <a:xfrm>
+            <a:off x="244799" y="429450"/>
+            <a:ext cx="5222350" cy="919162"/>
+          </a:xfrm>
+          <a:solidFill>
+            <a:schemeClr val="bg1"/>
+          </a:solidFill>
+        </p:spPr>
+        <p:txBody>
+          <a:bodyPr>
+            <a:normAutofit/>
+          </a:bodyPr>
+          <a:lstStyle/>
+          <a:p>
+            <a:pPr algn="l"/>
+            <a:r>
+              <a:rPr lang="en-US" sz="4800" dirty="0">
+                <a:latin typeface="VCR OSD Mono [RUS by Daymarius]" panose="02000609000000000000" pitchFamily="49" charset="0"/>
+              </a:rPr>
+              <a:t>&gt;&gt;Another code</a:t>
+            </a:r>
+            <a:endParaRPr lang="ru-RU" sz="4800" dirty="0">
+              <a:latin typeface="VCR OSD Mono [RUS by Daymarius]" panose="02000609000000000000" pitchFamily="49" charset="0"/>
+            </a:endParaRPr>
+          </a:p>
+        </p:txBody>
+      </p:sp>
+      <p:sp>
+        <p:nvSpPr>
+          <p:cNvPr id="7" name="TextBox 6">
+            <a:extLst>
+              <a:ext uri="{FF2B5EF4-FFF2-40B4-BE49-F238E27FC236}">
+                <a16:creationId xmlns:a16="http://schemas.microsoft.com/office/drawing/2014/main" id="{0F6CE7DB-1756-F4B5-6439-CCB2E6DD9EAA}"/>
+              </a:ext>
+            </a:extLst>
+          </p:cNvPr>
+          <p:cNvSpPr txBox="1"/>
+          <p:nvPr/>
+        </p:nvSpPr>
+        <p:spPr>
+          <a:xfrm>
+            <a:off x="544280" y="2600431"/>
+            <a:ext cx="11103440" cy="369332"/>
+          </a:xfrm>
+          <a:prstGeom prst="rect">
+            <a:avLst/>
+          </a:prstGeom>
+          <a:noFill/>
+          <a:ln>
+            <a:solidFill>
+              <a:schemeClr val="bg1"/>
+            </a:solidFill>
+          </a:ln>
+        </p:spPr>
+        <p:txBody>
+          <a:bodyPr wrap="square" rtlCol="0">
+            <a:spAutoFit/>
+          </a:bodyPr>
+          <a:lstStyle/>
+          <a:p>
+            <a:r>
+              <a:rPr lang="ru-RU" dirty="0">
+                <a:solidFill>
+                  <a:schemeClr val="bg1"/>
+                </a:solidFill>
+                <a:latin typeface="VCROSDMonoRUSbyD" panose="02000609000000000000" pitchFamily="49" charset="0"/>
+                <a:ea typeface="VCROSDMonoRUSbyD" panose="02000609000000000000" pitchFamily="49" charset="0"/>
+              </a:rPr>
+              <a:t>Обработка колеса мыши</a:t>
+            </a:r>
+          </a:p>
+        </p:txBody>
+      </p:sp>
+      <p:sp>
+        <p:nvSpPr>
+          <p:cNvPr id="4" name="Rectangle 2">
+            <a:extLst>
+              <a:ext uri="{FF2B5EF4-FFF2-40B4-BE49-F238E27FC236}">
+                <a16:creationId xmlns:a16="http://schemas.microsoft.com/office/drawing/2014/main" id="{8C12C558-D326-0AF5-FF11-415A249126CD}"/>
+              </a:ext>
+            </a:extLst>
+          </p:cNvPr>
+          <p:cNvSpPr>
+            <a:spLocks noChangeArrowheads="1"/>
+          </p:cNvSpPr>
+          <p:nvPr/>
+        </p:nvSpPr>
+        <p:spPr bwMode="auto">
+          <a:xfrm>
+            <a:off x="544280" y="2978583"/>
+            <a:ext cx="11103441" cy="1323439"/>
+          </a:xfrm>
+          <a:prstGeom prst="rect">
+            <a:avLst/>
+          </a:prstGeom>
+          <a:noFill/>
+          <a:ln>
+            <a:solidFill>
+              <a:schemeClr val="bg1"/>
+            </a:solidFill>
+          </a:ln>
+          <a:effectLst/>
+        </p:spPr>
+        <p:txBody>
+          <a:bodyPr vert="horz" wrap="square" lIns="91440" tIns="45720" rIns="91440" bIns="45720" numCol="1" anchor="ctr" anchorCtr="0" compatLnSpc="1">
+            <a:prstTxWarp prst="textNoShape">
+              <a:avLst/>
+            </a:prstTxWarp>
+            <a:spAutoFit/>
+          </a:bodyPr>
+          <a:lstStyle/>
+          <a:p>
+            <a:pPr marL="0" marR="0" lvl="0" indent="0" algn="l" defTabSz="914400" rtl="0" eaLnBrk="0" fontAlgn="base" latinLnBrk="0" hangingPunct="0">
+              <a:lnSpc>
+                <a:spcPct val="100000"/>
+              </a:lnSpc>
+              <a:spcBef>
+                <a:spcPct val="0"/>
+              </a:spcBef>
+              <a:spcAft>
+                <a:spcPct val="0"/>
+              </a:spcAft>
+              <a:buClrTx/>
+              <a:buSzTx/>
+              <a:buFontTx/>
+              <a:buNone/>
+              <a:tabLst/>
+            </a:pPr>
+            <a:r>
+              <a:rPr kumimoji="0" lang="ru-RU" altLang="ru-RU" sz="1000" b="0" i="0" u="none" strike="noStrike" cap="none" normalizeH="0" baseline="0" dirty="0" err="1">
+                <a:ln>
+                  <a:noFill/>
+                </a:ln>
+                <a:solidFill>
+                  <a:srgbClr val="CC7832"/>
+                </a:solidFill>
+                <a:effectLst/>
+                <a:latin typeface="VCROSDMonoRUSbyD" panose="02000609000000000000" pitchFamily="49" charset="0"/>
+                <a:ea typeface="VCROSDMonoRUSbyD" panose="02000609000000000000" pitchFamily="49" charset="0"/>
+              </a:rPr>
+              <a:t>def</a:t>
+            </a:r>
+            <a:r>
+              <a:rPr kumimoji="0" lang="ru-RU" altLang="ru-RU" sz="1000" b="0" i="0" u="none" strike="noStrike" cap="none" normalizeH="0" baseline="0" dirty="0">
+                <a:ln>
+                  <a:noFill/>
+                </a:ln>
+                <a:solidFill>
+                  <a:srgbClr val="CC7832"/>
+                </a:solidFill>
+                <a:effectLst/>
+                <a:latin typeface="VCROSDMonoRUSbyD" panose="02000609000000000000" pitchFamily="49" charset="0"/>
+                <a:ea typeface="VCROSDMonoRUSbyD" panose="02000609000000000000" pitchFamily="49" charset="0"/>
+              </a:rPr>
+              <a:t> </a:t>
+            </a:r>
+            <a:r>
+              <a:rPr kumimoji="0" lang="ru-RU" altLang="ru-RU" sz="1000" b="0" i="0" u="none" strike="noStrike" cap="none" normalizeH="0" baseline="0" dirty="0" err="1">
+                <a:ln>
+                  <a:noFill/>
+                </a:ln>
+                <a:solidFill>
+                  <a:srgbClr val="FFC66D"/>
+                </a:solidFill>
+                <a:effectLst/>
+                <a:latin typeface="VCROSDMonoRUSbyD" panose="02000609000000000000" pitchFamily="49" charset="0"/>
+                <a:ea typeface="VCROSDMonoRUSbyD" panose="02000609000000000000" pitchFamily="49" charset="0"/>
+              </a:rPr>
+              <a:t>wheelEvent</a:t>
+            </a:r>
+            <a:r>
+              <a:rPr kumimoji="0" lang="ru-RU" altLang="ru-RU" sz="1000" b="0" i="0" u="none" strike="noStrike" cap="none" normalizeH="0" baseline="0" dirty="0">
+                <a:ln>
+                  <a:noFill/>
+                </a:ln>
+                <a:solidFill>
+                  <a:srgbClr val="A9B7C6"/>
+                </a:solidFill>
+                <a:effectLst/>
+                <a:latin typeface="VCROSDMonoRUSbyD" panose="02000609000000000000" pitchFamily="49" charset="0"/>
+                <a:ea typeface="VCROSDMonoRUSbyD" panose="02000609000000000000" pitchFamily="49" charset="0"/>
+              </a:rPr>
+              <a:t>(</a:t>
+            </a:r>
+            <a:r>
+              <a:rPr kumimoji="0" lang="ru-RU" altLang="ru-RU" sz="1000" b="0" i="0" u="none" strike="noStrike" cap="none" normalizeH="0" baseline="0" dirty="0" err="1">
+                <a:ln>
+                  <a:noFill/>
+                </a:ln>
+                <a:solidFill>
+                  <a:srgbClr val="94558D"/>
+                </a:solidFill>
+                <a:effectLst/>
+                <a:latin typeface="VCROSDMonoRUSbyD" panose="02000609000000000000" pitchFamily="49" charset="0"/>
+                <a:ea typeface="VCROSDMonoRUSbyD" panose="02000609000000000000" pitchFamily="49" charset="0"/>
+              </a:rPr>
+              <a:t>self</a:t>
+            </a:r>
+            <a:r>
+              <a:rPr kumimoji="0" lang="ru-RU" altLang="ru-RU" sz="1000" b="0" i="0" u="none" strike="noStrike" cap="none" normalizeH="0" baseline="0" dirty="0">
+                <a:ln>
+                  <a:noFill/>
+                </a:ln>
+                <a:solidFill>
+                  <a:srgbClr val="CC7832"/>
+                </a:solidFill>
+                <a:effectLst/>
+                <a:latin typeface="VCROSDMonoRUSbyD" panose="02000609000000000000" pitchFamily="49" charset="0"/>
+                <a:ea typeface="VCROSDMonoRUSbyD" panose="02000609000000000000" pitchFamily="49" charset="0"/>
+              </a:rPr>
+              <a:t>, </a:t>
+            </a:r>
+            <a:r>
+              <a:rPr kumimoji="0" lang="ru-RU" altLang="ru-RU" sz="1000" b="0" i="0" u="none" strike="noStrike" cap="none" normalizeH="0" baseline="0" dirty="0" err="1">
+                <a:ln>
+                  <a:noFill/>
+                </a:ln>
+                <a:solidFill>
+                  <a:srgbClr val="A9B7C6"/>
+                </a:solidFill>
+                <a:effectLst/>
+                <a:latin typeface="VCROSDMonoRUSbyD" panose="02000609000000000000" pitchFamily="49" charset="0"/>
+                <a:ea typeface="VCROSDMonoRUSbyD" panose="02000609000000000000" pitchFamily="49" charset="0"/>
+              </a:rPr>
+              <a:t>event</a:t>
+            </a:r>
+            <a:r>
+              <a:rPr kumimoji="0" lang="ru-RU" altLang="ru-RU" sz="1000" b="0" i="0" u="none" strike="noStrike" cap="none" normalizeH="0" baseline="0" dirty="0">
+                <a:ln>
+                  <a:noFill/>
+                </a:ln>
+                <a:solidFill>
+                  <a:srgbClr val="A9B7C6"/>
+                </a:solidFill>
+                <a:effectLst/>
+                <a:latin typeface="VCROSDMonoRUSbyD" panose="02000609000000000000" pitchFamily="49" charset="0"/>
+                <a:ea typeface="VCROSDMonoRUSbyD" panose="02000609000000000000" pitchFamily="49" charset="0"/>
+              </a:rPr>
+              <a:t>):</a:t>
+            </a:r>
+            <a:br>
+              <a:rPr kumimoji="0" lang="ru-RU" altLang="ru-RU" sz="1000" b="0" i="0" u="none" strike="noStrike" cap="none" normalizeH="0" baseline="0" dirty="0">
+                <a:ln>
+                  <a:noFill/>
+                </a:ln>
+                <a:solidFill>
+                  <a:srgbClr val="A9B7C6"/>
+                </a:solidFill>
+                <a:effectLst/>
+                <a:latin typeface="VCROSDMonoRUSbyD" panose="02000609000000000000" pitchFamily="49" charset="0"/>
+                <a:ea typeface="VCROSDMonoRUSbyD" panose="02000609000000000000" pitchFamily="49" charset="0"/>
+              </a:rPr>
+            </a:br>
+            <a:r>
+              <a:rPr kumimoji="0" lang="ru-RU" altLang="ru-RU" sz="1000" b="0" i="0" u="none" strike="noStrike" cap="none" normalizeH="0" baseline="0" dirty="0">
+                <a:ln>
+                  <a:noFill/>
+                </a:ln>
+                <a:solidFill>
+                  <a:srgbClr val="A9B7C6"/>
+                </a:solidFill>
+                <a:effectLst/>
+                <a:latin typeface="VCROSDMonoRUSbyD" panose="02000609000000000000" pitchFamily="49" charset="0"/>
+                <a:ea typeface="VCROSDMonoRUSbyD" panose="02000609000000000000" pitchFamily="49" charset="0"/>
+              </a:rPr>
+              <a:t>    </a:t>
+            </a:r>
+            <a:r>
+              <a:rPr kumimoji="0" lang="ru-RU" altLang="ru-RU" sz="1000" b="0" i="0" u="none" strike="noStrike" cap="none" normalizeH="0" baseline="0" dirty="0" err="1">
+                <a:ln>
+                  <a:noFill/>
+                </a:ln>
+                <a:solidFill>
+                  <a:srgbClr val="CC7832"/>
+                </a:solidFill>
+                <a:effectLst/>
+                <a:latin typeface="VCROSDMonoRUSbyD" panose="02000609000000000000" pitchFamily="49" charset="0"/>
+                <a:ea typeface="VCROSDMonoRUSbyD" panose="02000609000000000000" pitchFamily="49" charset="0"/>
+              </a:rPr>
+              <a:t>if</a:t>
+            </a:r>
+            <a:r>
+              <a:rPr kumimoji="0" lang="ru-RU" altLang="ru-RU" sz="1000" b="0" i="0" u="none" strike="noStrike" cap="none" normalizeH="0" baseline="0" dirty="0">
+                <a:ln>
+                  <a:noFill/>
+                </a:ln>
+                <a:solidFill>
+                  <a:srgbClr val="CC7832"/>
+                </a:solidFill>
+                <a:effectLst/>
+                <a:latin typeface="VCROSDMonoRUSbyD" panose="02000609000000000000" pitchFamily="49" charset="0"/>
+                <a:ea typeface="VCROSDMonoRUSbyD" panose="02000609000000000000" pitchFamily="49" charset="0"/>
+              </a:rPr>
+              <a:t> </a:t>
+            </a:r>
+            <a:r>
+              <a:rPr kumimoji="0" lang="ru-RU" altLang="ru-RU" sz="1000" b="0" i="0" u="none" strike="noStrike" cap="none" normalizeH="0" baseline="0" dirty="0" err="1">
+                <a:ln>
+                  <a:noFill/>
+                </a:ln>
+                <a:solidFill>
+                  <a:srgbClr val="CC7832"/>
+                </a:solidFill>
+                <a:effectLst/>
+                <a:latin typeface="VCROSDMonoRUSbyD" panose="02000609000000000000" pitchFamily="49" charset="0"/>
+                <a:ea typeface="VCROSDMonoRUSbyD" panose="02000609000000000000" pitchFamily="49" charset="0"/>
+              </a:rPr>
+              <a:t>not</a:t>
+            </a:r>
+            <a:r>
+              <a:rPr kumimoji="0" lang="ru-RU" altLang="ru-RU" sz="1000" b="0" i="0" u="none" strike="noStrike" cap="none" normalizeH="0" baseline="0" dirty="0">
+                <a:ln>
+                  <a:noFill/>
+                </a:ln>
+                <a:solidFill>
+                  <a:srgbClr val="CC7832"/>
+                </a:solidFill>
+                <a:effectLst/>
+                <a:latin typeface="VCROSDMonoRUSbyD" panose="02000609000000000000" pitchFamily="49" charset="0"/>
+                <a:ea typeface="VCROSDMonoRUSbyD" panose="02000609000000000000" pitchFamily="49" charset="0"/>
+              </a:rPr>
+              <a:t> </a:t>
+            </a:r>
+            <a:r>
+              <a:rPr kumimoji="0" lang="ru-RU" altLang="ru-RU" sz="1000" b="0" i="0" u="none" strike="noStrike" cap="none" normalizeH="0" baseline="0" dirty="0" err="1">
+                <a:ln>
+                  <a:noFill/>
+                </a:ln>
+                <a:solidFill>
+                  <a:srgbClr val="A9B7C6"/>
+                </a:solidFill>
+                <a:effectLst/>
+                <a:latin typeface="VCROSDMonoRUSbyD" panose="02000609000000000000" pitchFamily="49" charset="0"/>
+                <a:ea typeface="VCROSDMonoRUSbyD" panose="02000609000000000000" pitchFamily="49" charset="0"/>
+              </a:rPr>
+              <a:t>event.x</a:t>
+            </a:r>
+            <a:r>
+              <a:rPr kumimoji="0" lang="ru-RU" altLang="ru-RU" sz="1000" b="0" i="0" u="none" strike="noStrike" cap="none" normalizeH="0" baseline="0" dirty="0">
+                <a:ln>
+                  <a:noFill/>
+                </a:ln>
+                <a:solidFill>
+                  <a:srgbClr val="A9B7C6"/>
+                </a:solidFill>
+                <a:effectLst/>
+                <a:latin typeface="VCROSDMonoRUSbyD" panose="02000609000000000000" pitchFamily="49" charset="0"/>
+                <a:ea typeface="VCROSDMonoRUSbyD" panose="02000609000000000000" pitchFamily="49" charset="0"/>
+              </a:rPr>
+              <a:t>() </a:t>
+            </a:r>
+            <a:r>
+              <a:rPr kumimoji="0" lang="ru-RU" altLang="ru-RU" sz="1000" b="0" i="0" u="none" strike="noStrike" cap="none" normalizeH="0" baseline="0" dirty="0" err="1">
+                <a:ln>
+                  <a:noFill/>
+                </a:ln>
+                <a:solidFill>
+                  <a:srgbClr val="CC7832"/>
+                </a:solidFill>
+                <a:effectLst/>
+                <a:latin typeface="VCROSDMonoRUSbyD" panose="02000609000000000000" pitchFamily="49" charset="0"/>
+                <a:ea typeface="VCROSDMonoRUSbyD" panose="02000609000000000000" pitchFamily="49" charset="0"/>
+              </a:rPr>
+              <a:t>in</a:t>
+            </a:r>
+            <a:r>
+              <a:rPr kumimoji="0" lang="ru-RU" altLang="ru-RU" sz="1000" b="0" i="0" u="none" strike="noStrike" cap="none" normalizeH="0" baseline="0" dirty="0">
+                <a:ln>
+                  <a:noFill/>
+                </a:ln>
+                <a:solidFill>
+                  <a:srgbClr val="CC7832"/>
+                </a:solidFill>
+                <a:effectLst/>
+                <a:latin typeface="VCROSDMonoRUSbyD" panose="02000609000000000000" pitchFamily="49" charset="0"/>
+                <a:ea typeface="VCROSDMonoRUSbyD" panose="02000609000000000000" pitchFamily="49" charset="0"/>
+              </a:rPr>
+              <a:t> </a:t>
+            </a:r>
+            <a:r>
+              <a:rPr kumimoji="0" lang="ru-RU" altLang="ru-RU" sz="1000" b="0" i="0" u="none" strike="noStrike" cap="none" normalizeH="0" baseline="0" dirty="0" err="1">
+                <a:ln>
+                  <a:noFill/>
+                </a:ln>
+                <a:solidFill>
+                  <a:srgbClr val="8888C6"/>
+                </a:solidFill>
+                <a:effectLst/>
+                <a:latin typeface="VCROSDMonoRUSbyD" panose="02000609000000000000" pitchFamily="49" charset="0"/>
+                <a:ea typeface="VCROSDMonoRUSbyD" panose="02000609000000000000" pitchFamily="49" charset="0"/>
+              </a:rPr>
+              <a:t>range</a:t>
+            </a:r>
+            <a:r>
+              <a:rPr kumimoji="0" lang="ru-RU" altLang="ru-RU" sz="1000" b="0" i="0" u="none" strike="noStrike" cap="none" normalizeH="0" baseline="0" dirty="0">
+                <a:ln>
+                  <a:noFill/>
+                </a:ln>
+                <a:solidFill>
+                  <a:srgbClr val="A9B7C6"/>
+                </a:solidFill>
+                <a:effectLst/>
+                <a:latin typeface="VCROSDMonoRUSbyD" panose="02000609000000000000" pitchFamily="49" charset="0"/>
+                <a:ea typeface="VCROSDMonoRUSbyD" panose="02000609000000000000" pitchFamily="49" charset="0"/>
+              </a:rPr>
+              <a:t>(</a:t>
+            </a:r>
+            <a:r>
+              <a:rPr kumimoji="0" lang="ru-RU" altLang="ru-RU" sz="1000" b="0" i="0" u="none" strike="noStrike" cap="none" normalizeH="0" baseline="0" dirty="0" err="1">
+                <a:ln>
+                  <a:noFill/>
+                </a:ln>
+                <a:solidFill>
+                  <a:srgbClr val="94558D"/>
+                </a:solidFill>
+                <a:effectLst/>
+                <a:latin typeface="VCROSDMonoRUSbyD" panose="02000609000000000000" pitchFamily="49" charset="0"/>
+                <a:ea typeface="VCROSDMonoRUSbyD" panose="02000609000000000000" pitchFamily="49" charset="0"/>
+              </a:rPr>
+              <a:t>self</a:t>
+            </a:r>
+            <a:r>
+              <a:rPr kumimoji="0" lang="ru-RU" altLang="ru-RU" sz="1000" b="0" i="0" u="none" strike="noStrike" cap="none" normalizeH="0" baseline="0" dirty="0" err="1">
+                <a:ln>
+                  <a:noFill/>
+                </a:ln>
+                <a:solidFill>
+                  <a:srgbClr val="A9B7C6"/>
+                </a:solidFill>
+                <a:effectLst/>
+                <a:latin typeface="VCROSDMonoRUSbyD" panose="02000609000000000000" pitchFamily="49" charset="0"/>
+                <a:ea typeface="VCROSDMonoRUSbyD" panose="02000609000000000000" pitchFamily="49" charset="0"/>
+              </a:rPr>
+              <a:t>.menu_box.pos</a:t>
+            </a:r>
+            <a:r>
+              <a:rPr kumimoji="0" lang="ru-RU" altLang="ru-RU" sz="1000" b="0" i="0" u="none" strike="noStrike" cap="none" normalizeH="0" baseline="0" dirty="0">
+                <a:ln>
+                  <a:noFill/>
+                </a:ln>
+                <a:solidFill>
+                  <a:srgbClr val="A9B7C6"/>
+                </a:solidFill>
+                <a:effectLst/>
+                <a:latin typeface="VCROSDMonoRUSbyD" panose="02000609000000000000" pitchFamily="49" charset="0"/>
+                <a:ea typeface="VCROSDMonoRUSbyD" panose="02000609000000000000" pitchFamily="49" charset="0"/>
+              </a:rPr>
+              <a:t>().x()</a:t>
+            </a:r>
+            <a:r>
+              <a:rPr kumimoji="0" lang="ru-RU" altLang="ru-RU" sz="1000" b="0" i="0" u="none" strike="noStrike" cap="none" normalizeH="0" baseline="0" dirty="0">
+                <a:ln>
+                  <a:noFill/>
+                </a:ln>
+                <a:solidFill>
+                  <a:srgbClr val="CC7832"/>
+                </a:solidFill>
+                <a:effectLst/>
+                <a:latin typeface="VCROSDMonoRUSbyD" panose="02000609000000000000" pitchFamily="49" charset="0"/>
+                <a:ea typeface="VCROSDMonoRUSbyD" panose="02000609000000000000" pitchFamily="49" charset="0"/>
+              </a:rPr>
+              <a:t>, </a:t>
+            </a:r>
+            <a:r>
+              <a:rPr kumimoji="0" lang="ru-RU" altLang="ru-RU" sz="1000" b="0" i="0" u="none" strike="noStrike" cap="none" normalizeH="0" baseline="0" dirty="0" err="1">
+                <a:ln>
+                  <a:noFill/>
+                </a:ln>
+                <a:solidFill>
+                  <a:srgbClr val="94558D"/>
+                </a:solidFill>
+                <a:effectLst/>
+                <a:latin typeface="VCROSDMonoRUSbyD" panose="02000609000000000000" pitchFamily="49" charset="0"/>
+                <a:ea typeface="VCROSDMonoRUSbyD" panose="02000609000000000000" pitchFamily="49" charset="0"/>
+              </a:rPr>
+              <a:t>self</a:t>
+            </a:r>
+            <a:r>
+              <a:rPr kumimoji="0" lang="ru-RU" altLang="ru-RU" sz="1000" b="0" i="0" u="none" strike="noStrike" cap="none" normalizeH="0" baseline="0" dirty="0" err="1">
+                <a:ln>
+                  <a:noFill/>
+                </a:ln>
+                <a:solidFill>
+                  <a:srgbClr val="A9B7C6"/>
+                </a:solidFill>
+                <a:effectLst/>
+                <a:latin typeface="VCROSDMonoRUSbyD" panose="02000609000000000000" pitchFamily="49" charset="0"/>
+                <a:ea typeface="VCROSDMonoRUSbyD" panose="02000609000000000000" pitchFamily="49" charset="0"/>
+              </a:rPr>
+              <a:t>.menu_box.pos</a:t>
+            </a:r>
+            <a:r>
+              <a:rPr kumimoji="0" lang="ru-RU" altLang="ru-RU" sz="1000" b="0" i="0" u="none" strike="noStrike" cap="none" normalizeH="0" baseline="0" dirty="0">
+                <a:ln>
+                  <a:noFill/>
+                </a:ln>
+                <a:solidFill>
+                  <a:srgbClr val="A9B7C6"/>
+                </a:solidFill>
+                <a:effectLst/>
+                <a:latin typeface="VCROSDMonoRUSbyD" panose="02000609000000000000" pitchFamily="49" charset="0"/>
+                <a:ea typeface="VCROSDMonoRUSbyD" panose="02000609000000000000" pitchFamily="49" charset="0"/>
+              </a:rPr>
+              <a:t>().x() + </a:t>
+            </a:r>
+            <a:r>
+              <a:rPr kumimoji="0" lang="ru-RU" altLang="ru-RU" sz="1000" b="0" i="0" u="none" strike="noStrike" cap="none" normalizeH="0" baseline="0" dirty="0" err="1">
+                <a:ln>
+                  <a:noFill/>
+                </a:ln>
+                <a:solidFill>
+                  <a:srgbClr val="94558D"/>
+                </a:solidFill>
+                <a:effectLst/>
+                <a:latin typeface="VCROSDMonoRUSbyD" panose="02000609000000000000" pitchFamily="49" charset="0"/>
+                <a:ea typeface="VCROSDMonoRUSbyD" panose="02000609000000000000" pitchFamily="49" charset="0"/>
+              </a:rPr>
+              <a:t>self</a:t>
+            </a:r>
+            <a:r>
+              <a:rPr kumimoji="0" lang="ru-RU" altLang="ru-RU" sz="1000" b="0" i="0" u="none" strike="noStrike" cap="none" normalizeH="0" baseline="0" dirty="0" err="1">
+                <a:ln>
+                  <a:noFill/>
+                </a:ln>
+                <a:solidFill>
+                  <a:srgbClr val="A9B7C6"/>
+                </a:solidFill>
+                <a:effectLst/>
+                <a:latin typeface="VCROSDMonoRUSbyD" panose="02000609000000000000" pitchFamily="49" charset="0"/>
+                <a:ea typeface="VCROSDMonoRUSbyD" panose="02000609000000000000" pitchFamily="49" charset="0"/>
+              </a:rPr>
+              <a:t>.menu_box.width</a:t>
+            </a:r>
+            <a:r>
+              <a:rPr kumimoji="0" lang="ru-RU" altLang="ru-RU" sz="1000" b="0" i="0" u="none" strike="noStrike" cap="none" normalizeH="0" baseline="0" dirty="0">
+                <a:ln>
+                  <a:noFill/>
+                </a:ln>
+                <a:solidFill>
+                  <a:srgbClr val="A9B7C6"/>
+                </a:solidFill>
+                <a:effectLst/>
+                <a:latin typeface="VCROSDMonoRUSbyD" panose="02000609000000000000" pitchFamily="49" charset="0"/>
+                <a:ea typeface="VCROSDMonoRUSbyD" panose="02000609000000000000" pitchFamily="49" charset="0"/>
+              </a:rPr>
+              <a:t>()) </a:t>
+            </a:r>
+            <a:r>
+              <a:rPr kumimoji="0" lang="ru-RU" altLang="ru-RU" sz="1000" b="0" i="0" u="none" strike="noStrike" cap="none" normalizeH="0" baseline="0" dirty="0" err="1">
+                <a:ln>
+                  <a:noFill/>
+                </a:ln>
+                <a:solidFill>
+                  <a:srgbClr val="CC7832"/>
+                </a:solidFill>
+                <a:effectLst/>
+                <a:latin typeface="VCROSDMonoRUSbyD" panose="02000609000000000000" pitchFamily="49" charset="0"/>
+                <a:ea typeface="VCROSDMonoRUSbyD" panose="02000609000000000000" pitchFamily="49" charset="0"/>
+              </a:rPr>
+              <a:t>and</a:t>
+            </a:r>
+            <a:r>
+              <a:rPr kumimoji="0" lang="ru-RU" altLang="ru-RU" sz="1000" b="0" i="0" u="none" strike="noStrike" cap="none" normalizeH="0" baseline="0" dirty="0">
+                <a:ln>
+                  <a:noFill/>
+                </a:ln>
+                <a:solidFill>
+                  <a:srgbClr val="CC7832"/>
+                </a:solidFill>
+                <a:effectLst/>
+                <a:latin typeface="VCROSDMonoRUSbyD" panose="02000609000000000000" pitchFamily="49" charset="0"/>
+                <a:ea typeface="VCROSDMonoRUSbyD" panose="02000609000000000000" pitchFamily="49" charset="0"/>
+              </a:rPr>
+              <a:t> </a:t>
+            </a:r>
+            <a:r>
+              <a:rPr kumimoji="0" lang="ru-RU" altLang="ru-RU" sz="1000" b="0" i="0" u="none" strike="noStrike" cap="none" normalizeH="0" baseline="0" dirty="0">
+                <a:ln>
+                  <a:noFill/>
+                </a:ln>
+                <a:solidFill>
+                  <a:srgbClr val="A9B7C6"/>
+                </a:solidFill>
+                <a:effectLst/>
+                <a:latin typeface="VCROSDMonoRUSbyD" panose="02000609000000000000" pitchFamily="49" charset="0"/>
+                <a:ea typeface="VCROSDMonoRUSbyD" panose="02000609000000000000" pitchFamily="49" charset="0"/>
+              </a:rPr>
+              <a:t>\</a:t>
+            </a:r>
+            <a:br>
+              <a:rPr kumimoji="0" lang="ru-RU" altLang="ru-RU" sz="1000" b="0" i="0" u="none" strike="noStrike" cap="none" normalizeH="0" baseline="0" dirty="0">
+                <a:ln>
+                  <a:noFill/>
+                </a:ln>
+                <a:solidFill>
+                  <a:srgbClr val="A9B7C6"/>
+                </a:solidFill>
+                <a:effectLst/>
+                <a:latin typeface="VCROSDMonoRUSbyD" panose="02000609000000000000" pitchFamily="49" charset="0"/>
+                <a:ea typeface="VCROSDMonoRUSbyD" panose="02000609000000000000" pitchFamily="49" charset="0"/>
+              </a:rPr>
+            </a:br>
+            <a:r>
+              <a:rPr kumimoji="0" lang="ru-RU" altLang="ru-RU" sz="1000" b="0" i="0" u="none" strike="noStrike" cap="none" normalizeH="0" baseline="0" dirty="0">
+                <a:ln>
+                  <a:noFill/>
+                </a:ln>
+                <a:solidFill>
+                  <a:srgbClr val="A9B7C6"/>
+                </a:solidFill>
+                <a:effectLst/>
+                <a:latin typeface="VCROSDMonoRUSbyD" panose="02000609000000000000" pitchFamily="49" charset="0"/>
+                <a:ea typeface="VCROSDMonoRUSbyD" panose="02000609000000000000" pitchFamily="49" charset="0"/>
+              </a:rPr>
+              <a:t>            </a:t>
+            </a:r>
+            <a:r>
+              <a:rPr kumimoji="0" lang="ru-RU" altLang="ru-RU" sz="1000" b="0" i="0" u="none" strike="noStrike" cap="none" normalizeH="0" baseline="0" dirty="0" err="1">
+                <a:ln>
+                  <a:noFill/>
+                </a:ln>
+                <a:solidFill>
+                  <a:srgbClr val="A9B7C6"/>
+                </a:solidFill>
+                <a:effectLst/>
+                <a:latin typeface="VCROSDMonoRUSbyD" panose="02000609000000000000" pitchFamily="49" charset="0"/>
+                <a:ea typeface="VCROSDMonoRUSbyD" panose="02000609000000000000" pitchFamily="49" charset="0"/>
+              </a:rPr>
+              <a:t>event.y</a:t>
+            </a:r>
+            <a:r>
+              <a:rPr kumimoji="0" lang="ru-RU" altLang="ru-RU" sz="1000" b="0" i="0" u="none" strike="noStrike" cap="none" normalizeH="0" baseline="0" dirty="0">
+                <a:ln>
+                  <a:noFill/>
+                </a:ln>
+                <a:solidFill>
+                  <a:srgbClr val="A9B7C6"/>
+                </a:solidFill>
+                <a:effectLst/>
+                <a:latin typeface="VCROSDMonoRUSbyD" panose="02000609000000000000" pitchFamily="49" charset="0"/>
+                <a:ea typeface="VCROSDMonoRUSbyD" panose="02000609000000000000" pitchFamily="49" charset="0"/>
+              </a:rPr>
+              <a:t>() </a:t>
+            </a:r>
+            <a:r>
+              <a:rPr kumimoji="0" lang="ru-RU" altLang="ru-RU" sz="1000" b="0" i="0" u="none" strike="noStrike" cap="none" normalizeH="0" baseline="0" dirty="0" err="1">
+                <a:ln>
+                  <a:noFill/>
+                </a:ln>
+                <a:solidFill>
+                  <a:srgbClr val="CC7832"/>
+                </a:solidFill>
+                <a:effectLst/>
+                <a:latin typeface="VCROSDMonoRUSbyD" panose="02000609000000000000" pitchFamily="49" charset="0"/>
+                <a:ea typeface="VCROSDMonoRUSbyD" panose="02000609000000000000" pitchFamily="49" charset="0"/>
+              </a:rPr>
+              <a:t>in</a:t>
+            </a:r>
+            <a:r>
+              <a:rPr kumimoji="0" lang="ru-RU" altLang="ru-RU" sz="1000" b="0" i="0" u="none" strike="noStrike" cap="none" normalizeH="0" baseline="0" dirty="0">
+                <a:ln>
+                  <a:noFill/>
+                </a:ln>
+                <a:solidFill>
+                  <a:srgbClr val="CC7832"/>
+                </a:solidFill>
+                <a:effectLst/>
+                <a:latin typeface="VCROSDMonoRUSbyD" panose="02000609000000000000" pitchFamily="49" charset="0"/>
+                <a:ea typeface="VCROSDMonoRUSbyD" panose="02000609000000000000" pitchFamily="49" charset="0"/>
+              </a:rPr>
+              <a:t> </a:t>
+            </a:r>
+            <a:r>
+              <a:rPr kumimoji="0" lang="ru-RU" altLang="ru-RU" sz="1000" b="0" i="0" u="none" strike="noStrike" cap="none" normalizeH="0" baseline="0" dirty="0" err="1">
+                <a:ln>
+                  <a:noFill/>
+                </a:ln>
+                <a:solidFill>
+                  <a:srgbClr val="8888C6"/>
+                </a:solidFill>
+                <a:effectLst/>
+                <a:latin typeface="VCROSDMonoRUSbyD" panose="02000609000000000000" pitchFamily="49" charset="0"/>
+                <a:ea typeface="VCROSDMonoRUSbyD" panose="02000609000000000000" pitchFamily="49" charset="0"/>
+              </a:rPr>
+              <a:t>range</a:t>
+            </a:r>
+            <a:r>
+              <a:rPr kumimoji="0" lang="ru-RU" altLang="ru-RU" sz="1000" b="0" i="0" u="none" strike="noStrike" cap="none" normalizeH="0" baseline="0" dirty="0">
+                <a:ln>
+                  <a:noFill/>
+                </a:ln>
+                <a:solidFill>
+                  <a:srgbClr val="A9B7C6"/>
+                </a:solidFill>
+                <a:effectLst/>
+                <a:latin typeface="VCROSDMonoRUSbyD" panose="02000609000000000000" pitchFamily="49" charset="0"/>
+                <a:ea typeface="VCROSDMonoRUSbyD" panose="02000609000000000000" pitchFamily="49" charset="0"/>
+              </a:rPr>
+              <a:t>(</a:t>
+            </a:r>
+            <a:r>
+              <a:rPr kumimoji="0" lang="ru-RU" altLang="ru-RU" sz="1000" b="0" i="0" u="none" strike="noStrike" cap="none" normalizeH="0" baseline="0" dirty="0" err="1">
+                <a:ln>
+                  <a:noFill/>
+                </a:ln>
+                <a:solidFill>
+                  <a:srgbClr val="94558D"/>
+                </a:solidFill>
+                <a:effectLst/>
+                <a:latin typeface="VCROSDMonoRUSbyD" panose="02000609000000000000" pitchFamily="49" charset="0"/>
+                <a:ea typeface="VCROSDMonoRUSbyD" panose="02000609000000000000" pitchFamily="49" charset="0"/>
+              </a:rPr>
+              <a:t>self</a:t>
+            </a:r>
+            <a:r>
+              <a:rPr kumimoji="0" lang="ru-RU" altLang="ru-RU" sz="1000" b="0" i="0" u="none" strike="noStrike" cap="none" normalizeH="0" baseline="0" dirty="0" err="1">
+                <a:ln>
+                  <a:noFill/>
+                </a:ln>
+                <a:solidFill>
+                  <a:srgbClr val="A9B7C6"/>
+                </a:solidFill>
+                <a:effectLst/>
+                <a:latin typeface="VCROSDMonoRUSbyD" panose="02000609000000000000" pitchFamily="49" charset="0"/>
+                <a:ea typeface="VCROSDMonoRUSbyD" panose="02000609000000000000" pitchFamily="49" charset="0"/>
+              </a:rPr>
+              <a:t>.menu_box.pos</a:t>
+            </a:r>
+            <a:r>
+              <a:rPr kumimoji="0" lang="ru-RU" altLang="ru-RU" sz="1000" b="0" i="0" u="none" strike="noStrike" cap="none" normalizeH="0" baseline="0" dirty="0">
+                <a:ln>
+                  <a:noFill/>
+                </a:ln>
+                <a:solidFill>
+                  <a:srgbClr val="A9B7C6"/>
+                </a:solidFill>
+                <a:effectLst/>
+                <a:latin typeface="VCROSDMonoRUSbyD" panose="02000609000000000000" pitchFamily="49" charset="0"/>
+                <a:ea typeface="VCROSDMonoRUSbyD" panose="02000609000000000000" pitchFamily="49" charset="0"/>
+              </a:rPr>
+              <a:t>().y()</a:t>
+            </a:r>
+            <a:r>
+              <a:rPr kumimoji="0" lang="ru-RU" altLang="ru-RU" sz="1000" b="0" i="0" u="none" strike="noStrike" cap="none" normalizeH="0" baseline="0" dirty="0">
+                <a:ln>
+                  <a:noFill/>
+                </a:ln>
+                <a:solidFill>
+                  <a:srgbClr val="CC7832"/>
+                </a:solidFill>
+                <a:effectLst/>
+                <a:latin typeface="VCROSDMonoRUSbyD" panose="02000609000000000000" pitchFamily="49" charset="0"/>
+                <a:ea typeface="VCROSDMonoRUSbyD" panose="02000609000000000000" pitchFamily="49" charset="0"/>
+              </a:rPr>
+              <a:t>, </a:t>
+            </a:r>
+            <a:r>
+              <a:rPr kumimoji="0" lang="ru-RU" altLang="ru-RU" sz="1000" b="0" i="0" u="none" strike="noStrike" cap="none" normalizeH="0" baseline="0" dirty="0" err="1">
+                <a:ln>
+                  <a:noFill/>
+                </a:ln>
+                <a:solidFill>
+                  <a:srgbClr val="94558D"/>
+                </a:solidFill>
+                <a:effectLst/>
+                <a:latin typeface="VCROSDMonoRUSbyD" panose="02000609000000000000" pitchFamily="49" charset="0"/>
+                <a:ea typeface="VCROSDMonoRUSbyD" panose="02000609000000000000" pitchFamily="49" charset="0"/>
+              </a:rPr>
+              <a:t>self</a:t>
+            </a:r>
+            <a:r>
+              <a:rPr kumimoji="0" lang="ru-RU" altLang="ru-RU" sz="1000" b="0" i="0" u="none" strike="noStrike" cap="none" normalizeH="0" baseline="0" dirty="0" err="1">
+                <a:ln>
+                  <a:noFill/>
+                </a:ln>
+                <a:solidFill>
+                  <a:srgbClr val="A9B7C6"/>
+                </a:solidFill>
+                <a:effectLst/>
+                <a:latin typeface="VCROSDMonoRUSbyD" panose="02000609000000000000" pitchFamily="49" charset="0"/>
+                <a:ea typeface="VCROSDMonoRUSbyD" panose="02000609000000000000" pitchFamily="49" charset="0"/>
+              </a:rPr>
+              <a:t>.menu_box.pos</a:t>
+            </a:r>
+            <a:r>
+              <a:rPr kumimoji="0" lang="ru-RU" altLang="ru-RU" sz="1000" b="0" i="0" u="none" strike="noStrike" cap="none" normalizeH="0" baseline="0" dirty="0">
+                <a:ln>
+                  <a:noFill/>
+                </a:ln>
+                <a:solidFill>
+                  <a:srgbClr val="A9B7C6"/>
+                </a:solidFill>
+                <a:effectLst/>
+                <a:latin typeface="VCROSDMonoRUSbyD" panose="02000609000000000000" pitchFamily="49" charset="0"/>
+                <a:ea typeface="VCROSDMonoRUSbyD" panose="02000609000000000000" pitchFamily="49" charset="0"/>
+              </a:rPr>
+              <a:t>().y() + </a:t>
+            </a:r>
+            <a:r>
+              <a:rPr kumimoji="0" lang="ru-RU" altLang="ru-RU" sz="1000" b="0" i="0" u="none" strike="noStrike" cap="none" normalizeH="0" baseline="0" dirty="0" err="1">
+                <a:ln>
+                  <a:noFill/>
+                </a:ln>
+                <a:solidFill>
+                  <a:srgbClr val="94558D"/>
+                </a:solidFill>
+                <a:effectLst/>
+                <a:latin typeface="VCROSDMonoRUSbyD" panose="02000609000000000000" pitchFamily="49" charset="0"/>
+                <a:ea typeface="VCROSDMonoRUSbyD" panose="02000609000000000000" pitchFamily="49" charset="0"/>
+              </a:rPr>
+              <a:t>self</a:t>
+            </a:r>
+            <a:r>
+              <a:rPr kumimoji="0" lang="ru-RU" altLang="ru-RU" sz="1000" b="0" i="0" u="none" strike="noStrike" cap="none" normalizeH="0" baseline="0" dirty="0" err="1">
+                <a:ln>
+                  <a:noFill/>
+                </a:ln>
+                <a:solidFill>
+                  <a:srgbClr val="A9B7C6"/>
+                </a:solidFill>
+                <a:effectLst/>
+                <a:latin typeface="VCROSDMonoRUSbyD" panose="02000609000000000000" pitchFamily="49" charset="0"/>
+                <a:ea typeface="VCROSDMonoRUSbyD" panose="02000609000000000000" pitchFamily="49" charset="0"/>
+              </a:rPr>
+              <a:t>.menu_box.height</a:t>
+            </a:r>
+            <a:r>
+              <a:rPr kumimoji="0" lang="ru-RU" altLang="ru-RU" sz="1000" b="0" i="0" u="none" strike="noStrike" cap="none" normalizeH="0" baseline="0" dirty="0">
+                <a:ln>
+                  <a:noFill/>
+                </a:ln>
+                <a:solidFill>
+                  <a:srgbClr val="A9B7C6"/>
+                </a:solidFill>
+                <a:effectLst/>
+                <a:latin typeface="VCROSDMonoRUSbyD" panose="02000609000000000000" pitchFamily="49" charset="0"/>
+                <a:ea typeface="VCROSDMonoRUSbyD" panose="02000609000000000000" pitchFamily="49" charset="0"/>
+              </a:rPr>
+              <a:t>()):</a:t>
+            </a:r>
+            <a:br>
+              <a:rPr kumimoji="0" lang="ru-RU" altLang="ru-RU" sz="1000" b="0" i="0" u="none" strike="noStrike" cap="none" normalizeH="0" baseline="0" dirty="0">
+                <a:ln>
+                  <a:noFill/>
+                </a:ln>
+                <a:solidFill>
+                  <a:srgbClr val="A9B7C6"/>
+                </a:solidFill>
+                <a:effectLst/>
+                <a:latin typeface="VCROSDMonoRUSbyD" panose="02000609000000000000" pitchFamily="49" charset="0"/>
+                <a:ea typeface="VCROSDMonoRUSbyD" panose="02000609000000000000" pitchFamily="49" charset="0"/>
+              </a:rPr>
+            </a:br>
+            <a:r>
+              <a:rPr kumimoji="0" lang="ru-RU" altLang="ru-RU" sz="1000" b="0" i="0" u="none" strike="noStrike" cap="none" normalizeH="0" baseline="0" dirty="0">
+                <a:ln>
+                  <a:noFill/>
+                </a:ln>
+                <a:solidFill>
+                  <a:srgbClr val="A9B7C6"/>
+                </a:solidFill>
+                <a:effectLst/>
+                <a:latin typeface="VCROSDMonoRUSbyD" panose="02000609000000000000" pitchFamily="49" charset="0"/>
+                <a:ea typeface="VCROSDMonoRUSbyD" panose="02000609000000000000" pitchFamily="49" charset="0"/>
+              </a:rPr>
+              <a:t>        </a:t>
+            </a:r>
+            <a:r>
+              <a:rPr kumimoji="0" lang="ru-RU" altLang="ru-RU" sz="1000" b="0" i="0" u="none" strike="noStrike" cap="none" normalizeH="0" baseline="0" dirty="0" err="1">
+                <a:ln>
+                  <a:noFill/>
+                </a:ln>
+                <a:solidFill>
+                  <a:srgbClr val="A9B7C6"/>
+                </a:solidFill>
+                <a:effectLst/>
+                <a:latin typeface="VCROSDMonoRUSbyD" panose="02000609000000000000" pitchFamily="49" charset="0"/>
+                <a:ea typeface="VCROSDMonoRUSbyD" panose="02000609000000000000" pitchFamily="49" charset="0"/>
+              </a:rPr>
+              <a:t>dif</a:t>
+            </a:r>
+            <a:r>
+              <a:rPr kumimoji="0" lang="ru-RU" altLang="ru-RU" sz="1000" b="0" i="0" u="none" strike="noStrike" cap="none" normalizeH="0" baseline="0" dirty="0">
+                <a:ln>
+                  <a:noFill/>
+                </a:ln>
+                <a:solidFill>
+                  <a:srgbClr val="A9B7C6"/>
+                </a:solidFill>
+                <a:effectLst/>
+                <a:latin typeface="VCROSDMonoRUSbyD" panose="02000609000000000000" pitchFamily="49" charset="0"/>
+                <a:ea typeface="VCROSDMonoRUSbyD" panose="02000609000000000000" pitchFamily="49" charset="0"/>
+              </a:rPr>
+              <a:t> = (</a:t>
+            </a:r>
+            <a:r>
+              <a:rPr kumimoji="0" lang="ru-RU" altLang="ru-RU" sz="1000" b="0" i="0" u="none" strike="noStrike" cap="none" normalizeH="0" baseline="0" dirty="0" err="1">
+                <a:ln>
+                  <a:noFill/>
+                </a:ln>
+                <a:solidFill>
+                  <a:srgbClr val="A9B7C6"/>
+                </a:solidFill>
+                <a:effectLst/>
+                <a:latin typeface="VCROSDMonoRUSbyD" panose="02000609000000000000" pitchFamily="49" charset="0"/>
+                <a:ea typeface="VCROSDMonoRUSbyD" panose="02000609000000000000" pitchFamily="49" charset="0"/>
+              </a:rPr>
+              <a:t>event.angleDelta</a:t>
+            </a:r>
+            <a:r>
+              <a:rPr kumimoji="0" lang="ru-RU" altLang="ru-RU" sz="1000" b="0" i="0" u="none" strike="noStrike" cap="none" normalizeH="0" baseline="0" dirty="0">
+                <a:ln>
+                  <a:noFill/>
+                </a:ln>
+                <a:solidFill>
+                  <a:srgbClr val="A9B7C6"/>
+                </a:solidFill>
+                <a:effectLst/>
+                <a:latin typeface="VCROSDMonoRUSbyD" panose="02000609000000000000" pitchFamily="49" charset="0"/>
+                <a:ea typeface="VCROSDMonoRUSbyD" panose="02000609000000000000" pitchFamily="49" charset="0"/>
+              </a:rPr>
+              <a:t>().y()/</a:t>
+            </a:r>
+            <a:r>
+              <a:rPr kumimoji="0" lang="ru-RU" altLang="ru-RU" sz="1000" b="0" i="0" u="none" strike="noStrike" cap="none" normalizeH="0" baseline="0" dirty="0">
+                <a:ln>
+                  <a:noFill/>
+                </a:ln>
+                <a:solidFill>
+                  <a:srgbClr val="6897BB"/>
+                </a:solidFill>
+                <a:effectLst/>
+                <a:latin typeface="VCROSDMonoRUSbyD" panose="02000609000000000000" pitchFamily="49" charset="0"/>
+                <a:ea typeface="VCROSDMonoRUSbyD" panose="02000609000000000000" pitchFamily="49" charset="0"/>
+              </a:rPr>
+              <a:t>480 </a:t>
+            </a:r>
+            <a:r>
+              <a:rPr kumimoji="0" lang="ru-RU" altLang="ru-RU" sz="1000" b="0" i="0" u="none" strike="noStrike" cap="none" normalizeH="0" baseline="0" dirty="0" err="1">
+                <a:ln>
+                  <a:noFill/>
+                </a:ln>
+                <a:solidFill>
+                  <a:srgbClr val="CC7832"/>
+                </a:solidFill>
+                <a:effectLst/>
+                <a:latin typeface="VCROSDMonoRUSbyD" panose="02000609000000000000" pitchFamily="49" charset="0"/>
+                <a:ea typeface="VCROSDMonoRUSbyD" panose="02000609000000000000" pitchFamily="49" charset="0"/>
+              </a:rPr>
+              <a:t>if</a:t>
+            </a:r>
+            <a:r>
+              <a:rPr kumimoji="0" lang="ru-RU" altLang="ru-RU" sz="1000" b="0" i="0" u="none" strike="noStrike" cap="none" normalizeH="0" baseline="0" dirty="0">
+                <a:ln>
+                  <a:noFill/>
+                </a:ln>
+                <a:solidFill>
+                  <a:srgbClr val="CC7832"/>
+                </a:solidFill>
+                <a:effectLst/>
+                <a:latin typeface="VCROSDMonoRUSbyD" panose="02000609000000000000" pitchFamily="49" charset="0"/>
+                <a:ea typeface="VCROSDMonoRUSbyD" panose="02000609000000000000" pitchFamily="49" charset="0"/>
+              </a:rPr>
+              <a:t> </a:t>
+            </a:r>
+            <a:r>
+              <a:rPr kumimoji="0" lang="ru-RU" altLang="ru-RU" sz="1000" b="0" i="0" u="none" strike="noStrike" cap="none" normalizeH="0" baseline="0" dirty="0" err="1">
+                <a:ln>
+                  <a:noFill/>
+                </a:ln>
+                <a:solidFill>
+                  <a:srgbClr val="94558D"/>
+                </a:solidFill>
+                <a:effectLst/>
+                <a:latin typeface="VCROSDMonoRUSbyD" panose="02000609000000000000" pitchFamily="49" charset="0"/>
+                <a:ea typeface="VCROSDMonoRUSbyD" panose="02000609000000000000" pitchFamily="49" charset="0"/>
+              </a:rPr>
+              <a:t>self</a:t>
+            </a:r>
+            <a:r>
+              <a:rPr kumimoji="0" lang="ru-RU" altLang="ru-RU" sz="1000" b="0" i="0" u="none" strike="noStrike" cap="none" normalizeH="0" baseline="0" dirty="0" err="1">
+                <a:ln>
+                  <a:noFill/>
+                </a:ln>
+                <a:solidFill>
+                  <a:srgbClr val="A9B7C6"/>
+                </a:solidFill>
+                <a:effectLst/>
+                <a:latin typeface="VCROSDMonoRUSbyD" panose="02000609000000000000" pitchFamily="49" charset="0"/>
+                <a:ea typeface="VCROSDMonoRUSbyD" panose="02000609000000000000" pitchFamily="49" charset="0"/>
+              </a:rPr>
+              <a:t>.scale</a:t>
+            </a:r>
+            <a:r>
+              <a:rPr kumimoji="0" lang="ru-RU" altLang="ru-RU" sz="1000" b="0" i="0" u="none" strike="noStrike" cap="none" normalizeH="0" baseline="0" dirty="0">
+                <a:ln>
+                  <a:noFill/>
+                </a:ln>
+                <a:solidFill>
+                  <a:srgbClr val="A9B7C6"/>
+                </a:solidFill>
+                <a:effectLst/>
+                <a:latin typeface="VCROSDMonoRUSbyD" panose="02000609000000000000" pitchFamily="49" charset="0"/>
+                <a:ea typeface="VCROSDMonoRUSbyD" panose="02000609000000000000" pitchFamily="49" charset="0"/>
+              </a:rPr>
+              <a:t> + </a:t>
+            </a:r>
+            <a:r>
+              <a:rPr kumimoji="0" lang="ru-RU" altLang="ru-RU" sz="1000" b="0" i="0" u="none" strike="noStrike" cap="none" normalizeH="0" baseline="0" dirty="0" err="1">
+                <a:ln>
+                  <a:noFill/>
+                </a:ln>
+                <a:solidFill>
+                  <a:srgbClr val="A9B7C6"/>
+                </a:solidFill>
+                <a:effectLst/>
+                <a:latin typeface="VCROSDMonoRUSbyD" panose="02000609000000000000" pitchFamily="49" charset="0"/>
+                <a:ea typeface="VCROSDMonoRUSbyD" panose="02000609000000000000" pitchFamily="49" charset="0"/>
+              </a:rPr>
+              <a:t>event.angleDelta</a:t>
+            </a:r>
+            <a:r>
+              <a:rPr kumimoji="0" lang="ru-RU" altLang="ru-RU" sz="1000" b="0" i="0" u="none" strike="noStrike" cap="none" normalizeH="0" baseline="0" dirty="0">
+                <a:ln>
+                  <a:noFill/>
+                </a:ln>
+                <a:solidFill>
+                  <a:srgbClr val="A9B7C6"/>
+                </a:solidFill>
+                <a:effectLst/>
+                <a:latin typeface="VCROSDMonoRUSbyD" panose="02000609000000000000" pitchFamily="49" charset="0"/>
+                <a:ea typeface="VCROSDMonoRUSbyD" panose="02000609000000000000" pitchFamily="49" charset="0"/>
+              </a:rPr>
+              <a:t>().y()/</a:t>
+            </a:r>
+            <a:r>
+              <a:rPr kumimoji="0" lang="ru-RU" altLang="ru-RU" sz="1000" b="0" i="0" u="none" strike="noStrike" cap="none" normalizeH="0" baseline="0" dirty="0">
+                <a:ln>
+                  <a:noFill/>
+                </a:ln>
+                <a:solidFill>
+                  <a:srgbClr val="6897BB"/>
+                </a:solidFill>
+                <a:effectLst/>
+                <a:latin typeface="VCROSDMonoRUSbyD" panose="02000609000000000000" pitchFamily="49" charset="0"/>
+                <a:ea typeface="VCROSDMonoRUSbyD" panose="02000609000000000000" pitchFamily="49" charset="0"/>
+              </a:rPr>
+              <a:t>480 </a:t>
+            </a:r>
+            <a:r>
+              <a:rPr kumimoji="0" lang="ru-RU" altLang="ru-RU" sz="1000" b="0" i="0" u="none" strike="noStrike" cap="none" normalizeH="0" baseline="0" dirty="0">
+                <a:ln>
+                  <a:noFill/>
+                </a:ln>
+                <a:solidFill>
+                  <a:srgbClr val="A9B7C6"/>
+                </a:solidFill>
+                <a:effectLst/>
+                <a:latin typeface="VCROSDMonoRUSbyD" panose="02000609000000000000" pitchFamily="49" charset="0"/>
+                <a:ea typeface="VCROSDMonoRUSbyD" panose="02000609000000000000" pitchFamily="49" charset="0"/>
+              </a:rPr>
+              <a:t>&gt; </a:t>
+            </a:r>
+            <a:r>
+              <a:rPr kumimoji="0" lang="ru-RU" altLang="ru-RU" sz="1000" b="0" i="0" u="none" strike="noStrike" cap="none" normalizeH="0" baseline="0" dirty="0">
+                <a:ln>
+                  <a:noFill/>
+                </a:ln>
+                <a:solidFill>
+                  <a:srgbClr val="6897BB"/>
+                </a:solidFill>
+                <a:effectLst/>
+                <a:latin typeface="VCROSDMonoRUSbyD" panose="02000609000000000000" pitchFamily="49" charset="0"/>
+                <a:ea typeface="VCROSDMonoRUSbyD" panose="02000609000000000000" pitchFamily="49" charset="0"/>
+              </a:rPr>
+              <a:t>0 </a:t>
+            </a:r>
+            <a:r>
+              <a:rPr kumimoji="0" lang="ru-RU" altLang="ru-RU" sz="1000" b="0" i="0" u="none" strike="noStrike" cap="none" normalizeH="0" baseline="0" dirty="0" err="1">
+                <a:ln>
+                  <a:noFill/>
+                </a:ln>
+                <a:solidFill>
+                  <a:srgbClr val="CC7832"/>
+                </a:solidFill>
+                <a:effectLst/>
+                <a:latin typeface="VCROSDMonoRUSbyD" panose="02000609000000000000" pitchFamily="49" charset="0"/>
+                <a:ea typeface="VCROSDMonoRUSbyD" panose="02000609000000000000" pitchFamily="49" charset="0"/>
+              </a:rPr>
+              <a:t>else</a:t>
+            </a:r>
+            <a:r>
+              <a:rPr kumimoji="0" lang="ru-RU" altLang="ru-RU" sz="1000" b="0" i="0" u="none" strike="noStrike" cap="none" normalizeH="0" baseline="0" dirty="0">
+                <a:ln>
+                  <a:noFill/>
+                </a:ln>
+                <a:solidFill>
+                  <a:srgbClr val="CC7832"/>
+                </a:solidFill>
+                <a:effectLst/>
+                <a:latin typeface="VCROSDMonoRUSbyD" panose="02000609000000000000" pitchFamily="49" charset="0"/>
+                <a:ea typeface="VCROSDMonoRUSbyD" panose="02000609000000000000" pitchFamily="49" charset="0"/>
+              </a:rPr>
+              <a:t> </a:t>
+            </a:r>
+            <a:r>
+              <a:rPr kumimoji="0" lang="ru-RU" altLang="ru-RU" sz="1000" b="0" i="0" u="none" strike="noStrike" cap="none" normalizeH="0" baseline="0" dirty="0">
+                <a:ln>
+                  <a:noFill/>
+                </a:ln>
+                <a:solidFill>
+                  <a:srgbClr val="6897BB"/>
+                </a:solidFill>
+                <a:effectLst/>
+                <a:latin typeface="VCROSDMonoRUSbyD" panose="02000609000000000000" pitchFamily="49" charset="0"/>
+                <a:ea typeface="VCROSDMonoRUSbyD" panose="02000609000000000000" pitchFamily="49" charset="0"/>
+              </a:rPr>
+              <a:t>0</a:t>
+            </a:r>
+            <a:r>
+              <a:rPr kumimoji="0" lang="ru-RU" altLang="ru-RU" sz="1000" b="0" i="0" u="none" strike="noStrike" cap="none" normalizeH="0" baseline="0" dirty="0">
+                <a:ln>
+                  <a:noFill/>
+                </a:ln>
+                <a:solidFill>
+                  <a:srgbClr val="A9B7C6"/>
+                </a:solidFill>
+                <a:effectLst/>
+                <a:latin typeface="VCROSDMonoRUSbyD" panose="02000609000000000000" pitchFamily="49" charset="0"/>
+                <a:ea typeface="VCROSDMonoRUSbyD" panose="02000609000000000000" pitchFamily="49" charset="0"/>
+              </a:rPr>
+              <a:t>)</a:t>
+            </a:r>
+            <a:br>
+              <a:rPr kumimoji="0" lang="ru-RU" altLang="ru-RU" sz="1000" b="0" i="0" u="none" strike="noStrike" cap="none" normalizeH="0" baseline="0" dirty="0">
+                <a:ln>
+                  <a:noFill/>
+                </a:ln>
+                <a:solidFill>
+                  <a:srgbClr val="A9B7C6"/>
+                </a:solidFill>
+                <a:effectLst/>
+                <a:latin typeface="VCROSDMonoRUSbyD" panose="02000609000000000000" pitchFamily="49" charset="0"/>
+                <a:ea typeface="VCROSDMonoRUSbyD" panose="02000609000000000000" pitchFamily="49" charset="0"/>
+              </a:rPr>
+            </a:br>
+            <a:r>
+              <a:rPr kumimoji="0" lang="ru-RU" altLang="ru-RU" sz="1000" b="0" i="0" u="none" strike="noStrike" cap="none" normalizeH="0" baseline="0" dirty="0">
+                <a:ln>
+                  <a:noFill/>
+                </a:ln>
+                <a:solidFill>
+                  <a:srgbClr val="A9B7C6"/>
+                </a:solidFill>
+                <a:effectLst/>
+                <a:latin typeface="VCROSDMonoRUSbyD" panose="02000609000000000000" pitchFamily="49" charset="0"/>
+                <a:ea typeface="VCROSDMonoRUSbyD" panose="02000609000000000000" pitchFamily="49" charset="0"/>
+              </a:rPr>
+              <a:t>        </a:t>
+            </a:r>
+            <a:r>
+              <a:rPr kumimoji="0" lang="ru-RU" altLang="ru-RU" sz="1000" b="0" i="0" u="none" strike="noStrike" cap="none" normalizeH="0" baseline="0" dirty="0" err="1">
+                <a:ln>
+                  <a:noFill/>
+                </a:ln>
+                <a:solidFill>
+                  <a:srgbClr val="94558D"/>
+                </a:solidFill>
+                <a:effectLst/>
+                <a:latin typeface="VCROSDMonoRUSbyD" panose="02000609000000000000" pitchFamily="49" charset="0"/>
+                <a:ea typeface="VCROSDMonoRUSbyD" panose="02000609000000000000" pitchFamily="49" charset="0"/>
+              </a:rPr>
+              <a:t>self</a:t>
+            </a:r>
+            <a:r>
+              <a:rPr kumimoji="0" lang="ru-RU" altLang="ru-RU" sz="1000" b="0" i="0" u="none" strike="noStrike" cap="none" normalizeH="0" baseline="0" dirty="0" err="1">
+                <a:ln>
+                  <a:noFill/>
+                </a:ln>
+                <a:solidFill>
+                  <a:srgbClr val="A9B7C6"/>
+                </a:solidFill>
+                <a:effectLst/>
+                <a:latin typeface="VCROSDMonoRUSbyD" panose="02000609000000000000" pitchFamily="49" charset="0"/>
+                <a:ea typeface="VCROSDMonoRUSbyD" panose="02000609000000000000" pitchFamily="49" charset="0"/>
+              </a:rPr>
+              <a:t>.curr_grid_pos</a:t>
+            </a:r>
+            <a:r>
+              <a:rPr kumimoji="0" lang="ru-RU" altLang="ru-RU" sz="1000" b="0" i="0" u="none" strike="noStrike" cap="none" normalizeH="0" baseline="0" dirty="0">
+                <a:ln>
+                  <a:noFill/>
+                </a:ln>
+                <a:solidFill>
+                  <a:srgbClr val="A9B7C6"/>
+                </a:solidFill>
+                <a:effectLst/>
+                <a:latin typeface="VCROSDMonoRUSbyD" panose="02000609000000000000" pitchFamily="49" charset="0"/>
+                <a:ea typeface="VCROSDMonoRUSbyD" panose="02000609000000000000" pitchFamily="49" charset="0"/>
+              </a:rPr>
+              <a:t> = [</a:t>
+            </a:r>
+            <a:r>
+              <a:rPr kumimoji="0" lang="ru-RU" altLang="ru-RU" sz="1000" b="0" i="0" u="none" strike="noStrike" cap="none" normalizeH="0" baseline="0" dirty="0" err="1">
+                <a:ln>
+                  <a:noFill/>
+                </a:ln>
+                <a:solidFill>
+                  <a:srgbClr val="94558D"/>
+                </a:solidFill>
+                <a:effectLst/>
+                <a:latin typeface="VCROSDMonoRUSbyD" panose="02000609000000000000" pitchFamily="49" charset="0"/>
+                <a:ea typeface="VCROSDMonoRUSbyD" panose="02000609000000000000" pitchFamily="49" charset="0"/>
+              </a:rPr>
+              <a:t>self</a:t>
+            </a:r>
+            <a:r>
+              <a:rPr kumimoji="0" lang="ru-RU" altLang="ru-RU" sz="1000" b="0" i="0" u="none" strike="noStrike" cap="none" normalizeH="0" baseline="0" dirty="0" err="1">
+                <a:ln>
+                  <a:noFill/>
+                </a:ln>
+                <a:solidFill>
+                  <a:srgbClr val="A9B7C6"/>
+                </a:solidFill>
+                <a:effectLst/>
+                <a:latin typeface="VCROSDMonoRUSbyD" panose="02000609000000000000" pitchFamily="49" charset="0"/>
+                <a:ea typeface="VCROSDMonoRUSbyD" panose="02000609000000000000" pitchFamily="49" charset="0"/>
+              </a:rPr>
+              <a:t>.curr_grid_pos</a:t>
+            </a:r>
+            <a:r>
+              <a:rPr kumimoji="0" lang="ru-RU" altLang="ru-RU" sz="1000" b="0" i="0" u="none" strike="noStrike" cap="none" normalizeH="0" baseline="0" dirty="0">
+                <a:ln>
+                  <a:noFill/>
+                </a:ln>
+                <a:solidFill>
+                  <a:srgbClr val="A9B7C6"/>
+                </a:solidFill>
+                <a:effectLst/>
+                <a:latin typeface="VCROSDMonoRUSbyD" panose="02000609000000000000" pitchFamily="49" charset="0"/>
+                <a:ea typeface="VCROSDMonoRUSbyD" panose="02000609000000000000" pitchFamily="49" charset="0"/>
+              </a:rPr>
+              <a:t>[</a:t>
+            </a:r>
+            <a:r>
+              <a:rPr kumimoji="0" lang="ru-RU" altLang="ru-RU" sz="1000" b="0" i="0" u="none" strike="noStrike" cap="none" normalizeH="0" baseline="0" dirty="0">
+                <a:ln>
+                  <a:noFill/>
+                </a:ln>
+                <a:solidFill>
+                  <a:srgbClr val="6897BB"/>
+                </a:solidFill>
+                <a:effectLst/>
+                <a:latin typeface="VCROSDMonoRUSbyD" panose="02000609000000000000" pitchFamily="49" charset="0"/>
+                <a:ea typeface="VCROSDMonoRUSbyD" panose="02000609000000000000" pitchFamily="49" charset="0"/>
+              </a:rPr>
+              <a:t>0</a:t>
+            </a:r>
+            <a:r>
+              <a:rPr kumimoji="0" lang="ru-RU" altLang="ru-RU" sz="1000" b="0" i="0" u="none" strike="noStrike" cap="none" normalizeH="0" baseline="0" dirty="0">
+                <a:ln>
+                  <a:noFill/>
+                </a:ln>
+                <a:solidFill>
+                  <a:srgbClr val="A9B7C6"/>
+                </a:solidFill>
+                <a:effectLst/>
+                <a:latin typeface="VCROSDMonoRUSbyD" panose="02000609000000000000" pitchFamily="49" charset="0"/>
+                <a:ea typeface="VCROSDMonoRUSbyD" panose="02000609000000000000" pitchFamily="49" charset="0"/>
+              </a:rPr>
+              <a:t>] + (</a:t>
+            </a:r>
+            <a:r>
+              <a:rPr kumimoji="0" lang="ru-RU" altLang="ru-RU" sz="1000" b="0" i="0" u="none" strike="noStrike" cap="none" normalizeH="0" baseline="0" dirty="0" err="1">
+                <a:ln>
+                  <a:noFill/>
+                </a:ln>
+                <a:solidFill>
+                  <a:srgbClr val="A9B7C6"/>
+                </a:solidFill>
+                <a:effectLst/>
+                <a:latin typeface="VCROSDMonoRUSbyD" panose="02000609000000000000" pitchFamily="49" charset="0"/>
+                <a:ea typeface="VCROSDMonoRUSbyD" panose="02000609000000000000" pitchFamily="49" charset="0"/>
+              </a:rPr>
+              <a:t>dif</a:t>
+            </a:r>
+            <a:r>
+              <a:rPr kumimoji="0" lang="ru-RU" altLang="ru-RU" sz="1000" b="0" i="0" u="none" strike="noStrike" cap="none" normalizeH="0" baseline="0" dirty="0">
+                <a:ln>
+                  <a:noFill/>
+                </a:ln>
+                <a:solidFill>
+                  <a:srgbClr val="A9B7C6"/>
+                </a:solidFill>
+                <a:effectLst/>
+                <a:latin typeface="VCROSDMonoRUSbyD" panose="02000609000000000000" pitchFamily="49" charset="0"/>
+                <a:ea typeface="VCROSDMonoRUSbyD" panose="02000609000000000000" pitchFamily="49" charset="0"/>
+              </a:rPr>
+              <a:t> * (</a:t>
+            </a:r>
+            <a:r>
+              <a:rPr kumimoji="0" lang="ru-RU" altLang="ru-RU" sz="1000" b="0" i="0" u="none" strike="noStrike" cap="none" normalizeH="0" baseline="0" dirty="0" err="1">
+                <a:ln>
+                  <a:noFill/>
+                </a:ln>
+                <a:solidFill>
+                  <a:srgbClr val="94558D"/>
+                </a:solidFill>
+                <a:effectLst/>
+                <a:latin typeface="VCROSDMonoRUSbyD" panose="02000609000000000000" pitchFamily="49" charset="0"/>
+                <a:ea typeface="VCROSDMonoRUSbyD" panose="02000609000000000000" pitchFamily="49" charset="0"/>
+              </a:rPr>
+              <a:t>self</a:t>
+            </a:r>
+            <a:r>
+              <a:rPr kumimoji="0" lang="ru-RU" altLang="ru-RU" sz="1000" b="0" i="0" u="none" strike="noStrike" cap="none" normalizeH="0" baseline="0" dirty="0" err="1">
+                <a:ln>
+                  <a:noFill/>
+                </a:ln>
+                <a:solidFill>
+                  <a:srgbClr val="A9B7C6"/>
+                </a:solidFill>
+                <a:effectLst/>
+                <a:latin typeface="VCROSDMonoRUSbyD" panose="02000609000000000000" pitchFamily="49" charset="0"/>
+                <a:ea typeface="VCROSDMonoRUSbyD" panose="02000609000000000000" pitchFamily="49" charset="0"/>
+              </a:rPr>
+              <a:t>.curr_grid_pos</a:t>
+            </a:r>
+            <a:r>
+              <a:rPr kumimoji="0" lang="ru-RU" altLang="ru-RU" sz="1000" b="0" i="0" u="none" strike="noStrike" cap="none" normalizeH="0" baseline="0" dirty="0">
+                <a:ln>
+                  <a:noFill/>
+                </a:ln>
+                <a:solidFill>
+                  <a:srgbClr val="A9B7C6"/>
+                </a:solidFill>
+                <a:effectLst/>
+                <a:latin typeface="VCROSDMonoRUSbyD" panose="02000609000000000000" pitchFamily="49" charset="0"/>
+                <a:ea typeface="VCROSDMonoRUSbyD" panose="02000609000000000000" pitchFamily="49" charset="0"/>
+              </a:rPr>
+              <a:t>[</a:t>
+            </a:r>
+            <a:r>
+              <a:rPr kumimoji="0" lang="ru-RU" altLang="ru-RU" sz="1000" b="0" i="0" u="none" strike="noStrike" cap="none" normalizeH="0" baseline="0" dirty="0">
+                <a:ln>
+                  <a:noFill/>
+                </a:ln>
+                <a:solidFill>
+                  <a:srgbClr val="6897BB"/>
+                </a:solidFill>
+                <a:effectLst/>
+                <a:latin typeface="VCROSDMonoRUSbyD" panose="02000609000000000000" pitchFamily="49" charset="0"/>
+                <a:ea typeface="VCROSDMonoRUSbyD" panose="02000609000000000000" pitchFamily="49" charset="0"/>
+              </a:rPr>
+              <a:t>0</a:t>
+            </a:r>
+            <a:r>
+              <a:rPr kumimoji="0" lang="ru-RU" altLang="ru-RU" sz="1000" b="0" i="0" u="none" strike="noStrike" cap="none" normalizeH="0" baseline="0" dirty="0">
+                <a:ln>
+                  <a:noFill/>
+                </a:ln>
+                <a:solidFill>
+                  <a:srgbClr val="A9B7C6"/>
+                </a:solidFill>
+                <a:effectLst/>
+                <a:latin typeface="VCROSDMonoRUSbyD" panose="02000609000000000000" pitchFamily="49" charset="0"/>
+                <a:ea typeface="VCROSDMonoRUSbyD" panose="02000609000000000000" pitchFamily="49" charset="0"/>
+              </a:rPr>
+              <a:t>] - </a:t>
+            </a:r>
+            <a:r>
+              <a:rPr kumimoji="0" lang="ru-RU" altLang="ru-RU" sz="1000" b="0" i="0" u="none" strike="noStrike" cap="none" normalizeH="0" baseline="0" dirty="0" err="1">
+                <a:ln>
+                  <a:noFill/>
+                </a:ln>
+                <a:solidFill>
+                  <a:srgbClr val="A9B7C6"/>
+                </a:solidFill>
+                <a:effectLst/>
+                <a:latin typeface="VCROSDMonoRUSbyD" panose="02000609000000000000" pitchFamily="49" charset="0"/>
+                <a:ea typeface="VCROSDMonoRUSbyD" panose="02000609000000000000" pitchFamily="49" charset="0"/>
+              </a:rPr>
+              <a:t>event.x</a:t>
+            </a:r>
+            <a:r>
+              <a:rPr kumimoji="0" lang="ru-RU" altLang="ru-RU" sz="1000" b="0" i="0" u="none" strike="noStrike" cap="none" normalizeH="0" baseline="0" dirty="0">
+                <a:ln>
+                  <a:noFill/>
+                </a:ln>
+                <a:solidFill>
+                  <a:srgbClr val="A9B7C6"/>
+                </a:solidFill>
+                <a:effectLst/>
+                <a:latin typeface="VCROSDMonoRUSbyD" panose="02000609000000000000" pitchFamily="49" charset="0"/>
+                <a:ea typeface="VCROSDMonoRUSbyD" panose="02000609000000000000" pitchFamily="49" charset="0"/>
+              </a:rPr>
+              <a:t>()) // </a:t>
+            </a:r>
+            <a:r>
+              <a:rPr kumimoji="0" lang="ru-RU" altLang="ru-RU" sz="1000" b="0" i="0" u="none" strike="noStrike" cap="none" normalizeH="0" baseline="0" dirty="0" err="1">
+                <a:ln>
+                  <a:noFill/>
+                </a:ln>
+                <a:solidFill>
+                  <a:srgbClr val="94558D"/>
+                </a:solidFill>
+                <a:effectLst/>
+                <a:latin typeface="VCROSDMonoRUSbyD" panose="02000609000000000000" pitchFamily="49" charset="0"/>
+                <a:ea typeface="VCROSDMonoRUSbyD" panose="02000609000000000000" pitchFamily="49" charset="0"/>
+              </a:rPr>
+              <a:t>self</a:t>
+            </a:r>
+            <a:r>
+              <a:rPr kumimoji="0" lang="ru-RU" altLang="ru-RU" sz="1000" b="0" i="0" u="none" strike="noStrike" cap="none" normalizeH="0" baseline="0" dirty="0" err="1">
+                <a:ln>
+                  <a:noFill/>
+                </a:ln>
+                <a:solidFill>
+                  <a:srgbClr val="A9B7C6"/>
+                </a:solidFill>
+                <a:effectLst/>
+                <a:latin typeface="VCROSDMonoRUSbyD" panose="02000609000000000000" pitchFamily="49" charset="0"/>
+                <a:ea typeface="VCROSDMonoRUSbyD" panose="02000609000000000000" pitchFamily="49" charset="0"/>
+              </a:rPr>
+              <a:t>.scale</a:t>
+            </a:r>
+            <a:r>
+              <a:rPr kumimoji="0" lang="ru-RU" altLang="ru-RU" sz="1000" b="0" i="0" u="none" strike="noStrike" cap="none" normalizeH="0" baseline="0" dirty="0">
+                <a:ln>
+                  <a:noFill/>
+                </a:ln>
+                <a:solidFill>
+                  <a:srgbClr val="A9B7C6"/>
+                </a:solidFill>
+                <a:effectLst/>
+                <a:latin typeface="VCROSDMonoRUSbyD" panose="02000609000000000000" pitchFamily="49" charset="0"/>
+                <a:ea typeface="VCROSDMonoRUSbyD" panose="02000609000000000000" pitchFamily="49" charset="0"/>
+              </a:rPr>
+              <a:t>)</a:t>
+            </a:r>
+            <a:r>
+              <a:rPr kumimoji="0" lang="ru-RU" altLang="ru-RU" sz="1000" b="0" i="0" u="none" strike="noStrike" cap="none" normalizeH="0" baseline="0" dirty="0">
+                <a:ln>
+                  <a:noFill/>
+                </a:ln>
+                <a:solidFill>
+                  <a:srgbClr val="CC7832"/>
+                </a:solidFill>
+                <a:effectLst/>
+                <a:latin typeface="VCROSDMonoRUSbyD" panose="02000609000000000000" pitchFamily="49" charset="0"/>
+                <a:ea typeface="VCROSDMonoRUSbyD" panose="02000609000000000000" pitchFamily="49" charset="0"/>
+              </a:rPr>
+              <a:t>,</a:t>
+            </a:r>
+            <a:br>
+              <a:rPr kumimoji="0" lang="ru-RU" altLang="ru-RU" sz="1000" b="0" i="0" u="none" strike="noStrike" cap="none" normalizeH="0" baseline="0" dirty="0">
+                <a:ln>
+                  <a:noFill/>
+                </a:ln>
+                <a:solidFill>
+                  <a:srgbClr val="CC7832"/>
+                </a:solidFill>
+                <a:effectLst/>
+                <a:latin typeface="VCROSDMonoRUSbyD" panose="02000609000000000000" pitchFamily="49" charset="0"/>
+                <a:ea typeface="VCROSDMonoRUSbyD" panose="02000609000000000000" pitchFamily="49" charset="0"/>
+              </a:rPr>
+            </a:br>
+            <a:r>
+              <a:rPr kumimoji="0" lang="ru-RU" altLang="ru-RU" sz="1000" b="0" i="0" u="none" strike="noStrike" cap="none" normalizeH="0" baseline="0" dirty="0">
+                <a:ln>
+                  <a:noFill/>
+                </a:ln>
+                <a:solidFill>
+                  <a:srgbClr val="CC7832"/>
+                </a:solidFill>
+                <a:effectLst/>
+                <a:latin typeface="VCROSDMonoRUSbyD" panose="02000609000000000000" pitchFamily="49" charset="0"/>
+                <a:ea typeface="VCROSDMonoRUSbyD" panose="02000609000000000000" pitchFamily="49" charset="0"/>
+              </a:rPr>
+              <a:t>                              </a:t>
+            </a:r>
+            <a:r>
+              <a:rPr kumimoji="0" lang="ru-RU" altLang="ru-RU" sz="1000" b="0" i="0" u="none" strike="noStrike" cap="none" normalizeH="0" baseline="0" dirty="0" err="1">
+                <a:ln>
+                  <a:noFill/>
+                </a:ln>
+                <a:solidFill>
+                  <a:srgbClr val="94558D"/>
+                </a:solidFill>
+                <a:effectLst/>
+                <a:latin typeface="VCROSDMonoRUSbyD" panose="02000609000000000000" pitchFamily="49" charset="0"/>
+                <a:ea typeface="VCROSDMonoRUSbyD" panose="02000609000000000000" pitchFamily="49" charset="0"/>
+              </a:rPr>
+              <a:t>self</a:t>
+            </a:r>
+            <a:r>
+              <a:rPr kumimoji="0" lang="ru-RU" altLang="ru-RU" sz="1000" b="0" i="0" u="none" strike="noStrike" cap="none" normalizeH="0" baseline="0" dirty="0" err="1">
+                <a:ln>
+                  <a:noFill/>
+                </a:ln>
+                <a:solidFill>
+                  <a:srgbClr val="A9B7C6"/>
+                </a:solidFill>
+                <a:effectLst/>
+                <a:latin typeface="VCROSDMonoRUSbyD" panose="02000609000000000000" pitchFamily="49" charset="0"/>
+                <a:ea typeface="VCROSDMonoRUSbyD" panose="02000609000000000000" pitchFamily="49" charset="0"/>
+              </a:rPr>
+              <a:t>.curr_grid_pos</a:t>
+            </a:r>
+            <a:r>
+              <a:rPr kumimoji="0" lang="ru-RU" altLang="ru-RU" sz="1000" b="0" i="0" u="none" strike="noStrike" cap="none" normalizeH="0" baseline="0" dirty="0">
+                <a:ln>
+                  <a:noFill/>
+                </a:ln>
+                <a:solidFill>
+                  <a:srgbClr val="A9B7C6"/>
+                </a:solidFill>
+                <a:effectLst/>
+                <a:latin typeface="VCROSDMonoRUSbyD" panose="02000609000000000000" pitchFamily="49" charset="0"/>
+                <a:ea typeface="VCROSDMonoRUSbyD" panose="02000609000000000000" pitchFamily="49" charset="0"/>
+              </a:rPr>
+              <a:t>[</a:t>
+            </a:r>
+            <a:r>
+              <a:rPr kumimoji="0" lang="ru-RU" altLang="ru-RU" sz="1000" b="0" i="0" u="none" strike="noStrike" cap="none" normalizeH="0" baseline="0" dirty="0">
+                <a:ln>
+                  <a:noFill/>
+                </a:ln>
+                <a:solidFill>
+                  <a:srgbClr val="6897BB"/>
+                </a:solidFill>
+                <a:effectLst/>
+                <a:latin typeface="VCROSDMonoRUSbyD" panose="02000609000000000000" pitchFamily="49" charset="0"/>
+                <a:ea typeface="VCROSDMonoRUSbyD" panose="02000609000000000000" pitchFamily="49" charset="0"/>
+              </a:rPr>
+              <a:t>1</a:t>
+            </a:r>
+            <a:r>
+              <a:rPr kumimoji="0" lang="ru-RU" altLang="ru-RU" sz="1000" b="0" i="0" u="none" strike="noStrike" cap="none" normalizeH="0" baseline="0" dirty="0">
+                <a:ln>
+                  <a:noFill/>
+                </a:ln>
+                <a:solidFill>
+                  <a:srgbClr val="A9B7C6"/>
+                </a:solidFill>
+                <a:effectLst/>
+                <a:latin typeface="VCROSDMonoRUSbyD" panose="02000609000000000000" pitchFamily="49" charset="0"/>
+                <a:ea typeface="VCROSDMonoRUSbyD" panose="02000609000000000000" pitchFamily="49" charset="0"/>
+              </a:rPr>
+              <a:t>] + (</a:t>
+            </a:r>
+            <a:r>
+              <a:rPr kumimoji="0" lang="ru-RU" altLang="ru-RU" sz="1000" b="0" i="0" u="none" strike="noStrike" cap="none" normalizeH="0" baseline="0" dirty="0" err="1">
+                <a:ln>
+                  <a:noFill/>
+                </a:ln>
+                <a:solidFill>
+                  <a:srgbClr val="A9B7C6"/>
+                </a:solidFill>
+                <a:effectLst/>
+                <a:latin typeface="VCROSDMonoRUSbyD" panose="02000609000000000000" pitchFamily="49" charset="0"/>
+                <a:ea typeface="VCROSDMonoRUSbyD" panose="02000609000000000000" pitchFamily="49" charset="0"/>
+              </a:rPr>
+              <a:t>dif</a:t>
+            </a:r>
+            <a:r>
+              <a:rPr kumimoji="0" lang="ru-RU" altLang="ru-RU" sz="1000" b="0" i="0" u="none" strike="noStrike" cap="none" normalizeH="0" baseline="0" dirty="0">
+                <a:ln>
+                  <a:noFill/>
+                </a:ln>
+                <a:solidFill>
+                  <a:srgbClr val="A9B7C6"/>
+                </a:solidFill>
+                <a:effectLst/>
+                <a:latin typeface="VCROSDMonoRUSbyD" panose="02000609000000000000" pitchFamily="49" charset="0"/>
+                <a:ea typeface="VCROSDMonoRUSbyD" panose="02000609000000000000" pitchFamily="49" charset="0"/>
+              </a:rPr>
+              <a:t> * (</a:t>
+            </a:r>
+            <a:r>
+              <a:rPr kumimoji="0" lang="ru-RU" altLang="ru-RU" sz="1000" b="0" i="0" u="none" strike="noStrike" cap="none" normalizeH="0" baseline="0" dirty="0" err="1">
+                <a:ln>
+                  <a:noFill/>
+                </a:ln>
+                <a:solidFill>
+                  <a:srgbClr val="94558D"/>
+                </a:solidFill>
+                <a:effectLst/>
+                <a:latin typeface="VCROSDMonoRUSbyD" panose="02000609000000000000" pitchFamily="49" charset="0"/>
+                <a:ea typeface="VCROSDMonoRUSbyD" panose="02000609000000000000" pitchFamily="49" charset="0"/>
+              </a:rPr>
+              <a:t>self</a:t>
+            </a:r>
+            <a:r>
+              <a:rPr kumimoji="0" lang="ru-RU" altLang="ru-RU" sz="1000" b="0" i="0" u="none" strike="noStrike" cap="none" normalizeH="0" baseline="0" dirty="0" err="1">
+                <a:ln>
+                  <a:noFill/>
+                </a:ln>
+                <a:solidFill>
+                  <a:srgbClr val="A9B7C6"/>
+                </a:solidFill>
+                <a:effectLst/>
+                <a:latin typeface="VCROSDMonoRUSbyD" panose="02000609000000000000" pitchFamily="49" charset="0"/>
+                <a:ea typeface="VCROSDMonoRUSbyD" panose="02000609000000000000" pitchFamily="49" charset="0"/>
+              </a:rPr>
+              <a:t>.curr_grid_pos</a:t>
+            </a:r>
+            <a:r>
+              <a:rPr kumimoji="0" lang="ru-RU" altLang="ru-RU" sz="1000" b="0" i="0" u="none" strike="noStrike" cap="none" normalizeH="0" baseline="0" dirty="0">
+                <a:ln>
+                  <a:noFill/>
+                </a:ln>
+                <a:solidFill>
+                  <a:srgbClr val="A9B7C6"/>
+                </a:solidFill>
+                <a:effectLst/>
+                <a:latin typeface="VCROSDMonoRUSbyD" panose="02000609000000000000" pitchFamily="49" charset="0"/>
+                <a:ea typeface="VCROSDMonoRUSbyD" panose="02000609000000000000" pitchFamily="49" charset="0"/>
+              </a:rPr>
+              <a:t>[</a:t>
+            </a:r>
+            <a:r>
+              <a:rPr kumimoji="0" lang="ru-RU" altLang="ru-RU" sz="1000" b="0" i="0" u="none" strike="noStrike" cap="none" normalizeH="0" baseline="0" dirty="0">
+                <a:ln>
+                  <a:noFill/>
+                </a:ln>
+                <a:solidFill>
+                  <a:srgbClr val="6897BB"/>
+                </a:solidFill>
+                <a:effectLst/>
+                <a:latin typeface="VCROSDMonoRUSbyD" panose="02000609000000000000" pitchFamily="49" charset="0"/>
+                <a:ea typeface="VCROSDMonoRUSbyD" panose="02000609000000000000" pitchFamily="49" charset="0"/>
+              </a:rPr>
+              <a:t>1</a:t>
+            </a:r>
+            <a:r>
+              <a:rPr kumimoji="0" lang="ru-RU" altLang="ru-RU" sz="1000" b="0" i="0" u="none" strike="noStrike" cap="none" normalizeH="0" baseline="0" dirty="0">
+                <a:ln>
+                  <a:noFill/>
+                </a:ln>
+                <a:solidFill>
+                  <a:srgbClr val="A9B7C6"/>
+                </a:solidFill>
+                <a:effectLst/>
+                <a:latin typeface="VCROSDMonoRUSbyD" panose="02000609000000000000" pitchFamily="49" charset="0"/>
+                <a:ea typeface="VCROSDMonoRUSbyD" panose="02000609000000000000" pitchFamily="49" charset="0"/>
+              </a:rPr>
+              <a:t>] - </a:t>
+            </a:r>
+            <a:r>
+              <a:rPr kumimoji="0" lang="ru-RU" altLang="ru-RU" sz="1000" b="0" i="0" u="none" strike="noStrike" cap="none" normalizeH="0" baseline="0" dirty="0" err="1">
+                <a:ln>
+                  <a:noFill/>
+                </a:ln>
+                <a:solidFill>
+                  <a:srgbClr val="A9B7C6"/>
+                </a:solidFill>
+                <a:effectLst/>
+                <a:latin typeface="VCROSDMonoRUSbyD" panose="02000609000000000000" pitchFamily="49" charset="0"/>
+                <a:ea typeface="VCROSDMonoRUSbyD" panose="02000609000000000000" pitchFamily="49" charset="0"/>
+              </a:rPr>
+              <a:t>event.y</a:t>
+            </a:r>
+            <a:r>
+              <a:rPr kumimoji="0" lang="ru-RU" altLang="ru-RU" sz="1000" b="0" i="0" u="none" strike="noStrike" cap="none" normalizeH="0" baseline="0" dirty="0">
+                <a:ln>
+                  <a:noFill/>
+                </a:ln>
+                <a:solidFill>
+                  <a:srgbClr val="A9B7C6"/>
+                </a:solidFill>
+                <a:effectLst/>
+                <a:latin typeface="VCROSDMonoRUSbyD" panose="02000609000000000000" pitchFamily="49" charset="0"/>
+                <a:ea typeface="VCROSDMonoRUSbyD" panose="02000609000000000000" pitchFamily="49" charset="0"/>
+              </a:rPr>
+              <a:t>()) // </a:t>
+            </a:r>
+            <a:r>
+              <a:rPr kumimoji="0" lang="ru-RU" altLang="ru-RU" sz="1000" b="0" i="0" u="none" strike="noStrike" cap="none" normalizeH="0" baseline="0" dirty="0" err="1">
+                <a:ln>
+                  <a:noFill/>
+                </a:ln>
+                <a:solidFill>
+                  <a:srgbClr val="94558D"/>
+                </a:solidFill>
+                <a:effectLst/>
+                <a:latin typeface="VCROSDMonoRUSbyD" panose="02000609000000000000" pitchFamily="49" charset="0"/>
+                <a:ea typeface="VCROSDMonoRUSbyD" panose="02000609000000000000" pitchFamily="49" charset="0"/>
+              </a:rPr>
+              <a:t>self</a:t>
+            </a:r>
+            <a:r>
+              <a:rPr kumimoji="0" lang="ru-RU" altLang="ru-RU" sz="1000" b="0" i="0" u="none" strike="noStrike" cap="none" normalizeH="0" baseline="0" dirty="0" err="1">
+                <a:ln>
+                  <a:noFill/>
+                </a:ln>
+                <a:solidFill>
+                  <a:srgbClr val="A9B7C6"/>
+                </a:solidFill>
+                <a:effectLst/>
+                <a:latin typeface="VCROSDMonoRUSbyD" panose="02000609000000000000" pitchFamily="49" charset="0"/>
+                <a:ea typeface="VCROSDMonoRUSbyD" panose="02000609000000000000" pitchFamily="49" charset="0"/>
+              </a:rPr>
+              <a:t>.scale</a:t>
+            </a:r>
+            <a:r>
+              <a:rPr kumimoji="0" lang="ru-RU" altLang="ru-RU" sz="1000" b="0" i="0" u="none" strike="noStrike" cap="none" normalizeH="0" baseline="0" dirty="0">
+                <a:ln>
+                  <a:noFill/>
+                </a:ln>
+                <a:solidFill>
+                  <a:srgbClr val="A9B7C6"/>
+                </a:solidFill>
+                <a:effectLst/>
+                <a:latin typeface="VCROSDMonoRUSbyD" panose="02000609000000000000" pitchFamily="49" charset="0"/>
+                <a:ea typeface="VCROSDMonoRUSbyD" panose="02000609000000000000" pitchFamily="49" charset="0"/>
+              </a:rPr>
+              <a:t>)]</a:t>
+            </a:r>
+            <a:br>
+              <a:rPr kumimoji="0" lang="ru-RU" altLang="ru-RU" sz="1000" b="0" i="0" u="none" strike="noStrike" cap="none" normalizeH="0" baseline="0" dirty="0">
+                <a:ln>
+                  <a:noFill/>
+                </a:ln>
+                <a:solidFill>
+                  <a:srgbClr val="A9B7C6"/>
+                </a:solidFill>
+                <a:effectLst/>
+                <a:latin typeface="VCROSDMonoRUSbyD" panose="02000609000000000000" pitchFamily="49" charset="0"/>
+                <a:ea typeface="VCROSDMonoRUSbyD" panose="02000609000000000000" pitchFamily="49" charset="0"/>
+              </a:rPr>
+            </a:br>
+            <a:r>
+              <a:rPr kumimoji="0" lang="ru-RU" altLang="ru-RU" sz="1000" b="0" i="0" u="none" strike="noStrike" cap="none" normalizeH="0" baseline="0" dirty="0">
+                <a:ln>
+                  <a:noFill/>
+                </a:ln>
+                <a:solidFill>
+                  <a:srgbClr val="A9B7C6"/>
+                </a:solidFill>
+                <a:effectLst/>
+                <a:latin typeface="VCROSDMonoRUSbyD" panose="02000609000000000000" pitchFamily="49" charset="0"/>
+                <a:ea typeface="VCROSDMonoRUSbyD" panose="02000609000000000000" pitchFamily="49" charset="0"/>
+              </a:rPr>
+              <a:t>        </a:t>
+            </a:r>
+            <a:r>
+              <a:rPr kumimoji="0" lang="ru-RU" altLang="ru-RU" sz="1000" b="0" i="0" u="none" strike="noStrike" cap="none" normalizeH="0" baseline="0" dirty="0" err="1">
+                <a:ln>
+                  <a:noFill/>
+                </a:ln>
+                <a:solidFill>
+                  <a:srgbClr val="94558D"/>
+                </a:solidFill>
+                <a:effectLst/>
+                <a:latin typeface="VCROSDMonoRUSbyD" panose="02000609000000000000" pitchFamily="49" charset="0"/>
+                <a:ea typeface="VCROSDMonoRUSbyD" panose="02000609000000000000" pitchFamily="49" charset="0"/>
+              </a:rPr>
+              <a:t>self</a:t>
+            </a:r>
+            <a:r>
+              <a:rPr kumimoji="0" lang="ru-RU" altLang="ru-RU" sz="1000" b="0" i="0" u="none" strike="noStrike" cap="none" normalizeH="0" baseline="0" dirty="0" err="1">
+                <a:ln>
+                  <a:noFill/>
+                </a:ln>
+                <a:solidFill>
+                  <a:srgbClr val="A9B7C6"/>
+                </a:solidFill>
+                <a:effectLst/>
+                <a:latin typeface="VCROSDMonoRUSbyD" panose="02000609000000000000" pitchFamily="49" charset="0"/>
+                <a:ea typeface="VCROSDMonoRUSbyD" panose="02000609000000000000" pitchFamily="49" charset="0"/>
+              </a:rPr>
+              <a:t>.scale</a:t>
+            </a:r>
+            <a:r>
+              <a:rPr kumimoji="0" lang="ru-RU" altLang="ru-RU" sz="1000" b="0" i="0" u="none" strike="noStrike" cap="none" normalizeH="0" baseline="0" dirty="0">
+                <a:ln>
+                  <a:noFill/>
+                </a:ln>
+                <a:solidFill>
+                  <a:srgbClr val="A9B7C6"/>
+                </a:solidFill>
+                <a:effectLst/>
+                <a:latin typeface="VCROSDMonoRUSbyD" panose="02000609000000000000" pitchFamily="49" charset="0"/>
+                <a:ea typeface="VCROSDMonoRUSbyD" panose="02000609000000000000" pitchFamily="49" charset="0"/>
+              </a:rPr>
+              <a:t> += </a:t>
+            </a:r>
+            <a:r>
+              <a:rPr kumimoji="0" lang="ru-RU" altLang="ru-RU" sz="1000" b="0" i="0" u="none" strike="noStrike" cap="none" normalizeH="0" baseline="0" dirty="0" err="1">
+                <a:ln>
+                  <a:noFill/>
+                </a:ln>
+                <a:solidFill>
+                  <a:srgbClr val="A9B7C6"/>
+                </a:solidFill>
+                <a:effectLst/>
+                <a:latin typeface="VCROSDMonoRUSbyD" panose="02000609000000000000" pitchFamily="49" charset="0"/>
+                <a:ea typeface="VCROSDMonoRUSbyD" panose="02000609000000000000" pitchFamily="49" charset="0"/>
+              </a:rPr>
+              <a:t>dif</a:t>
+            </a:r>
+            <a:br>
+              <a:rPr kumimoji="0" lang="ru-RU" altLang="ru-RU" sz="1000" b="0" i="0" u="none" strike="noStrike" cap="none" normalizeH="0" baseline="0" dirty="0">
+                <a:ln>
+                  <a:noFill/>
+                </a:ln>
+                <a:solidFill>
+                  <a:srgbClr val="A9B7C6"/>
+                </a:solidFill>
+                <a:effectLst/>
+                <a:latin typeface="VCROSDMonoRUSbyD" panose="02000609000000000000" pitchFamily="49" charset="0"/>
+                <a:ea typeface="VCROSDMonoRUSbyD" panose="02000609000000000000" pitchFamily="49" charset="0"/>
+              </a:rPr>
+            </a:br>
+            <a:r>
+              <a:rPr kumimoji="0" lang="ru-RU" altLang="ru-RU" sz="1000" b="0" i="0" u="none" strike="noStrike" cap="none" normalizeH="0" baseline="0" dirty="0">
+                <a:ln>
+                  <a:noFill/>
+                </a:ln>
+                <a:solidFill>
+                  <a:srgbClr val="A9B7C6"/>
+                </a:solidFill>
+                <a:effectLst/>
+                <a:latin typeface="VCROSDMonoRUSbyD" panose="02000609000000000000" pitchFamily="49" charset="0"/>
+                <a:ea typeface="VCROSDMonoRUSbyD" panose="02000609000000000000" pitchFamily="49" charset="0"/>
+              </a:rPr>
+              <a:t>        </a:t>
+            </a:r>
+            <a:r>
+              <a:rPr kumimoji="0" lang="ru-RU" altLang="ru-RU" sz="1000" b="0" i="0" u="none" strike="noStrike" cap="none" normalizeH="0" baseline="0" dirty="0" err="1">
+                <a:ln>
+                  <a:noFill/>
+                </a:ln>
+                <a:solidFill>
+                  <a:srgbClr val="94558D"/>
+                </a:solidFill>
+                <a:effectLst/>
+                <a:latin typeface="VCROSDMonoRUSbyD" panose="02000609000000000000" pitchFamily="49" charset="0"/>
+                <a:ea typeface="VCROSDMonoRUSbyD" panose="02000609000000000000" pitchFamily="49" charset="0"/>
+              </a:rPr>
+              <a:t>self</a:t>
+            </a:r>
+            <a:r>
+              <a:rPr kumimoji="0" lang="ru-RU" altLang="ru-RU" sz="1000" b="0" i="0" u="none" strike="noStrike" cap="none" normalizeH="0" baseline="0" dirty="0" err="1">
+                <a:ln>
+                  <a:noFill/>
+                </a:ln>
+                <a:solidFill>
+                  <a:srgbClr val="A9B7C6"/>
+                </a:solidFill>
+                <a:effectLst/>
+                <a:latin typeface="VCROSDMonoRUSbyD" panose="02000609000000000000" pitchFamily="49" charset="0"/>
+                <a:ea typeface="VCROSDMonoRUSbyD" panose="02000609000000000000" pitchFamily="49" charset="0"/>
+              </a:rPr>
+              <a:t>.repaint</a:t>
+            </a:r>
+            <a:r>
+              <a:rPr kumimoji="0" lang="ru-RU" altLang="ru-RU" sz="1000" b="0" i="0" u="none" strike="noStrike" cap="none" normalizeH="0" baseline="0" dirty="0">
+                <a:ln>
+                  <a:noFill/>
+                </a:ln>
+                <a:solidFill>
+                  <a:srgbClr val="A9B7C6"/>
+                </a:solidFill>
+                <a:effectLst/>
+                <a:latin typeface="VCROSDMonoRUSbyD" panose="02000609000000000000" pitchFamily="49" charset="0"/>
+                <a:ea typeface="VCROSDMonoRUSbyD" panose="02000609000000000000" pitchFamily="49" charset="0"/>
+              </a:rPr>
+              <a:t>()</a:t>
+            </a:r>
+            <a:endParaRPr kumimoji="0" lang="ru-RU" altLang="ru-RU" sz="1800" b="0" i="0" u="none" strike="noStrike" cap="none" normalizeH="0" baseline="0" dirty="0">
+              <a:ln>
+                <a:noFill/>
+              </a:ln>
+              <a:solidFill>
+                <a:schemeClr val="tx1"/>
+              </a:solidFill>
+              <a:effectLst/>
+              <a:latin typeface="VCROSDMonoRUSbyD" panose="02000609000000000000" pitchFamily="49" charset="0"/>
+              <a:ea typeface="VCROSDMonoRUSbyD" panose="02000609000000000000" pitchFamily="49" charset="0"/>
+            </a:endParaRPr>
+          </a:p>
+        </p:txBody>
+      </p:sp>
+    </p:spTree>
+    <p:extLst>
+      <p:ext uri="{BB962C8B-B14F-4D97-AF65-F5344CB8AC3E}">
+        <p14:creationId xmlns:p14="http://schemas.microsoft.com/office/powerpoint/2010/main" val="3270342261"/>
+      </p:ext>
+    </p:extLst>
+  </p:cSld>
+  <p:clrMapOvr>
+    <a:masterClrMapping/>
+  </p:clrMapOvr>
+</p:sld>
+</file>
+
+<file path=ppt/slides/slide7.xml><?xml version="1.0" encoding="utf-8"?>
+<p:sld xmlns:a="http://schemas.openxmlformats.org/drawingml/2006/main" xmlns:r="http://schemas.openxmlformats.org/officeDocument/2006/relationships" xmlns:p="http://schemas.openxmlformats.org/presentationml/2006/main">
+  <p:cSld>
+    <p:bg>
+      <p:bgPr>
+        <a:solidFill>
+          <a:schemeClr val="tx1"/>
+        </a:solidFill>
+        <a:effectLst/>
+      </p:bgPr>
+    </p:bg>
+    <p:spTree>
+      <p:nvGrpSpPr>
+        <p:cNvPr id="1" name=""/>
+        <p:cNvGrpSpPr/>
+        <p:nvPr/>
+      </p:nvGrpSpPr>
+      <p:grpSpPr>
+        <a:xfrm>
+          <a:off x="0" y="0"/>
+          <a:ext cx="0" cy="0"/>
+          <a:chOff x="0" y="0"/>
+          <a:chExt cx="0" cy="0"/>
+        </a:xfrm>
+      </p:grpSpPr>
+      <p:pic>
+        <p:nvPicPr>
+          <p:cNvPr id="16" name="Рисунок 15">
+            <a:extLst>
+              <a:ext uri="{FF2B5EF4-FFF2-40B4-BE49-F238E27FC236}">
+                <a16:creationId xmlns:a16="http://schemas.microsoft.com/office/drawing/2014/main" id="{8BB7BAC9-9949-4156-FA1B-13B89CEBE35D}"/>
+              </a:ext>
+            </a:extLst>
+          </p:cNvPr>
+          <p:cNvPicPr>
+            <a:picLocks noChangeAspect="1"/>
+          </p:cNvPicPr>
+          <p:nvPr/>
+        </p:nvPicPr>
+        <p:blipFill>
+          <a:blip r:embed="rId2"/>
+          <a:stretch>
+            <a:fillRect/>
+          </a:stretch>
+        </p:blipFill>
+        <p:spPr>
+          <a:xfrm>
+            <a:off x="10841833" y="5641327"/>
+            <a:ext cx="704850" cy="704850"/>
+          </a:xfrm>
+          <a:prstGeom prst="rect">
+            <a:avLst/>
+          </a:prstGeom>
+        </p:spPr>
+      </p:pic>
+      <p:sp>
+        <p:nvSpPr>
+          <p:cNvPr id="2" name="Заголовок 1">
+            <a:extLst>
+              <a:ext uri="{FF2B5EF4-FFF2-40B4-BE49-F238E27FC236}">
+                <a16:creationId xmlns:a16="http://schemas.microsoft.com/office/drawing/2014/main" id="{6FCE2D56-872C-DA0F-416D-CE7667DB9D18}"/>
+              </a:ext>
+            </a:extLst>
+          </p:cNvPr>
+          <p:cNvSpPr>
+            <a:spLocks noGrp="1"/>
+          </p:cNvSpPr>
+          <p:nvPr>
+            <p:ph type="ctrTitle"/>
+          </p:nvPr>
+        </p:nvSpPr>
+        <p:spPr>
+          <a:xfrm>
             <a:off x="244799" y="429450"/>
             <a:ext cx="11756701" cy="919162"/>
           </a:xfrm>
@@ -4118,8 +10952,17 @@
               <a:rPr lang="ru-RU" sz="4800" dirty="0">
                 <a:latin typeface="VCR OSD Mono [RUS by Daymarius]" panose="02000609000000000000" pitchFamily="49" charset="0"/>
               </a:rPr>
-              <a:t>Ресурсы</a:t>
-            </a:r>
+              <a:t>Ресурсы                  </a:t>
+            </a:r>
+            <a:r>
+              <a:rPr lang="en-US" sz="4800" dirty="0">
+                <a:latin typeface="VCR OSD Mono [RUS by Daymarius]" panose="02000609000000000000" pitchFamily="49" charset="0"/>
+              </a:rPr>
+              <a:t>-[]X</a:t>
+            </a:r>
+            <a:endParaRPr lang="ru-RU" sz="4800" dirty="0">
+              <a:latin typeface="VCR OSD Mono [RUS by Daymarius]" panose="02000609000000000000" pitchFamily="49" charset="0"/>
+            </a:endParaRPr>
           </a:p>
         </p:txBody>
       </p:sp>
@@ -4691,4 +11534,299 @@
     </a:ext>
   </a:extLst>
 </a:theme>
+</file>
+
+<file path=ppt/theme/theme2.xml><?xml version="1.0" encoding="utf-8"?>
+<a:theme xmlns:a="http://schemas.openxmlformats.org/drawingml/2006/main" name="Тема Office">
+  <a:themeElements>
+    <a:clrScheme name="Стандартная">
+      <a:dk1>
+        <a:sysClr val="windowText" lastClr="000000"/>
+      </a:dk1>
+      <a:lt1>
+        <a:sysClr val="window" lastClr="FFFFFF"/>
+      </a:lt1>
+      <a:dk2>
+        <a:srgbClr val="44546A"/>
+      </a:dk2>
+      <a:lt2>
+        <a:srgbClr val="E7E6E6"/>
+      </a:lt2>
+      <a:accent1>
+        <a:srgbClr val="4472C4"/>
+      </a:accent1>
+      <a:accent2>
+        <a:srgbClr val="ED7D31"/>
+      </a:accent2>
+      <a:accent3>
+        <a:srgbClr val="A5A5A5"/>
+      </a:accent3>
+      <a:accent4>
+        <a:srgbClr val="FFC000"/>
+      </a:accent4>
+      <a:accent5>
+        <a:srgbClr val="5B9BD5"/>
+      </a:accent5>
+      <a:accent6>
+        <a:srgbClr val="70AD47"/>
+      </a:accent6>
+      <a:hlink>
+        <a:srgbClr val="0563C1"/>
+      </a:hlink>
+      <a:folHlink>
+        <a:srgbClr val="954F72"/>
+      </a:folHlink>
+    </a:clrScheme>
+    <a:fontScheme name="Стандартная">
+      <a:majorFont>
+        <a:latin typeface="Calibri Light" panose="020F0302020204030204"/>
+        <a:ea typeface=""/>
+        <a:cs typeface=""/>
+        <a:font script="Jpan" typeface="游ゴシック Light"/>
+        <a:font script="Hang" typeface="맑은 고딕"/>
+        <a:font script="Hans" typeface="等线 Light"/>
+        <a:font script="Hant" typeface="新細明體"/>
+        <a:font script="Arab" typeface="Times New Roman"/>
+        <a:font script="Hebr" typeface="Times New Roman"/>
+        <a:font script="Thai" typeface="Angsana New"/>
+        <a:font script="Ethi" typeface="Nyala"/>
+        <a:font script="Beng" typeface="Vrinda"/>
+        <a:font script="Gujr" typeface="Shruti"/>
+        <a:font script="Khmr" typeface="MoolBoran"/>
+        <a:font script="Knda" typeface="Tunga"/>
+        <a:font script="Guru" typeface="Raavi"/>
+        <a:font script="Cans" typeface="Euphemia"/>
+        <a:font script="Cher" typeface="Plantagenet Cherokee"/>
+        <a:font script="Yiii" typeface="Microsoft Yi Baiti"/>
+        <a:font script="Tibt" typeface="Microsoft Himalaya"/>
+        <a:font script="Thaa" typeface="MV Boli"/>
+        <a:font script="Deva" typeface="Mangal"/>
+        <a:font script="Telu" typeface="Gautami"/>
+        <a:font script="Taml" typeface="Latha"/>
+        <a:font script="Syrc" typeface="Estrangelo Edessa"/>
+        <a:font script="Orya" typeface="Kalinga"/>
+        <a:font script="Mlym" typeface="Kartika"/>
+        <a:font script="Laoo" typeface="DokChampa"/>
+        <a:font script="Sinh" typeface="Iskoola Pota"/>
+        <a:font script="Mong" typeface="Mongolian Baiti"/>
+        <a:font script="Viet" typeface="Times New Roman"/>
+        <a:font script="Uigh" typeface="Microsoft Uighur"/>
+        <a:font script="Geor" typeface="Sylfaen"/>
+        <a:font script="Armn" typeface="Arial"/>
+        <a:font script="Bugi" typeface="Leelawadee UI"/>
+        <a:font script="Bopo" typeface="Microsoft JhengHei"/>
+        <a:font script="Java" typeface="Javanese Text"/>
+        <a:font script="Lisu" typeface="Segoe UI"/>
+        <a:font script="Mymr" typeface="Myanmar Text"/>
+        <a:font script="Nkoo" typeface="Ebrima"/>
+        <a:font script="Olck" typeface="Nirmala UI"/>
+        <a:font script="Osma" typeface="Ebrima"/>
+        <a:font script="Phag" typeface="Phagspa"/>
+        <a:font script="Syrn" typeface="Estrangelo Edessa"/>
+        <a:font script="Syrj" typeface="Estrangelo Edessa"/>
+        <a:font script="Syre" typeface="Estrangelo Edessa"/>
+        <a:font script="Sora" typeface="Nirmala UI"/>
+        <a:font script="Tale" typeface="Microsoft Tai Le"/>
+        <a:font script="Talu" typeface="Microsoft New Tai Lue"/>
+        <a:font script="Tfng" typeface="Ebrima"/>
+      </a:majorFont>
+      <a:minorFont>
+        <a:latin typeface="Calibri" panose="020F0502020204030204"/>
+        <a:ea typeface=""/>
+        <a:cs typeface=""/>
+        <a:font script="Jpan" typeface="游ゴシック"/>
+        <a:font script="Hang" typeface="맑은 고딕"/>
+        <a:font script="Hans" typeface="等线"/>
+        <a:font script="Hant" typeface="新細明體"/>
+        <a:font script="Arab" typeface="Arial"/>
+        <a:font script="Hebr" typeface="Arial"/>
+        <a:font script="Thai" typeface="Cordia New"/>
+        <a:font script="Ethi" typeface="Nyala"/>
+        <a:font script="Beng" typeface="Vrinda"/>
+        <a:font script="Gujr" typeface="Shruti"/>
+        <a:font script="Khmr" typeface="DaunPenh"/>
+        <a:font script="Knda" typeface="Tunga"/>
+        <a:font script="Guru" typeface="Raavi"/>
+        <a:font script="Cans" typeface="Euphemia"/>
+        <a:font script="Cher" typeface="Plantagenet Cherokee"/>
+        <a:font script="Yiii" typeface="Microsoft Yi Baiti"/>
+        <a:font script="Tibt" typeface="Microsoft Himalaya"/>
+        <a:font script="Thaa" typeface="MV Boli"/>
+        <a:font script="Deva" typeface="Mangal"/>
+        <a:font script="Telu" typeface="Gautami"/>
+        <a:font script="Taml" typeface="Latha"/>
+        <a:font script="Syrc" typeface="Estrangelo Edessa"/>
+        <a:font script="Orya" typeface="Kalinga"/>
+        <a:font script="Mlym" typeface="Kartika"/>
+        <a:font script="Laoo" typeface="DokChampa"/>
+        <a:font script="Sinh" typeface="Iskoola Pota"/>
+        <a:font script="Mong" typeface="Mongolian Baiti"/>
+        <a:font script="Viet" typeface="Arial"/>
+        <a:font script="Uigh" typeface="Microsoft Uighur"/>
+        <a:font script="Geor" typeface="Sylfaen"/>
+        <a:font script="Armn" typeface="Arial"/>
+        <a:font script="Bugi" typeface="Leelawadee UI"/>
+        <a:font script="Bopo" typeface="Microsoft JhengHei"/>
+        <a:font script="Java" typeface="Javanese Text"/>
+        <a:font script="Lisu" typeface="Segoe UI"/>
+        <a:font script="Mymr" typeface="Myanmar Text"/>
+        <a:font script="Nkoo" typeface="Ebrima"/>
+        <a:font script="Olck" typeface="Nirmala UI"/>
+        <a:font script="Osma" typeface="Ebrima"/>
+        <a:font script="Phag" typeface="Phagspa"/>
+        <a:font script="Syrn" typeface="Estrangelo Edessa"/>
+        <a:font script="Syrj" typeface="Estrangelo Edessa"/>
+        <a:font script="Syre" typeface="Estrangelo Edessa"/>
+        <a:font script="Sora" typeface="Nirmala UI"/>
+        <a:font script="Tale" typeface="Microsoft Tai Le"/>
+        <a:font script="Talu" typeface="Microsoft New Tai Lue"/>
+        <a:font script="Tfng" typeface="Ebrima"/>
+      </a:minorFont>
+    </a:fontScheme>
+    <a:fmtScheme name="Стандартная">
+      <a:fillStyleLst>
+        <a:solidFill>
+          <a:schemeClr val="phClr"/>
+        </a:solidFill>
+        <a:gradFill rotWithShape="1">
+          <a:gsLst>
+            <a:gs pos="0">
+              <a:schemeClr val="phClr">
+                <a:lumMod val="110000"/>
+                <a:satMod val="105000"/>
+                <a:tint val="67000"/>
+              </a:schemeClr>
+            </a:gs>
+            <a:gs pos="50000">
+              <a:schemeClr val="phClr">
+                <a:lumMod val="105000"/>
+                <a:satMod val="103000"/>
+                <a:tint val="73000"/>
+              </a:schemeClr>
+            </a:gs>
+            <a:gs pos="100000">
+              <a:schemeClr val="phClr">
+                <a:lumMod val="105000"/>
+                <a:satMod val="109000"/>
+                <a:tint val="81000"/>
+              </a:schemeClr>
+            </a:gs>
+          </a:gsLst>
+          <a:lin ang="5400000" scaled="0"/>
+        </a:gradFill>
+        <a:gradFill rotWithShape="1">
+          <a:gsLst>
+            <a:gs pos="0">
+              <a:schemeClr val="phClr">
+                <a:satMod val="103000"/>
+                <a:lumMod val="102000"/>
+                <a:tint val="94000"/>
+              </a:schemeClr>
+            </a:gs>
+            <a:gs pos="50000">
+              <a:schemeClr val="phClr">
+                <a:satMod val="110000"/>
+                <a:lumMod val="100000"/>
+                <a:shade val="100000"/>
+              </a:schemeClr>
+            </a:gs>
+            <a:gs pos="100000">
+              <a:schemeClr val="phClr">
+                <a:lumMod val="99000"/>
+                <a:satMod val="120000"/>
+                <a:shade val="78000"/>
+              </a:schemeClr>
+            </a:gs>
+          </a:gsLst>
+          <a:lin ang="5400000" scaled="0"/>
+        </a:gradFill>
+      </a:fillStyleLst>
+      <a:lnStyleLst>
+        <a:ln w="6350" cap="flat" cmpd="sng" algn="ctr">
+          <a:solidFill>
+            <a:schemeClr val="phClr"/>
+          </a:solidFill>
+          <a:prstDash val="solid"/>
+          <a:miter lim="800000"/>
+        </a:ln>
+        <a:ln w="12700" cap="flat" cmpd="sng" algn="ctr">
+          <a:solidFill>
+            <a:schemeClr val="phClr"/>
+          </a:solidFill>
+          <a:prstDash val="solid"/>
+          <a:miter lim="800000"/>
+        </a:ln>
+        <a:ln w="19050" cap="flat" cmpd="sng" algn="ctr">
+          <a:solidFill>
+            <a:schemeClr val="phClr"/>
+          </a:solidFill>
+          <a:prstDash val="solid"/>
+          <a:miter lim="800000"/>
+        </a:ln>
+      </a:lnStyleLst>
+      <a:effectStyleLst>
+        <a:effectStyle>
+          <a:effectLst/>
+        </a:effectStyle>
+        <a:effectStyle>
+          <a:effectLst/>
+        </a:effectStyle>
+        <a:effectStyle>
+          <a:effectLst>
+            <a:outerShdw blurRad="57150" dist="19050" dir="5400000" algn="ctr" rotWithShape="0">
+              <a:srgbClr val="000000">
+                <a:alpha val="63000"/>
+              </a:srgbClr>
+            </a:outerShdw>
+          </a:effectLst>
+        </a:effectStyle>
+      </a:effectStyleLst>
+      <a:bgFillStyleLst>
+        <a:solidFill>
+          <a:schemeClr val="phClr"/>
+        </a:solidFill>
+        <a:solidFill>
+          <a:schemeClr val="phClr">
+            <a:tint val="95000"/>
+            <a:satMod val="170000"/>
+          </a:schemeClr>
+        </a:solidFill>
+        <a:gradFill rotWithShape="1">
+          <a:gsLst>
+            <a:gs pos="0">
+              <a:schemeClr val="phClr">
+                <a:tint val="93000"/>
+                <a:satMod val="150000"/>
+                <a:shade val="98000"/>
+                <a:lumMod val="102000"/>
+              </a:schemeClr>
+            </a:gs>
+            <a:gs pos="50000">
+              <a:schemeClr val="phClr">
+                <a:tint val="98000"/>
+                <a:satMod val="130000"/>
+                <a:shade val="90000"/>
+                <a:lumMod val="103000"/>
+              </a:schemeClr>
+            </a:gs>
+            <a:gs pos="100000">
+              <a:schemeClr val="phClr">
+                <a:shade val="63000"/>
+                <a:satMod val="120000"/>
+              </a:schemeClr>
+            </a:gs>
+          </a:gsLst>
+          <a:lin ang="5400000" scaled="0"/>
+        </a:gradFill>
+      </a:bgFillStyleLst>
+    </a:fmtScheme>
+  </a:themeElements>
+  <a:objectDefaults/>
+  <a:extraClrSchemeLst/>
+  <a:extLst>
+    <a:ext uri="{05A4C25C-085E-4340-85A3-A5531E510DB2}">
+      <thm15:themeFamily xmlns:thm15="http://schemas.microsoft.com/office/thememl/2012/main" name="Office Theme" id="{62F939B6-93AF-4DB8-9C6B-D6C7DFDC589F}" vid="{4A3C46E8-61CC-4603-A589-7422A47A8E4A}"/>
+    </a:ext>
+  </a:extLst>
+</a:theme>
 </file>